--- a/JavaScript30-master/07 - Array Cardio Day 2/설명.pptx
+++ b/JavaScript30-master/07 - Array Cardio Day 2/설명.pptx
@@ -9,6 +9,7 @@
     <p:sldId id="259" r:id="rId3"/>
     <p:sldId id="258" r:id="rId4"/>
     <p:sldId id="260" r:id="rId5"/>
+    <p:sldId id="261" r:id="rId6"/>
   </p:sldIdLst>
   <p:sldSz cx="12192000" cy="6858000"/>
   <p:notesSz cx="6858000" cy="9144000"/>
@@ -132,7 +133,7 @@
           <p:cNvPr id="2" name="제목 1">
             <a:extLst>
               <a:ext uri="{FF2B5EF4-FFF2-40B4-BE49-F238E27FC236}">
-                <a16:creationId xmlns:a16="http://schemas.microsoft.com/office/drawing/2014/main" id="{40E1350D-900B-46BF-AED0-F4D91C46F922}"/>
+                <a16:creationId xmlns:a16="http://schemas.microsoft.com/office/drawing/2014/main" xmlns="" id="{40E1350D-900B-46BF-AED0-F4D91C46F922}"/>
               </a:ext>
             </a:extLst>
           </p:cNvPr>
@@ -169,7 +170,7 @@
           <p:cNvPr id="3" name="부제목 2">
             <a:extLst>
               <a:ext uri="{FF2B5EF4-FFF2-40B4-BE49-F238E27FC236}">
-                <a16:creationId xmlns:a16="http://schemas.microsoft.com/office/drawing/2014/main" id="{8CD7C434-4AC5-435F-8FF4-5D6674645959}"/>
+                <a16:creationId xmlns:a16="http://schemas.microsoft.com/office/drawing/2014/main" xmlns="" id="{8CD7C434-4AC5-435F-8FF4-5D6674645959}"/>
               </a:ext>
             </a:extLst>
           </p:cNvPr>
@@ -239,7 +240,7 @@
           <p:cNvPr id="4" name="날짜 개체 틀 3">
             <a:extLst>
               <a:ext uri="{FF2B5EF4-FFF2-40B4-BE49-F238E27FC236}">
-                <a16:creationId xmlns:a16="http://schemas.microsoft.com/office/drawing/2014/main" id="{120AEDF9-A813-4FC2-9760-CFED475155D5}"/>
+                <a16:creationId xmlns:a16="http://schemas.microsoft.com/office/drawing/2014/main" xmlns="" id="{120AEDF9-A813-4FC2-9760-CFED475155D5}"/>
               </a:ext>
             </a:extLst>
           </p:cNvPr>
@@ -257,7 +258,7 @@
           <a:p>
             <a:fld id="{448EC59A-14CB-4835-BC16-25D179378DDE}" type="datetimeFigureOut">
               <a:rPr lang="ko-KR" altLang="en-US" smtClean="0"/>
-              <a:t>2020-03-17</a:t>
+              <a:t>2020-03-18</a:t>
             </a:fld>
             <a:endParaRPr lang="ko-KR" altLang="en-US"/>
           </a:p>
@@ -268,7 +269,7 @@
           <p:cNvPr id="5" name="바닥글 개체 틀 4">
             <a:extLst>
               <a:ext uri="{FF2B5EF4-FFF2-40B4-BE49-F238E27FC236}">
-                <a16:creationId xmlns:a16="http://schemas.microsoft.com/office/drawing/2014/main" id="{4A526D8E-98F3-400F-B223-15790899C96E}"/>
+                <a16:creationId xmlns:a16="http://schemas.microsoft.com/office/drawing/2014/main" xmlns="" id="{4A526D8E-98F3-400F-B223-15790899C96E}"/>
               </a:ext>
             </a:extLst>
           </p:cNvPr>
@@ -293,7 +294,7 @@
           <p:cNvPr id="6" name="슬라이드 번호 개체 틀 5">
             <a:extLst>
               <a:ext uri="{FF2B5EF4-FFF2-40B4-BE49-F238E27FC236}">
-                <a16:creationId xmlns:a16="http://schemas.microsoft.com/office/drawing/2014/main" id="{B5C471E9-5F0F-4543-8240-7CFD32F0170E}"/>
+                <a16:creationId xmlns:a16="http://schemas.microsoft.com/office/drawing/2014/main" xmlns="" id="{B5C471E9-5F0F-4543-8240-7CFD32F0170E}"/>
               </a:ext>
             </a:extLst>
           </p:cNvPr>
@@ -352,7 +353,7 @@
           <p:cNvPr id="2" name="제목 1">
             <a:extLst>
               <a:ext uri="{FF2B5EF4-FFF2-40B4-BE49-F238E27FC236}">
-                <a16:creationId xmlns:a16="http://schemas.microsoft.com/office/drawing/2014/main" id="{A6B6AD0E-7BED-4947-AFCF-09DE2050DE5E}"/>
+                <a16:creationId xmlns:a16="http://schemas.microsoft.com/office/drawing/2014/main" xmlns="" id="{A6B6AD0E-7BED-4947-AFCF-09DE2050DE5E}"/>
               </a:ext>
             </a:extLst>
           </p:cNvPr>
@@ -380,7 +381,7 @@
           <p:cNvPr id="3" name="세로 텍스트 개체 틀 2">
             <a:extLst>
               <a:ext uri="{FF2B5EF4-FFF2-40B4-BE49-F238E27FC236}">
-                <a16:creationId xmlns:a16="http://schemas.microsoft.com/office/drawing/2014/main" id="{9A1DFA21-C3D4-41FF-AAB4-63A50B2C1105}"/>
+                <a16:creationId xmlns:a16="http://schemas.microsoft.com/office/drawing/2014/main" xmlns="" id="{9A1DFA21-C3D4-41FF-AAB4-63A50B2C1105}"/>
               </a:ext>
             </a:extLst>
           </p:cNvPr>
@@ -437,7 +438,7 @@
           <p:cNvPr id="4" name="날짜 개체 틀 3">
             <a:extLst>
               <a:ext uri="{FF2B5EF4-FFF2-40B4-BE49-F238E27FC236}">
-                <a16:creationId xmlns:a16="http://schemas.microsoft.com/office/drawing/2014/main" id="{3758675F-6EA1-446B-98C3-32120B3F02C5}"/>
+                <a16:creationId xmlns:a16="http://schemas.microsoft.com/office/drawing/2014/main" xmlns="" id="{3758675F-6EA1-446B-98C3-32120B3F02C5}"/>
               </a:ext>
             </a:extLst>
           </p:cNvPr>
@@ -455,7 +456,7 @@
           <a:p>
             <a:fld id="{448EC59A-14CB-4835-BC16-25D179378DDE}" type="datetimeFigureOut">
               <a:rPr lang="ko-KR" altLang="en-US" smtClean="0"/>
-              <a:t>2020-03-17</a:t>
+              <a:t>2020-03-18</a:t>
             </a:fld>
             <a:endParaRPr lang="ko-KR" altLang="en-US"/>
           </a:p>
@@ -466,7 +467,7 @@
           <p:cNvPr id="5" name="바닥글 개체 틀 4">
             <a:extLst>
               <a:ext uri="{FF2B5EF4-FFF2-40B4-BE49-F238E27FC236}">
-                <a16:creationId xmlns:a16="http://schemas.microsoft.com/office/drawing/2014/main" id="{6E2EF4C2-81AF-47CC-85E4-617F6418C2F5}"/>
+                <a16:creationId xmlns:a16="http://schemas.microsoft.com/office/drawing/2014/main" xmlns="" id="{6E2EF4C2-81AF-47CC-85E4-617F6418C2F5}"/>
               </a:ext>
             </a:extLst>
           </p:cNvPr>
@@ -491,7 +492,7 @@
           <p:cNvPr id="6" name="슬라이드 번호 개체 틀 5">
             <a:extLst>
               <a:ext uri="{FF2B5EF4-FFF2-40B4-BE49-F238E27FC236}">
-                <a16:creationId xmlns:a16="http://schemas.microsoft.com/office/drawing/2014/main" id="{E525016D-B230-4A9A-A1EC-19CD6E23B387}"/>
+                <a16:creationId xmlns:a16="http://schemas.microsoft.com/office/drawing/2014/main" xmlns="" id="{E525016D-B230-4A9A-A1EC-19CD6E23B387}"/>
               </a:ext>
             </a:extLst>
           </p:cNvPr>
@@ -550,7 +551,7 @@
           <p:cNvPr id="2" name="세로 제목 1">
             <a:extLst>
               <a:ext uri="{FF2B5EF4-FFF2-40B4-BE49-F238E27FC236}">
-                <a16:creationId xmlns:a16="http://schemas.microsoft.com/office/drawing/2014/main" id="{8A24891D-6C06-48EF-9278-235B35DC0D75}"/>
+                <a16:creationId xmlns:a16="http://schemas.microsoft.com/office/drawing/2014/main" xmlns="" id="{8A24891D-6C06-48EF-9278-235B35DC0D75}"/>
               </a:ext>
             </a:extLst>
           </p:cNvPr>
@@ -583,7 +584,7 @@
           <p:cNvPr id="3" name="세로 텍스트 개체 틀 2">
             <a:extLst>
               <a:ext uri="{FF2B5EF4-FFF2-40B4-BE49-F238E27FC236}">
-                <a16:creationId xmlns:a16="http://schemas.microsoft.com/office/drawing/2014/main" id="{F4CEFB68-6295-4544-9B60-053769EAE37E}"/>
+                <a16:creationId xmlns:a16="http://schemas.microsoft.com/office/drawing/2014/main" xmlns="" id="{F4CEFB68-6295-4544-9B60-053769EAE37E}"/>
               </a:ext>
             </a:extLst>
           </p:cNvPr>
@@ -645,7 +646,7 @@
           <p:cNvPr id="4" name="날짜 개체 틀 3">
             <a:extLst>
               <a:ext uri="{FF2B5EF4-FFF2-40B4-BE49-F238E27FC236}">
-                <a16:creationId xmlns:a16="http://schemas.microsoft.com/office/drawing/2014/main" id="{91035297-ADFC-47B1-9667-0BD63BC368BC}"/>
+                <a16:creationId xmlns:a16="http://schemas.microsoft.com/office/drawing/2014/main" xmlns="" id="{91035297-ADFC-47B1-9667-0BD63BC368BC}"/>
               </a:ext>
             </a:extLst>
           </p:cNvPr>
@@ -663,7 +664,7 @@
           <a:p>
             <a:fld id="{448EC59A-14CB-4835-BC16-25D179378DDE}" type="datetimeFigureOut">
               <a:rPr lang="ko-KR" altLang="en-US" smtClean="0"/>
-              <a:t>2020-03-17</a:t>
+              <a:t>2020-03-18</a:t>
             </a:fld>
             <a:endParaRPr lang="ko-KR" altLang="en-US"/>
           </a:p>
@@ -674,7 +675,7 @@
           <p:cNvPr id="5" name="바닥글 개체 틀 4">
             <a:extLst>
               <a:ext uri="{FF2B5EF4-FFF2-40B4-BE49-F238E27FC236}">
-                <a16:creationId xmlns:a16="http://schemas.microsoft.com/office/drawing/2014/main" id="{90E873C1-C0BC-420D-B073-C9B28047962A}"/>
+                <a16:creationId xmlns:a16="http://schemas.microsoft.com/office/drawing/2014/main" xmlns="" id="{90E873C1-C0BC-420D-B073-C9B28047962A}"/>
               </a:ext>
             </a:extLst>
           </p:cNvPr>
@@ -699,7 +700,7 @@
           <p:cNvPr id="6" name="슬라이드 번호 개체 틀 5">
             <a:extLst>
               <a:ext uri="{FF2B5EF4-FFF2-40B4-BE49-F238E27FC236}">
-                <a16:creationId xmlns:a16="http://schemas.microsoft.com/office/drawing/2014/main" id="{6C83D697-8517-4779-AAB5-0931F0A84AA5}"/>
+                <a16:creationId xmlns:a16="http://schemas.microsoft.com/office/drawing/2014/main" xmlns="" id="{6C83D697-8517-4779-AAB5-0931F0A84AA5}"/>
               </a:ext>
             </a:extLst>
           </p:cNvPr>
@@ -758,7 +759,7 @@
           <p:cNvPr id="2" name="제목 1">
             <a:extLst>
               <a:ext uri="{FF2B5EF4-FFF2-40B4-BE49-F238E27FC236}">
-                <a16:creationId xmlns:a16="http://schemas.microsoft.com/office/drawing/2014/main" id="{FE95E271-D23A-43DD-B437-409DAA7A4A95}"/>
+                <a16:creationId xmlns:a16="http://schemas.microsoft.com/office/drawing/2014/main" xmlns="" id="{FE95E271-D23A-43DD-B437-409DAA7A4A95}"/>
               </a:ext>
             </a:extLst>
           </p:cNvPr>
@@ -786,7 +787,7 @@
           <p:cNvPr id="3" name="내용 개체 틀 2">
             <a:extLst>
               <a:ext uri="{FF2B5EF4-FFF2-40B4-BE49-F238E27FC236}">
-                <a16:creationId xmlns:a16="http://schemas.microsoft.com/office/drawing/2014/main" id="{BAD7450A-BA6B-43C5-B595-108C9E1BC36E}"/>
+                <a16:creationId xmlns:a16="http://schemas.microsoft.com/office/drawing/2014/main" xmlns="" id="{BAD7450A-BA6B-43C5-B595-108C9E1BC36E}"/>
               </a:ext>
             </a:extLst>
           </p:cNvPr>
@@ -843,7 +844,7 @@
           <p:cNvPr id="4" name="날짜 개체 틀 3">
             <a:extLst>
               <a:ext uri="{FF2B5EF4-FFF2-40B4-BE49-F238E27FC236}">
-                <a16:creationId xmlns:a16="http://schemas.microsoft.com/office/drawing/2014/main" id="{A0EF7204-BAF0-495E-88E9-53444D7C7E40}"/>
+                <a16:creationId xmlns:a16="http://schemas.microsoft.com/office/drawing/2014/main" xmlns="" id="{A0EF7204-BAF0-495E-88E9-53444D7C7E40}"/>
               </a:ext>
             </a:extLst>
           </p:cNvPr>
@@ -861,7 +862,7 @@
           <a:p>
             <a:fld id="{448EC59A-14CB-4835-BC16-25D179378DDE}" type="datetimeFigureOut">
               <a:rPr lang="ko-KR" altLang="en-US" smtClean="0"/>
-              <a:t>2020-03-17</a:t>
+              <a:t>2020-03-18</a:t>
             </a:fld>
             <a:endParaRPr lang="ko-KR" altLang="en-US"/>
           </a:p>
@@ -872,7 +873,7 @@
           <p:cNvPr id="5" name="바닥글 개체 틀 4">
             <a:extLst>
               <a:ext uri="{FF2B5EF4-FFF2-40B4-BE49-F238E27FC236}">
-                <a16:creationId xmlns:a16="http://schemas.microsoft.com/office/drawing/2014/main" id="{21709868-0327-4990-986D-40BD2599410F}"/>
+                <a16:creationId xmlns:a16="http://schemas.microsoft.com/office/drawing/2014/main" xmlns="" id="{21709868-0327-4990-986D-40BD2599410F}"/>
               </a:ext>
             </a:extLst>
           </p:cNvPr>
@@ -897,7 +898,7 @@
           <p:cNvPr id="6" name="슬라이드 번호 개체 틀 5">
             <a:extLst>
               <a:ext uri="{FF2B5EF4-FFF2-40B4-BE49-F238E27FC236}">
-                <a16:creationId xmlns:a16="http://schemas.microsoft.com/office/drawing/2014/main" id="{3FBDA491-03B0-4E7A-B46A-7BE3AA02E457}"/>
+                <a16:creationId xmlns:a16="http://schemas.microsoft.com/office/drawing/2014/main" xmlns="" id="{3FBDA491-03B0-4E7A-B46A-7BE3AA02E457}"/>
               </a:ext>
             </a:extLst>
           </p:cNvPr>
@@ -956,7 +957,7 @@
           <p:cNvPr id="2" name="제목 1">
             <a:extLst>
               <a:ext uri="{FF2B5EF4-FFF2-40B4-BE49-F238E27FC236}">
-                <a16:creationId xmlns:a16="http://schemas.microsoft.com/office/drawing/2014/main" id="{8A06D018-F7F1-424A-9680-E82A61E70692}"/>
+                <a16:creationId xmlns:a16="http://schemas.microsoft.com/office/drawing/2014/main" xmlns="" id="{8A06D018-F7F1-424A-9680-E82A61E70692}"/>
               </a:ext>
             </a:extLst>
           </p:cNvPr>
@@ -993,7 +994,7 @@
           <p:cNvPr id="3" name="텍스트 개체 틀 2">
             <a:extLst>
               <a:ext uri="{FF2B5EF4-FFF2-40B4-BE49-F238E27FC236}">
-                <a16:creationId xmlns:a16="http://schemas.microsoft.com/office/drawing/2014/main" id="{10C54B3B-16CD-4CF8-B6F2-16178C83F1CE}"/>
+                <a16:creationId xmlns:a16="http://schemas.microsoft.com/office/drawing/2014/main" xmlns="" id="{10C54B3B-16CD-4CF8-B6F2-16178C83F1CE}"/>
               </a:ext>
             </a:extLst>
           </p:cNvPr>
@@ -1118,7 +1119,7 @@
           <p:cNvPr id="4" name="날짜 개체 틀 3">
             <a:extLst>
               <a:ext uri="{FF2B5EF4-FFF2-40B4-BE49-F238E27FC236}">
-                <a16:creationId xmlns:a16="http://schemas.microsoft.com/office/drawing/2014/main" id="{0468521A-36A6-47CB-B04A-650EC84F7723}"/>
+                <a16:creationId xmlns:a16="http://schemas.microsoft.com/office/drawing/2014/main" xmlns="" id="{0468521A-36A6-47CB-B04A-650EC84F7723}"/>
               </a:ext>
             </a:extLst>
           </p:cNvPr>
@@ -1136,7 +1137,7 @@
           <a:p>
             <a:fld id="{448EC59A-14CB-4835-BC16-25D179378DDE}" type="datetimeFigureOut">
               <a:rPr lang="ko-KR" altLang="en-US" smtClean="0"/>
-              <a:t>2020-03-17</a:t>
+              <a:t>2020-03-18</a:t>
             </a:fld>
             <a:endParaRPr lang="ko-KR" altLang="en-US"/>
           </a:p>
@@ -1147,7 +1148,7 @@
           <p:cNvPr id="5" name="바닥글 개체 틀 4">
             <a:extLst>
               <a:ext uri="{FF2B5EF4-FFF2-40B4-BE49-F238E27FC236}">
-                <a16:creationId xmlns:a16="http://schemas.microsoft.com/office/drawing/2014/main" id="{0D847994-C781-4E7A-884A-96CE8AB69BE3}"/>
+                <a16:creationId xmlns:a16="http://schemas.microsoft.com/office/drawing/2014/main" xmlns="" id="{0D847994-C781-4E7A-884A-96CE8AB69BE3}"/>
               </a:ext>
             </a:extLst>
           </p:cNvPr>
@@ -1172,7 +1173,7 @@
           <p:cNvPr id="6" name="슬라이드 번호 개체 틀 5">
             <a:extLst>
               <a:ext uri="{FF2B5EF4-FFF2-40B4-BE49-F238E27FC236}">
-                <a16:creationId xmlns:a16="http://schemas.microsoft.com/office/drawing/2014/main" id="{EA4E7454-7ED8-47D5-82B1-8FD661FEAFD8}"/>
+                <a16:creationId xmlns:a16="http://schemas.microsoft.com/office/drawing/2014/main" xmlns="" id="{EA4E7454-7ED8-47D5-82B1-8FD661FEAFD8}"/>
               </a:ext>
             </a:extLst>
           </p:cNvPr>
@@ -1231,7 +1232,7 @@
           <p:cNvPr id="2" name="제목 1">
             <a:extLst>
               <a:ext uri="{FF2B5EF4-FFF2-40B4-BE49-F238E27FC236}">
-                <a16:creationId xmlns:a16="http://schemas.microsoft.com/office/drawing/2014/main" id="{F94262D1-F98C-4B66-8EF6-4C6878B90870}"/>
+                <a16:creationId xmlns:a16="http://schemas.microsoft.com/office/drawing/2014/main" xmlns="" id="{F94262D1-F98C-4B66-8EF6-4C6878B90870}"/>
               </a:ext>
             </a:extLst>
           </p:cNvPr>
@@ -1259,7 +1260,7 @@
           <p:cNvPr id="3" name="내용 개체 틀 2">
             <a:extLst>
               <a:ext uri="{FF2B5EF4-FFF2-40B4-BE49-F238E27FC236}">
-                <a16:creationId xmlns:a16="http://schemas.microsoft.com/office/drawing/2014/main" id="{96F06A9F-E61B-4670-9ADD-9725251CD494}"/>
+                <a16:creationId xmlns:a16="http://schemas.microsoft.com/office/drawing/2014/main" xmlns="" id="{96F06A9F-E61B-4670-9ADD-9725251CD494}"/>
               </a:ext>
             </a:extLst>
           </p:cNvPr>
@@ -1321,7 +1322,7 @@
           <p:cNvPr id="4" name="내용 개체 틀 3">
             <a:extLst>
               <a:ext uri="{FF2B5EF4-FFF2-40B4-BE49-F238E27FC236}">
-                <a16:creationId xmlns:a16="http://schemas.microsoft.com/office/drawing/2014/main" id="{14A72E36-A190-47A9-AEA6-D7FEAAFCFAC2}"/>
+                <a16:creationId xmlns:a16="http://schemas.microsoft.com/office/drawing/2014/main" xmlns="" id="{14A72E36-A190-47A9-AEA6-D7FEAAFCFAC2}"/>
               </a:ext>
             </a:extLst>
           </p:cNvPr>
@@ -1383,7 +1384,7 @@
           <p:cNvPr id="5" name="날짜 개체 틀 4">
             <a:extLst>
               <a:ext uri="{FF2B5EF4-FFF2-40B4-BE49-F238E27FC236}">
-                <a16:creationId xmlns:a16="http://schemas.microsoft.com/office/drawing/2014/main" id="{CBEBD069-148C-44CA-B976-EAB2DF062E9F}"/>
+                <a16:creationId xmlns:a16="http://schemas.microsoft.com/office/drawing/2014/main" xmlns="" id="{CBEBD069-148C-44CA-B976-EAB2DF062E9F}"/>
               </a:ext>
             </a:extLst>
           </p:cNvPr>
@@ -1401,7 +1402,7 @@
           <a:p>
             <a:fld id="{448EC59A-14CB-4835-BC16-25D179378DDE}" type="datetimeFigureOut">
               <a:rPr lang="ko-KR" altLang="en-US" smtClean="0"/>
-              <a:t>2020-03-17</a:t>
+              <a:t>2020-03-18</a:t>
             </a:fld>
             <a:endParaRPr lang="ko-KR" altLang="en-US"/>
           </a:p>
@@ -1412,7 +1413,7 @@
           <p:cNvPr id="6" name="바닥글 개체 틀 5">
             <a:extLst>
               <a:ext uri="{FF2B5EF4-FFF2-40B4-BE49-F238E27FC236}">
-                <a16:creationId xmlns:a16="http://schemas.microsoft.com/office/drawing/2014/main" id="{18C6C550-1FC0-4C15-8A59-5967B554D09F}"/>
+                <a16:creationId xmlns:a16="http://schemas.microsoft.com/office/drawing/2014/main" xmlns="" id="{18C6C550-1FC0-4C15-8A59-5967B554D09F}"/>
               </a:ext>
             </a:extLst>
           </p:cNvPr>
@@ -1437,7 +1438,7 @@
           <p:cNvPr id="7" name="슬라이드 번호 개체 틀 6">
             <a:extLst>
               <a:ext uri="{FF2B5EF4-FFF2-40B4-BE49-F238E27FC236}">
-                <a16:creationId xmlns:a16="http://schemas.microsoft.com/office/drawing/2014/main" id="{B78D2141-04A1-4385-AA31-72864C8059EF}"/>
+                <a16:creationId xmlns:a16="http://schemas.microsoft.com/office/drawing/2014/main" xmlns="" id="{B78D2141-04A1-4385-AA31-72864C8059EF}"/>
               </a:ext>
             </a:extLst>
           </p:cNvPr>
@@ -1496,7 +1497,7 @@
           <p:cNvPr id="2" name="제목 1">
             <a:extLst>
               <a:ext uri="{FF2B5EF4-FFF2-40B4-BE49-F238E27FC236}">
-                <a16:creationId xmlns:a16="http://schemas.microsoft.com/office/drawing/2014/main" id="{E2230E15-7287-4E36-933C-110D755DB760}"/>
+                <a16:creationId xmlns:a16="http://schemas.microsoft.com/office/drawing/2014/main" xmlns="" id="{E2230E15-7287-4E36-933C-110D755DB760}"/>
               </a:ext>
             </a:extLst>
           </p:cNvPr>
@@ -1529,7 +1530,7 @@
           <p:cNvPr id="3" name="텍스트 개체 틀 2">
             <a:extLst>
               <a:ext uri="{FF2B5EF4-FFF2-40B4-BE49-F238E27FC236}">
-                <a16:creationId xmlns:a16="http://schemas.microsoft.com/office/drawing/2014/main" id="{748B223D-6ABF-404E-8241-5E15672F0275}"/>
+                <a16:creationId xmlns:a16="http://schemas.microsoft.com/office/drawing/2014/main" xmlns="" id="{748B223D-6ABF-404E-8241-5E15672F0275}"/>
               </a:ext>
             </a:extLst>
           </p:cNvPr>
@@ -1600,7 +1601,7 @@
           <p:cNvPr id="4" name="내용 개체 틀 3">
             <a:extLst>
               <a:ext uri="{FF2B5EF4-FFF2-40B4-BE49-F238E27FC236}">
-                <a16:creationId xmlns:a16="http://schemas.microsoft.com/office/drawing/2014/main" id="{9C90659F-3C1E-4A32-9838-045C1152AC66}"/>
+                <a16:creationId xmlns:a16="http://schemas.microsoft.com/office/drawing/2014/main" xmlns="" id="{9C90659F-3C1E-4A32-9838-045C1152AC66}"/>
               </a:ext>
             </a:extLst>
           </p:cNvPr>
@@ -1662,7 +1663,7 @@
           <p:cNvPr id="5" name="텍스트 개체 틀 4">
             <a:extLst>
               <a:ext uri="{FF2B5EF4-FFF2-40B4-BE49-F238E27FC236}">
-                <a16:creationId xmlns:a16="http://schemas.microsoft.com/office/drawing/2014/main" id="{353AFBF4-20D8-4FA4-AEBA-E0E92594B952}"/>
+                <a16:creationId xmlns:a16="http://schemas.microsoft.com/office/drawing/2014/main" xmlns="" id="{353AFBF4-20D8-4FA4-AEBA-E0E92594B952}"/>
               </a:ext>
             </a:extLst>
           </p:cNvPr>
@@ -1733,7 +1734,7 @@
           <p:cNvPr id="6" name="내용 개체 틀 5">
             <a:extLst>
               <a:ext uri="{FF2B5EF4-FFF2-40B4-BE49-F238E27FC236}">
-                <a16:creationId xmlns:a16="http://schemas.microsoft.com/office/drawing/2014/main" id="{AA30A439-4DB2-427E-8B05-A49FD392CCC3}"/>
+                <a16:creationId xmlns:a16="http://schemas.microsoft.com/office/drawing/2014/main" xmlns="" id="{AA30A439-4DB2-427E-8B05-A49FD392CCC3}"/>
               </a:ext>
             </a:extLst>
           </p:cNvPr>
@@ -1795,7 +1796,7 @@
           <p:cNvPr id="7" name="날짜 개체 틀 6">
             <a:extLst>
               <a:ext uri="{FF2B5EF4-FFF2-40B4-BE49-F238E27FC236}">
-                <a16:creationId xmlns:a16="http://schemas.microsoft.com/office/drawing/2014/main" id="{6F175528-636F-49CF-ACA7-E34B7658215E}"/>
+                <a16:creationId xmlns:a16="http://schemas.microsoft.com/office/drawing/2014/main" xmlns="" id="{6F175528-636F-49CF-ACA7-E34B7658215E}"/>
               </a:ext>
             </a:extLst>
           </p:cNvPr>
@@ -1813,7 +1814,7 @@
           <a:p>
             <a:fld id="{448EC59A-14CB-4835-BC16-25D179378DDE}" type="datetimeFigureOut">
               <a:rPr lang="ko-KR" altLang="en-US" smtClean="0"/>
-              <a:t>2020-03-17</a:t>
+              <a:t>2020-03-18</a:t>
             </a:fld>
             <a:endParaRPr lang="ko-KR" altLang="en-US"/>
           </a:p>
@@ -1824,7 +1825,7 @@
           <p:cNvPr id="8" name="바닥글 개체 틀 7">
             <a:extLst>
               <a:ext uri="{FF2B5EF4-FFF2-40B4-BE49-F238E27FC236}">
-                <a16:creationId xmlns:a16="http://schemas.microsoft.com/office/drawing/2014/main" id="{3FD0DD3C-C21B-45A5-BC26-17E3713ABC57}"/>
+                <a16:creationId xmlns:a16="http://schemas.microsoft.com/office/drawing/2014/main" xmlns="" id="{3FD0DD3C-C21B-45A5-BC26-17E3713ABC57}"/>
               </a:ext>
             </a:extLst>
           </p:cNvPr>
@@ -1849,7 +1850,7 @@
           <p:cNvPr id="9" name="슬라이드 번호 개체 틀 8">
             <a:extLst>
               <a:ext uri="{FF2B5EF4-FFF2-40B4-BE49-F238E27FC236}">
-                <a16:creationId xmlns:a16="http://schemas.microsoft.com/office/drawing/2014/main" id="{A32240BC-D660-4DF5-857E-A13A701BE2A2}"/>
+                <a16:creationId xmlns:a16="http://schemas.microsoft.com/office/drawing/2014/main" xmlns="" id="{A32240BC-D660-4DF5-857E-A13A701BE2A2}"/>
               </a:ext>
             </a:extLst>
           </p:cNvPr>
@@ -1908,7 +1909,7 @@
           <p:cNvPr id="2" name="제목 1">
             <a:extLst>
               <a:ext uri="{FF2B5EF4-FFF2-40B4-BE49-F238E27FC236}">
-                <a16:creationId xmlns:a16="http://schemas.microsoft.com/office/drawing/2014/main" id="{6AB04616-58A2-47CE-A839-0DC2F6579F1A}"/>
+                <a16:creationId xmlns:a16="http://schemas.microsoft.com/office/drawing/2014/main" xmlns="" id="{6AB04616-58A2-47CE-A839-0DC2F6579F1A}"/>
               </a:ext>
             </a:extLst>
           </p:cNvPr>
@@ -1936,7 +1937,7 @@
           <p:cNvPr id="3" name="날짜 개체 틀 2">
             <a:extLst>
               <a:ext uri="{FF2B5EF4-FFF2-40B4-BE49-F238E27FC236}">
-                <a16:creationId xmlns:a16="http://schemas.microsoft.com/office/drawing/2014/main" id="{56694C14-8588-445A-8CFF-0F996CB2D3BF}"/>
+                <a16:creationId xmlns:a16="http://schemas.microsoft.com/office/drawing/2014/main" xmlns="" id="{56694C14-8588-445A-8CFF-0F996CB2D3BF}"/>
               </a:ext>
             </a:extLst>
           </p:cNvPr>
@@ -1954,7 +1955,7 @@
           <a:p>
             <a:fld id="{448EC59A-14CB-4835-BC16-25D179378DDE}" type="datetimeFigureOut">
               <a:rPr lang="ko-KR" altLang="en-US" smtClean="0"/>
-              <a:t>2020-03-17</a:t>
+              <a:t>2020-03-18</a:t>
             </a:fld>
             <a:endParaRPr lang="ko-KR" altLang="en-US"/>
           </a:p>
@@ -1965,7 +1966,7 @@
           <p:cNvPr id="4" name="바닥글 개체 틀 3">
             <a:extLst>
               <a:ext uri="{FF2B5EF4-FFF2-40B4-BE49-F238E27FC236}">
-                <a16:creationId xmlns:a16="http://schemas.microsoft.com/office/drawing/2014/main" id="{DFF5B090-4BEE-4C5A-BAC2-14D66FCDEADF}"/>
+                <a16:creationId xmlns:a16="http://schemas.microsoft.com/office/drawing/2014/main" xmlns="" id="{DFF5B090-4BEE-4C5A-BAC2-14D66FCDEADF}"/>
               </a:ext>
             </a:extLst>
           </p:cNvPr>
@@ -1990,7 +1991,7 @@
           <p:cNvPr id="5" name="슬라이드 번호 개체 틀 4">
             <a:extLst>
               <a:ext uri="{FF2B5EF4-FFF2-40B4-BE49-F238E27FC236}">
-                <a16:creationId xmlns:a16="http://schemas.microsoft.com/office/drawing/2014/main" id="{4C861722-A667-407A-85F5-AA55F771A25F}"/>
+                <a16:creationId xmlns:a16="http://schemas.microsoft.com/office/drawing/2014/main" xmlns="" id="{4C861722-A667-407A-85F5-AA55F771A25F}"/>
               </a:ext>
             </a:extLst>
           </p:cNvPr>
@@ -2049,7 +2050,7 @@
           <p:cNvPr id="2" name="날짜 개체 틀 1">
             <a:extLst>
               <a:ext uri="{FF2B5EF4-FFF2-40B4-BE49-F238E27FC236}">
-                <a16:creationId xmlns:a16="http://schemas.microsoft.com/office/drawing/2014/main" id="{AB19D400-884F-4969-B7A7-ACFD3A4A5574}"/>
+                <a16:creationId xmlns:a16="http://schemas.microsoft.com/office/drawing/2014/main" xmlns="" id="{AB19D400-884F-4969-B7A7-ACFD3A4A5574}"/>
               </a:ext>
             </a:extLst>
           </p:cNvPr>
@@ -2067,7 +2068,7 @@
           <a:p>
             <a:fld id="{448EC59A-14CB-4835-BC16-25D179378DDE}" type="datetimeFigureOut">
               <a:rPr lang="ko-KR" altLang="en-US" smtClean="0"/>
-              <a:t>2020-03-17</a:t>
+              <a:t>2020-03-18</a:t>
             </a:fld>
             <a:endParaRPr lang="ko-KR" altLang="en-US"/>
           </a:p>
@@ -2078,7 +2079,7 @@
           <p:cNvPr id="3" name="바닥글 개체 틀 2">
             <a:extLst>
               <a:ext uri="{FF2B5EF4-FFF2-40B4-BE49-F238E27FC236}">
-                <a16:creationId xmlns:a16="http://schemas.microsoft.com/office/drawing/2014/main" id="{AD2CD216-AC3B-453F-898A-553843E43448}"/>
+                <a16:creationId xmlns:a16="http://schemas.microsoft.com/office/drawing/2014/main" xmlns="" id="{AD2CD216-AC3B-453F-898A-553843E43448}"/>
               </a:ext>
             </a:extLst>
           </p:cNvPr>
@@ -2103,7 +2104,7 @@
           <p:cNvPr id="4" name="슬라이드 번호 개체 틀 3">
             <a:extLst>
               <a:ext uri="{FF2B5EF4-FFF2-40B4-BE49-F238E27FC236}">
-                <a16:creationId xmlns:a16="http://schemas.microsoft.com/office/drawing/2014/main" id="{406968C5-7F4C-4DA4-A3E1-5F8663EC5BF9}"/>
+                <a16:creationId xmlns:a16="http://schemas.microsoft.com/office/drawing/2014/main" xmlns="" id="{406968C5-7F4C-4DA4-A3E1-5F8663EC5BF9}"/>
               </a:ext>
             </a:extLst>
           </p:cNvPr>
@@ -2162,7 +2163,7 @@
           <p:cNvPr id="2" name="제목 1">
             <a:extLst>
               <a:ext uri="{FF2B5EF4-FFF2-40B4-BE49-F238E27FC236}">
-                <a16:creationId xmlns:a16="http://schemas.microsoft.com/office/drawing/2014/main" id="{B7771E74-FF9F-4CA5-8D88-BA03A12A69A3}"/>
+                <a16:creationId xmlns:a16="http://schemas.microsoft.com/office/drawing/2014/main" xmlns="" id="{B7771E74-FF9F-4CA5-8D88-BA03A12A69A3}"/>
               </a:ext>
             </a:extLst>
           </p:cNvPr>
@@ -2199,7 +2200,7 @@
           <p:cNvPr id="3" name="내용 개체 틀 2">
             <a:extLst>
               <a:ext uri="{FF2B5EF4-FFF2-40B4-BE49-F238E27FC236}">
-                <a16:creationId xmlns:a16="http://schemas.microsoft.com/office/drawing/2014/main" id="{3B7A4216-6881-4CE7-9F1D-9B66B1229825}"/>
+                <a16:creationId xmlns:a16="http://schemas.microsoft.com/office/drawing/2014/main" xmlns="" id="{3B7A4216-6881-4CE7-9F1D-9B66B1229825}"/>
               </a:ext>
             </a:extLst>
           </p:cNvPr>
@@ -2289,7 +2290,7 @@
           <p:cNvPr id="4" name="텍스트 개체 틀 3">
             <a:extLst>
               <a:ext uri="{FF2B5EF4-FFF2-40B4-BE49-F238E27FC236}">
-                <a16:creationId xmlns:a16="http://schemas.microsoft.com/office/drawing/2014/main" id="{F85C35C9-A7F5-41FA-922E-8641CE02530A}"/>
+                <a16:creationId xmlns:a16="http://schemas.microsoft.com/office/drawing/2014/main" xmlns="" id="{F85C35C9-A7F5-41FA-922E-8641CE02530A}"/>
               </a:ext>
             </a:extLst>
           </p:cNvPr>
@@ -2360,7 +2361,7 @@
           <p:cNvPr id="5" name="날짜 개체 틀 4">
             <a:extLst>
               <a:ext uri="{FF2B5EF4-FFF2-40B4-BE49-F238E27FC236}">
-                <a16:creationId xmlns:a16="http://schemas.microsoft.com/office/drawing/2014/main" id="{34DDDABE-4CC9-417A-B9E3-ED8D8D62F5FF}"/>
+                <a16:creationId xmlns:a16="http://schemas.microsoft.com/office/drawing/2014/main" xmlns="" id="{34DDDABE-4CC9-417A-B9E3-ED8D8D62F5FF}"/>
               </a:ext>
             </a:extLst>
           </p:cNvPr>
@@ -2378,7 +2379,7 @@
           <a:p>
             <a:fld id="{448EC59A-14CB-4835-BC16-25D179378DDE}" type="datetimeFigureOut">
               <a:rPr lang="ko-KR" altLang="en-US" smtClean="0"/>
-              <a:t>2020-03-17</a:t>
+              <a:t>2020-03-18</a:t>
             </a:fld>
             <a:endParaRPr lang="ko-KR" altLang="en-US"/>
           </a:p>
@@ -2389,7 +2390,7 @@
           <p:cNvPr id="6" name="바닥글 개체 틀 5">
             <a:extLst>
               <a:ext uri="{FF2B5EF4-FFF2-40B4-BE49-F238E27FC236}">
-                <a16:creationId xmlns:a16="http://schemas.microsoft.com/office/drawing/2014/main" id="{6EAF4A86-1E27-4B59-8E83-A771AF3B8112}"/>
+                <a16:creationId xmlns:a16="http://schemas.microsoft.com/office/drawing/2014/main" xmlns="" id="{6EAF4A86-1E27-4B59-8E83-A771AF3B8112}"/>
               </a:ext>
             </a:extLst>
           </p:cNvPr>
@@ -2414,7 +2415,7 @@
           <p:cNvPr id="7" name="슬라이드 번호 개체 틀 6">
             <a:extLst>
               <a:ext uri="{FF2B5EF4-FFF2-40B4-BE49-F238E27FC236}">
-                <a16:creationId xmlns:a16="http://schemas.microsoft.com/office/drawing/2014/main" id="{36CD1100-AC71-4AFB-A726-ACD6D225882F}"/>
+                <a16:creationId xmlns:a16="http://schemas.microsoft.com/office/drawing/2014/main" xmlns="" id="{36CD1100-AC71-4AFB-A726-ACD6D225882F}"/>
               </a:ext>
             </a:extLst>
           </p:cNvPr>
@@ -2473,7 +2474,7 @@
           <p:cNvPr id="2" name="제목 1">
             <a:extLst>
               <a:ext uri="{FF2B5EF4-FFF2-40B4-BE49-F238E27FC236}">
-                <a16:creationId xmlns:a16="http://schemas.microsoft.com/office/drawing/2014/main" id="{C1111BDF-E629-4E44-BE61-C6325BA3C7B3}"/>
+                <a16:creationId xmlns:a16="http://schemas.microsoft.com/office/drawing/2014/main" xmlns="" id="{C1111BDF-E629-4E44-BE61-C6325BA3C7B3}"/>
               </a:ext>
             </a:extLst>
           </p:cNvPr>
@@ -2510,7 +2511,7 @@
           <p:cNvPr id="3" name="그림 개체 틀 2">
             <a:extLst>
               <a:ext uri="{FF2B5EF4-FFF2-40B4-BE49-F238E27FC236}">
-                <a16:creationId xmlns:a16="http://schemas.microsoft.com/office/drawing/2014/main" id="{002711C1-11CF-4D5D-85E7-E2CA0301E7E4}"/>
+                <a16:creationId xmlns:a16="http://schemas.microsoft.com/office/drawing/2014/main" xmlns="" id="{002711C1-11CF-4D5D-85E7-E2CA0301E7E4}"/>
               </a:ext>
             </a:extLst>
           </p:cNvPr>
@@ -2577,7 +2578,7 @@
           <p:cNvPr id="4" name="텍스트 개체 틀 3">
             <a:extLst>
               <a:ext uri="{FF2B5EF4-FFF2-40B4-BE49-F238E27FC236}">
-                <a16:creationId xmlns:a16="http://schemas.microsoft.com/office/drawing/2014/main" id="{4ED8F5AA-CE5B-4B4D-ADDA-07EFBFC82207}"/>
+                <a16:creationId xmlns:a16="http://schemas.microsoft.com/office/drawing/2014/main" xmlns="" id="{4ED8F5AA-CE5B-4B4D-ADDA-07EFBFC82207}"/>
               </a:ext>
             </a:extLst>
           </p:cNvPr>
@@ -2648,7 +2649,7 @@
           <p:cNvPr id="5" name="날짜 개체 틀 4">
             <a:extLst>
               <a:ext uri="{FF2B5EF4-FFF2-40B4-BE49-F238E27FC236}">
-                <a16:creationId xmlns:a16="http://schemas.microsoft.com/office/drawing/2014/main" id="{C02B12B8-8C98-42BF-9735-436A58A86B0C}"/>
+                <a16:creationId xmlns:a16="http://schemas.microsoft.com/office/drawing/2014/main" xmlns="" id="{C02B12B8-8C98-42BF-9735-436A58A86B0C}"/>
               </a:ext>
             </a:extLst>
           </p:cNvPr>
@@ -2666,7 +2667,7 @@
           <a:p>
             <a:fld id="{448EC59A-14CB-4835-BC16-25D179378DDE}" type="datetimeFigureOut">
               <a:rPr lang="ko-KR" altLang="en-US" smtClean="0"/>
-              <a:t>2020-03-17</a:t>
+              <a:t>2020-03-18</a:t>
             </a:fld>
             <a:endParaRPr lang="ko-KR" altLang="en-US"/>
           </a:p>
@@ -2677,7 +2678,7 @@
           <p:cNvPr id="6" name="바닥글 개체 틀 5">
             <a:extLst>
               <a:ext uri="{FF2B5EF4-FFF2-40B4-BE49-F238E27FC236}">
-                <a16:creationId xmlns:a16="http://schemas.microsoft.com/office/drawing/2014/main" id="{78A1DC1D-B090-451F-A60E-E1839C096859}"/>
+                <a16:creationId xmlns:a16="http://schemas.microsoft.com/office/drawing/2014/main" xmlns="" id="{78A1DC1D-B090-451F-A60E-E1839C096859}"/>
               </a:ext>
             </a:extLst>
           </p:cNvPr>
@@ -2702,7 +2703,7 @@
           <p:cNvPr id="7" name="슬라이드 번호 개체 틀 6">
             <a:extLst>
               <a:ext uri="{FF2B5EF4-FFF2-40B4-BE49-F238E27FC236}">
-                <a16:creationId xmlns:a16="http://schemas.microsoft.com/office/drawing/2014/main" id="{E452DE8D-4FAA-40E5-9AAD-D9C2A6CFB571}"/>
+                <a16:creationId xmlns:a16="http://schemas.microsoft.com/office/drawing/2014/main" xmlns="" id="{E452DE8D-4FAA-40E5-9AAD-D9C2A6CFB571}"/>
               </a:ext>
             </a:extLst>
           </p:cNvPr>
@@ -2766,7 +2767,7 @@
           <p:cNvPr id="2" name="제목 개체 틀 1">
             <a:extLst>
               <a:ext uri="{FF2B5EF4-FFF2-40B4-BE49-F238E27FC236}">
-                <a16:creationId xmlns:a16="http://schemas.microsoft.com/office/drawing/2014/main" id="{93D38C05-FE2F-4326-A6C4-D4952220B26D}"/>
+                <a16:creationId xmlns:a16="http://schemas.microsoft.com/office/drawing/2014/main" xmlns="" id="{93D38C05-FE2F-4326-A6C4-D4952220B26D}"/>
               </a:ext>
             </a:extLst>
           </p:cNvPr>
@@ -2804,7 +2805,7 @@
           <p:cNvPr id="3" name="텍스트 개체 틀 2">
             <a:extLst>
               <a:ext uri="{FF2B5EF4-FFF2-40B4-BE49-F238E27FC236}">
-                <a16:creationId xmlns:a16="http://schemas.microsoft.com/office/drawing/2014/main" id="{569D27DB-F366-4E16-B3A9-2BA2C9BB2392}"/>
+                <a16:creationId xmlns:a16="http://schemas.microsoft.com/office/drawing/2014/main" xmlns="" id="{569D27DB-F366-4E16-B3A9-2BA2C9BB2392}"/>
               </a:ext>
             </a:extLst>
           </p:cNvPr>
@@ -2871,7 +2872,7 @@
           <p:cNvPr id="4" name="날짜 개체 틀 3">
             <a:extLst>
               <a:ext uri="{FF2B5EF4-FFF2-40B4-BE49-F238E27FC236}">
-                <a16:creationId xmlns:a16="http://schemas.microsoft.com/office/drawing/2014/main" id="{4A25056A-B6B3-4220-9244-637D9A251836}"/>
+                <a16:creationId xmlns:a16="http://schemas.microsoft.com/office/drawing/2014/main" xmlns="" id="{4A25056A-B6B3-4220-9244-637D9A251836}"/>
               </a:ext>
             </a:extLst>
           </p:cNvPr>
@@ -2907,7 +2908,7 @@
           <a:p>
             <a:fld id="{448EC59A-14CB-4835-BC16-25D179378DDE}" type="datetimeFigureOut">
               <a:rPr lang="ko-KR" altLang="en-US" smtClean="0"/>
-              <a:t>2020-03-17</a:t>
+              <a:t>2020-03-18</a:t>
             </a:fld>
             <a:endParaRPr lang="ko-KR" altLang="en-US"/>
           </a:p>
@@ -2918,7 +2919,7 @@
           <p:cNvPr id="5" name="바닥글 개체 틀 4">
             <a:extLst>
               <a:ext uri="{FF2B5EF4-FFF2-40B4-BE49-F238E27FC236}">
-                <a16:creationId xmlns:a16="http://schemas.microsoft.com/office/drawing/2014/main" id="{B29F010E-FBDC-491E-9946-65DEFE99EAB9}"/>
+                <a16:creationId xmlns:a16="http://schemas.microsoft.com/office/drawing/2014/main" xmlns="" id="{B29F010E-FBDC-491E-9946-65DEFE99EAB9}"/>
               </a:ext>
             </a:extLst>
           </p:cNvPr>
@@ -2961,7 +2962,7 @@
           <p:cNvPr id="6" name="슬라이드 번호 개체 틀 5">
             <a:extLst>
               <a:ext uri="{FF2B5EF4-FFF2-40B4-BE49-F238E27FC236}">
-                <a16:creationId xmlns:a16="http://schemas.microsoft.com/office/drawing/2014/main" id="{ACF5DF7F-D1AD-4364-89F4-419BBED3E901}"/>
+                <a16:creationId xmlns:a16="http://schemas.microsoft.com/office/drawing/2014/main" xmlns="" id="{ACF5DF7F-D1AD-4364-89F4-419BBED3E901}"/>
               </a:ext>
             </a:extLst>
           </p:cNvPr>
@@ -3329,7 +3330,7 @@
           <p:cNvPr id="3" name="그림 2">
             <a:extLst>
               <a:ext uri="{FF2B5EF4-FFF2-40B4-BE49-F238E27FC236}">
-                <a16:creationId xmlns:a16="http://schemas.microsoft.com/office/drawing/2014/main" id="{F6A74E75-FD56-4087-BE2A-9BB1AE0C2481}"/>
+                <a16:creationId xmlns:a16="http://schemas.microsoft.com/office/drawing/2014/main" xmlns="" id="{F6A74E75-FD56-4087-BE2A-9BB1AE0C2481}"/>
               </a:ext>
             </a:extLst>
           </p:cNvPr>
@@ -3359,7 +3360,7 @@
           <p:cNvPr id="11" name="TextBox 10">
             <a:extLst>
               <a:ext uri="{FF2B5EF4-FFF2-40B4-BE49-F238E27FC236}">
-                <a16:creationId xmlns:a16="http://schemas.microsoft.com/office/drawing/2014/main" id="{6C0B7E88-872B-4237-BC2C-576C7437E714}"/>
+                <a16:creationId xmlns:a16="http://schemas.microsoft.com/office/drawing/2014/main" xmlns="" id="{6C0B7E88-872B-4237-BC2C-576C7437E714}"/>
               </a:ext>
             </a:extLst>
           </p:cNvPr>
@@ -3479,7 +3480,7 @@
           <p:cNvPr id="3" name="그림 2">
             <a:extLst>
               <a:ext uri="{FF2B5EF4-FFF2-40B4-BE49-F238E27FC236}">
-                <a16:creationId xmlns:a16="http://schemas.microsoft.com/office/drawing/2014/main" id="{F6A74E75-FD56-4087-BE2A-9BB1AE0C2481}"/>
+                <a16:creationId xmlns:a16="http://schemas.microsoft.com/office/drawing/2014/main" xmlns="" id="{F6A74E75-FD56-4087-BE2A-9BB1AE0C2481}"/>
               </a:ext>
             </a:extLst>
           </p:cNvPr>
@@ -3509,7 +3510,7 @@
           <p:cNvPr id="11" name="TextBox 10">
             <a:extLst>
               <a:ext uri="{FF2B5EF4-FFF2-40B4-BE49-F238E27FC236}">
-                <a16:creationId xmlns:a16="http://schemas.microsoft.com/office/drawing/2014/main" id="{6C0B7E88-872B-4237-BC2C-576C7437E714}"/>
+                <a16:creationId xmlns:a16="http://schemas.microsoft.com/office/drawing/2014/main" xmlns="" id="{6C0B7E88-872B-4237-BC2C-576C7437E714}"/>
               </a:ext>
             </a:extLst>
           </p:cNvPr>
@@ -3566,7 +3567,7 @@
           <p:cNvPr id="4" name="그림 3">
             <a:extLst>
               <a:ext uri="{FF2B5EF4-FFF2-40B4-BE49-F238E27FC236}">
-                <a16:creationId xmlns:a16="http://schemas.microsoft.com/office/drawing/2014/main" id="{83A11ACC-E97D-4F90-829F-E54608E333BA}"/>
+                <a16:creationId xmlns:a16="http://schemas.microsoft.com/office/drawing/2014/main" xmlns="" id="{83A11ACC-E97D-4F90-829F-E54608E333BA}"/>
               </a:ext>
             </a:extLst>
           </p:cNvPr>
@@ -3596,7 +3597,7 @@
           <p:cNvPr id="8" name="TextBox 7">
             <a:extLst>
               <a:ext uri="{FF2B5EF4-FFF2-40B4-BE49-F238E27FC236}">
-                <a16:creationId xmlns:a16="http://schemas.microsoft.com/office/drawing/2014/main" id="{8EE1BADD-B1B6-409E-BA44-01AA36F194FB}"/>
+                <a16:creationId xmlns:a16="http://schemas.microsoft.com/office/drawing/2014/main" xmlns="" id="{8EE1BADD-B1B6-409E-BA44-01AA36F194FB}"/>
               </a:ext>
             </a:extLst>
           </p:cNvPr>
@@ -3656,7 +3657,7 @@
           <p:cNvPr id="10" name="그림 9">
             <a:extLst>
               <a:ext uri="{FF2B5EF4-FFF2-40B4-BE49-F238E27FC236}">
-                <a16:creationId xmlns:a16="http://schemas.microsoft.com/office/drawing/2014/main" id="{04858385-53C5-4387-A4DD-7E83C86E20A0}"/>
+                <a16:creationId xmlns:a16="http://schemas.microsoft.com/office/drawing/2014/main" xmlns="" id="{04858385-53C5-4387-A4DD-7E83C86E20A0}"/>
               </a:ext>
             </a:extLst>
           </p:cNvPr>
@@ -3686,7 +3687,7 @@
           <p:cNvPr id="12" name="TextBox 11">
             <a:extLst>
               <a:ext uri="{FF2B5EF4-FFF2-40B4-BE49-F238E27FC236}">
-                <a16:creationId xmlns:a16="http://schemas.microsoft.com/office/drawing/2014/main" id="{02157915-14CF-46DD-B351-11AD4388DF35}"/>
+                <a16:creationId xmlns:a16="http://schemas.microsoft.com/office/drawing/2014/main" xmlns="" id="{02157915-14CF-46DD-B351-11AD4388DF35}"/>
               </a:ext>
             </a:extLst>
           </p:cNvPr>
@@ -3734,7 +3735,7 @@
           <p:cNvPr id="14" name="그림 13">
             <a:extLst>
               <a:ext uri="{FF2B5EF4-FFF2-40B4-BE49-F238E27FC236}">
-                <a16:creationId xmlns:a16="http://schemas.microsoft.com/office/drawing/2014/main" id="{9DDCD2D5-5BD9-4220-B631-BE5DA5A8AC45}"/>
+                <a16:creationId xmlns:a16="http://schemas.microsoft.com/office/drawing/2014/main" xmlns="" id="{9DDCD2D5-5BD9-4220-B631-BE5DA5A8AC45}"/>
               </a:ext>
             </a:extLst>
           </p:cNvPr>
@@ -3764,7 +3765,7 @@
           <p:cNvPr id="16" name="그림 15">
             <a:extLst>
               <a:ext uri="{FF2B5EF4-FFF2-40B4-BE49-F238E27FC236}">
-                <a16:creationId xmlns:a16="http://schemas.microsoft.com/office/drawing/2014/main" id="{8E5F6969-CF5B-401A-922C-6066916BA966}"/>
+                <a16:creationId xmlns:a16="http://schemas.microsoft.com/office/drawing/2014/main" xmlns="" id="{8E5F6969-CF5B-401A-922C-6066916BA966}"/>
               </a:ext>
             </a:extLst>
           </p:cNvPr>
@@ -3794,7 +3795,7 @@
           <p:cNvPr id="17" name="TextBox 16">
             <a:extLst>
               <a:ext uri="{FF2B5EF4-FFF2-40B4-BE49-F238E27FC236}">
-                <a16:creationId xmlns:a16="http://schemas.microsoft.com/office/drawing/2014/main" id="{B846EFED-087D-4359-8DCB-7CA0FB7332D9}"/>
+                <a16:creationId xmlns:a16="http://schemas.microsoft.com/office/drawing/2014/main" xmlns="" id="{B846EFED-087D-4359-8DCB-7CA0FB7332D9}"/>
               </a:ext>
             </a:extLst>
           </p:cNvPr>
@@ -3842,7 +3843,7 @@
           <p:cNvPr id="20" name="그림 19">
             <a:extLst>
               <a:ext uri="{FF2B5EF4-FFF2-40B4-BE49-F238E27FC236}">
-                <a16:creationId xmlns:a16="http://schemas.microsoft.com/office/drawing/2014/main" id="{8334B5D4-530A-4A69-A526-6137F595A4F4}"/>
+                <a16:creationId xmlns:a16="http://schemas.microsoft.com/office/drawing/2014/main" xmlns="" id="{8334B5D4-530A-4A69-A526-6137F595A4F4}"/>
               </a:ext>
             </a:extLst>
           </p:cNvPr>
@@ -3872,7 +3873,7 @@
           <p:cNvPr id="21" name="그림 20">
             <a:extLst>
               <a:ext uri="{FF2B5EF4-FFF2-40B4-BE49-F238E27FC236}">
-                <a16:creationId xmlns:a16="http://schemas.microsoft.com/office/drawing/2014/main" id="{38E6AAE1-335F-47FB-B8B9-A223AAFA47E2}"/>
+                <a16:creationId xmlns:a16="http://schemas.microsoft.com/office/drawing/2014/main" xmlns="" id="{38E6AAE1-335F-47FB-B8B9-A223AAFA47E2}"/>
               </a:ext>
             </a:extLst>
           </p:cNvPr>
@@ -3902,7 +3903,7 @@
           <p:cNvPr id="22" name="TextBox 21">
             <a:extLst>
               <a:ext uri="{FF2B5EF4-FFF2-40B4-BE49-F238E27FC236}">
-                <a16:creationId xmlns:a16="http://schemas.microsoft.com/office/drawing/2014/main" id="{D58277C9-4A96-4B3C-9C16-2986AE7CA0FC}"/>
+                <a16:creationId xmlns:a16="http://schemas.microsoft.com/office/drawing/2014/main" xmlns="" id="{D58277C9-4A96-4B3C-9C16-2986AE7CA0FC}"/>
               </a:ext>
             </a:extLst>
           </p:cNvPr>
@@ -3970,7 +3971,7 @@
           <p:cNvPr id="2" name="그림 1">
             <a:extLst>
               <a:ext uri="{FF2B5EF4-FFF2-40B4-BE49-F238E27FC236}">
-                <a16:creationId xmlns:a16="http://schemas.microsoft.com/office/drawing/2014/main" id="{EA6EE60A-A135-443F-8791-0110DF1F58C2}"/>
+                <a16:creationId xmlns:a16="http://schemas.microsoft.com/office/drawing/2014/main" xmlns="" id="{EA6EE60A-A135-443F-8791-0110DF1F58C2}"/>
               </a:ext>
             </a:extLst>
           </p:cNvPr>
@@ -4000,7 +4001,7 @@
           <p:cNvPr id="18" name="그림 17">
             <a:extLst>
               <a:ext uri="{FF2B5EF4-FFF2-40B4-BE49-F238E27FC236}">
-                <a16:creationId xmlns:a16="http://schemas.microsoft.com/office/drawing/2014/main" id="{50871E5E-DBD1-4119-A63A-86BAFF816B5F}"/>
+                <a16:creationId xmlns:a16="http://schemas.microsoft.com/office/drawing/2014/main" xmlns="" id="{50871E5E-DBD1-4119-A63A-86BAFF816B5F}"/>
               </a:ext>
             </a:extLst>
           </p:cNvPr>
@@ -4060,7 +4061,7 @@
           <p:cNvPr id="3" name="그림 2">
             <a:extLst>
               <a:ext uri="{FF2B5EF4-FFF2-40B4-BE49-F238E27FC236}">
-                <a16:creationId xmlns:a16="http://schemas.microsoft.com/office/drawing/2014/main" id="{F6A74E75-FD56-4087-BE2A-9BB1AE0C2481}"/>
+                <a16:creationId xmlns:a16="http://schemas.microsoft.com/office/drawing/2014/main" xmlns="" id="{F6A74E75-FD56-4087-BE2A-9BB1AE0C2481}"/>
               </a:ext>
             </a:extLst>
           </p:cNvPr>
@@ -4090,7 +4091,7 @@
           <p:cNvPr id="11" name="TextBox 10">
             <a:extLst>
               <a:ext uri="{FF2B5EF4-FFF2-40B4-BE49-F238E27FC236}">
-                <a16:creationId xmlns:a16="http://schemas.microsoft.com/office/drawing/2014/main" id="{6C0B7E88-872B-4237-BC2C-576C7437E714}"/>
+                <a16:creationId xmlns:a16="http://schemas.microsoft.com/office/drawing/2014/main" xmlns="" id="{6C0B7E88-872B-4237-BC2C-576C7437E714}"/>
               </a:ext>
             </a:extLst>
           </p:cNvPr>
@@ -4147,7 +4148,7 @@
           <p:cNvPr id="8" name="TextBox 7">
             <a:extLst>
               <a:ext uri="{FF2B5EF4-FFF2-40B4-BE49-F238E27FC236}">
-                <a16:creationId xmlns:a16="http://schemas.microsoft.com/office/drawing/2014/main" id="{8EE1BADD-B1B6-409E-BA44-01AA36F194FB}"/>
+                <a16:creationId xmlns:a16="http://schemas.microsoft.com/office/drawing/2014/main" xmlns="" id="{8EE1BADD-B1B6-409E-BA44-01AA36F194FB}"/>
               </a:ext>
             </a:extLst>
           </p:cNvPr>
@@ -4207,7 +4208,7 @@
           <p:cNvPr id="12" name="TextBox 11">
             <a:extLst>
               <a:ext uri="{FF2B5EF4-FFF2-40B4-BE49-F238E27FC236}">
-                <a16:creationId xmlns:a16="http://schemas.microsoft.com/office/drawing/2014/main" id="{02157915-14CF-46DD-B351-11AD4388DF35}"/>
+                <a16:creationId xmlns:a16="http://schemas.microsoft.com/office/drawing/2014/main" xmlns="" id="{02157915-14CF-46DD-B351-11AD4388DF35}"/>
               </a:ext>
             </a:extLst>
           </p:cNvPr>
@@ -4255,7 +4256,7 @@
           <p:cNvPr id="14" name="그림 13">
             <a:extLst>
               <a:ext uri="{FF2B5EF4-FFF2-40B4-BE49-F238E27FC236}">
-                <a16:creationId xmlns:a16="http://schemas.microsoft.com/office/drawing/2014/main" id="{9DDCD2D5-5BD9-4220-B631-BE5DA5A8AC45}"/>
+                <a16:creationId xmlns:a16="http://schemas.microsoft.com/office/drawing/2014/main" xmlns="" id="{9DDCD2D5-5BD9-4220-B631-BE5DA5A8AC45}"/>
               </a:ext>
             </a:extLst>
           </p:cNvPr>
@@ -4285,7 +4286,7 @@
           <p:cNvPr id="16" name="그림 15">
             <a:extLst>
               <a:ext uri="{FF2B5EF4-FFF2-40B4-BE49-F238E27FC236}">
-                <a16:creationId xmlns:a16="http://schemas.microsoft.com/office/drawing/2014/main" id="{8E5F6969-CF5B-401A-922C-6066916BA966}"/>
+                <a16:creationId xmlns:a16="http://schemas.microsoft.com/office/drawing/2014/main" xmlns="" id="{8E5F6969-CF5B-401A-922C-6066916BA966}"/>
               </a:ext>
             </a:extLst>
           </p:cNvPr>
@@ -4315,7 +4316,7 @@
           <p:cNvPr id="17" name="TextBox 16">
             <a:extLst>
               <a:ext uri="{FF2B5EF4-FFF2-40B4-BE49-F238E27FC236}">
-                <a16:creationId xmlns:a16="http://schemas.microsoft.com/office/drawing/2014/main" id="{B846EFED-087D-4359-8DCB-7CA0FB7332D9}"/>
+                <a16:creationId xmlns:a16="http://schemas.microsoft.com/office/drawing/2014/main" xmlns="" id="{B846EFED-087D-4359-8DCB-7CA0FB7332D9}"/>
               </a:ext>
             </a:extLst>
           </p:cNvPr>
@@ -4363,7 +4364,7 @@
           <p:cNvPr id="19" name="그림 18">
             <a:extLst>
               <a:ext uri="{FF2B5EF4-FFF2-40B4-BE49-F238E27FC236}">
-                <a16:creationId xmlns:a16="http://schemas.microsoft.com/office/drawing/2014/main" id="{BB90090E-7862-4BA6-A3C6-6AE325C4D863}"/>
+                <a16:creationId xmlns:a16="http://schemas.microsoft.com/office/drawing/2014/main" xmlns="" id="{BB90090E-7862-4BA6-A3C6-6AE325C4D863}"/>
               </a:ext>
             </a:extLst>
           </p:cNvPr>
@@ -4393,7 +4394,7 @@
           <p:cNvPr id="22" name="TextBox 21">
             <a:extLst>
               <a:ext uri="{FF2B5EF4-FFF2-40B4-BE49-F238E27FC236}">
-                <a16:creationId xmlns:a16="http://schemas.microsoft.com/office/drawing/2014/main" id="{D58277C9-4A96-4B3C-9C16-2986AE7CA0FC}"/>
+                <a16:creationId xmlns:a16="http://schemas.microsoft.com/office/drawing/2014/main" xmlns="" id="{D58277C9-4A96-4B3C-9C16-2986AE7CA0FC}"/>
               </a:ext>
             </a:extLst>
           </p:cNvPr>
@@ -4461,7 +4462,7 @@
           <p:cNvPr id="23" name="그림 22">
             <a:extLst>
               <a:ext uri="{FF2B5EF4-FFF2-40B4-BE49-F238E27FC236}">
-                <a16:creationId xmlns:a16="http://schemas.microsoft.com/office/drawing/2014/main" id="{AC3710A8-199B-4BCA-A9CA-CB9E507EEBE1}"/>
+                <a16:creationId xmlns:a16="http://schemas.microsoft.com/office/drawing/2014/main" xmlns="" id="{AC3710A8-199B-4BCA-A9CA-CB9E507EEBE1}"/>
               </a:ext>
             </a:extLst>
           </p:cNvPr>
@@ -4491,7 +4492,7 @@
           <p:cNvPr id="24" name="그림 23">
             <a:extLst>
               <a:ext uri="{FF2B5EF4-FFF2-40B4-BE49-F238E27FC236}">
-                <a16:creationId xmlns:a16="http://schemas.microsoft.com/office/drawing/2014/main" id="{F1305B3E-552A-4651-B3BC-418BDE37D9A8}"/>
+                <a16:creationId xmlns:a16="http://schemas.microsoft.com/office/drawing/2014/main" xmlns="" id="{F1305B3E-552A-4651-B3BC-418BDE37D9A8}"/>
               </a:ext>
             </a:extLst>
           </p:cNvPr>
@@ -4521,7 +4522,7 @@
           <p:cNvPr id="25" name="그림 24">
             <a:extLst>
               <a:ext uri="{FF2B5EF4-FFF2-40B4-BE49-F238E27FC236}">
-                <a16:creationId xmlns:a16="http://schemas.microsoft.com/office/drawing/2014/main" id="{B0AE165D-6D1F-4AF0-B7A3-AAC0BF227445}"/>
+                <a16:creationId xmlns:a16="http://schemas.microsoft.com/office/drawing/2014/main" xmlns="" id="{B0AE165D-6D1F-4AF0-B7A3-AAC0BF227445}"/>
               </a:ext>
             </a:extLst>
           </p:cNvPr>
@@ -4551,7 +4552,7 @@
           <p:cNvPr id="26" name="그림 25">
             <a:extLst>
               <a:ext uri="{FF2B5EF4-FFF2-40B4-BE49-F238E27FC236}">
-                <a16:creationId xmlns:a16="http://schemas.microsoft.com/office/drawing/2014/main" id="{C17EE6FA-0137-46D7-9844-4D86FA4ABB22}"/>
+                <a16:creationId xmlns:a16="http://schemas.microsoft.com/office/drawing/2014/main" xmlns="" id="{C17EE6FA-0137-46D7-9844-4D86FA4ABB22}"/>
               </a:ext>
             </a:extLst>
           </p:cNvPr>
@@ -4611,7 +4612,7 @@
           <p:cNvPr id="3" name="그림 2">
             <a:extLst>
               <a:ext uri="{FF2B5EF4-FFF2-40B4-BE49-F238E27FC236}">
-                <a16:creationId xmlns:a16="http://schemas.microsoft.com/office/drawing/2014/main" id="{F6A74E75-FD56-4087-BE2A-9BB1AE0C2481}"/>
+                <a16:creationId xmlns:a16="http://schemas.microsoft.com/office/drawing/2014/main" xmlns="" id="{F6A74E75-FD56-4087-BE2A-9BB1AE0C2481}"/>
               </a:ext>
             </a:extLst>
           </p:cNvPr>
@@ -4641,7 +4642,7 @@
           <p:cNvPr id="11" name="TextBox 10">
             <a:extLst>
               <a:ext uri="{FF2B5EF4-FFF2-40B4-BE49-F238E27FC236}">
-                <a16:creationId xmlns:a16="http://schemas.microsoft.com/office/drawing/2014/main" id="{6C0B7E88-872B-4237-BC2C-576C7437E714}"/>
+                <a16:creationId xmlns:a16="http://schemas.microsoft.com/office/drawing/2014/main" xmlns="" id="{6C0B7E88-872B-4237-BC2C-576C7437E714}"/>
               </a:ext>
             </a:extLst>
           </p:cNvPr>
@@ -4706,7 +4707,7 @@
           <p:cNvPr id="8" name="TextBox 7">
             <a:extLst>
               <a:ext uri="{FF2B5EF4-FFF2-40B4-BE49-F238E27FC236}">
-                <a16:creationId xmlns:a16="http://schemas.microsoft.com/office/drawing/2014/main" id="{8EE1BADD-B1B6-409E-BA44-01AA36F194FB}"/>
+                <a16:creationId xmlns:a16="http://schemas.microsoft.com/office/drawing/2014/main" xmlns="" id="{8EE1BADD-B1B6-409E-BA44-01AA36F194FB}"/>
               </a:ext>
             </a:extLst>
           </p:cNvPr>
@@ -4769,7 +4770,7 @@
           <p:cNvPr id="22" name="TextBox 21">
             <a:extLst>
               <a:ext uri="{FF2B5EF4-FFF2-40B4-BE49-F238E27FC236}">
-                <a16:creationId xmlns:a16="http://schemas.microsoft.com/office/drawing/2014/main" id="{D58277C9-4A96-4B3C-9C16-2986AE7CA0FC}"/>
+                <a16:creationId xmlns:a16="http://schemas.microsoft.com/office/drawing/2014/main" xmlns="" id="{D58277C9-4A96-4B3C-9C16-2986AE7CA0FC}"/>
               </a:ext>
             </a:extLst>
           </p:cNvPr>
@@ -4824,7 +4825,7 @@
           <p:cNvPr id="2" name="그림 1">
             <a:extLst>
               <a:ext uri="{FF2B5EF4-FFF2-40B4-BE49-F238E27FC236}">
-                <a16:creationId xmlns:a16="http://schemas.microsoft.com/office/drawing/2014/main" id="{99D97F4B-53E8-4051-9BEE-D6C6838C769F}"/>
+                <a16:creationId xmlns:a16="http://schemas.microsoft.com/office/drawing/2014/main" xmlns="" id="{99D97F4B-53E8-4051-9BEE-D6C6838C769F}"/>
               </a:ext>
             </a:extLst>
           </p:cNvPr>
@@ -4854,7 +4855,7 @@
           <p:cNvPr id="5" name="그림 4">
             <a:extLst>
               <a:ext uri="{FF2B5EF4-FFF2-40B4-BE49-F238E27FC236}">
-                <a16:creationId xmlns:a16="http://schemas.microsoft.com/office/drawing/2014/main" id="{CAC55314-D235-438E-A4E1-8371B937536F}"/>
+                <a16:creationId xmlns:a16="http://schemas.microsoft.com/office/drawing/2014/main" xmlns="" id="{CAC55314-D235-438E-A4E1-8371B937536F}"/>
               </a:ext>
             </a:extLst>
           </p:cNvPr>
@@ -4884,7 +4885,7 @@
           <p:cNvPr id="6" name="그림 5">
             <a:extLst>
               <a:ext uri="{FF2B5EF4-FFF2-40B4-BE49-F238E27FC236}">
-                <a16:creationId xmlns:a16="http://schemas.microsoft.com/office/drawing/2014/main" id="{B4E23ECF-78A3-4579-98C5-E874CBD508D0}"/>
+                <a16:creationId xmlns:a16="http://schemas.microsoft.com/office/drawing/2014/main" xmlns="" id="{B4E23ECF-78A3-4579-98C5-E874CBD508D0}"/>
               </a:ext>
             </a:extLst>
           </p:cNvPr>
@@ -4914,7 +4915,7 @@
           <p:cNvPr id="7" name="그림 6">
             <a:extLst>
               <a:ext uri="{FF2B5EF4-FFF2-40B4-BE49-F238E27FC236}">
-                <a16:creationId xmlns:a16="http://schemas.microsoft.com/office/drawing/2014/main" id="{054311EC-4D52-4D12-A7C0-DDFECF8E6D72}"/>
+                <a16:creationId xmlns:a16="http://schemas.microsoft.com/office/drawing/2014/main" xmlns="" id="{054311EC-4D52-4D12-A7C0-DDFECF8E6D72}"/>
               </a:ext>
             </a:extLst>
           </p:cNvPr>
@@ -4943,6 +4944,886 @@
     <p:extLst>
       <p:ext uri="{BB962C8B-B14F-4D97-AF65-F5344CB8AC3E}">
         <p14:creationId xmlns:p14="http://schemas.microsoft.com/office/powerpoint/2010/main" val="1195495643"/>
+      </p:ext>
+    </p:extLst>
+  </p:cSld>
+  <p:clrMapOvr>
+    <a:masterClrMapping/>
+  </p:clrMapOvr>
+</p:sld>
+</file>
+
+<file path=ppt/slides/slide5.xml><?xml version="1.0" encoding="utf-8"?>
+<p:sld xmlns:a="http://schemas.openxmlformats.org/drawingml/2006/main" xmlns:r="http://schemas.openxmlformats.org/officeDocument/2006/relationships" xmlns:p="http://schemas.openxmlformats.org/presentationml/2006/main">
+  <p:cSld>
+    <p:spTree>
+      <p:nvGrpSpPr>
+        <p:cNvPr id="1" name=""/>
+        <p:cNvGrpSpPr/>
+        <p:nvPr/>
+      </p:nvGrpSpPr>
+      <p:grpSpPr>
+        <a:xfrm>
+          <a:off x="0" y="0"/>
+          <a:ext cx="0" cy="0"/>
+          <a:chOff x="0" y="0"/>
+          <a:chExt cx="0" cy="0"/>
+        </a:xfrm>
+      </p:grpSpPr>
+      <p:pic>
+        <p:nvPicPr>
+          <p:cNvPr id="1033" name="Picture 9"/>
+          <p:cNvPicPr>
+            <a:picLocks noChangeAspect="1" noChangeArrowheads="1"/>
+          </p:cNvPicPr>
+          <p:nvPr/>
+        </p:nvPicPr>
+        <p:blipFill>
+          <a:blip r:embed="rId2">
+            <a:extLst>
+              <a:ext uri="{28A0092B-C50C-407E-A947-70E740481C1C}">
+                <a14:useLocalDpi xmlns:a14="http://schemas.microsoft.com/office/drawing/2010/main" val="0"/>
+              </a:ext>
+            </a:extLst>
+          </a:blip>
+          <a:srcRect/>
+          <a:stretch>
+            <a:fillRect/>
+          </a:stretch>
+        </p:blipFill>
+        <p:spPr bwMode="auto">
+          <a:xfrm>
+            <a:off x="0" y="2737236"/>
+            <a:ext cx="5734050" cy="2457450"/>
+          </a:xfrm>
+          <a:prstGeom prst="rect">
+            <a:avLst/>
+          </a:prstGeom>
+          <a:noFill/>
+          <a:ln>
+            <a:noFill/>
+          </a:ln>
+          <a:effectLst/>
+          <a:extLst>
+            <a:ext uri="{909E8E84-426E-40DD-AFC4-6F175D3DCCD1}">
+              <a14:hiddenFill xmlns:a14="http://schemas.microsoft.com/office/drawing/2010/main">
+                <a:solidFill>
+                  <a:schemeClr val="accent1"/>
+                </a:solidFill>
+              </a14:hiddenFill>
+            </a:ext>
+            <a:ext uri="{91240B29-F687-4F45-9708-019B960494DF}">
+              <a14:hiddenLine xmlns:a14="http://schemas.microsoft.com/office/drawing/2010/main" w="9525">
+                <a:solidFill>
+                  <a:schemeClr val="tx1"/>
+                </a:solidFill>
+                <a:miter lim="800000"/>
+                <a:headEnd/>
+                <a:tailEnd/>
+              </a14:hiddenLine>
+            </a:ext>
+            <a:ext uri="{AF507438-7753-43E0-B8FC-AC1667EBCBE1}">
+              <a14:hiddenEffects xmlns:a14="http://schemas.microsoft.com/office/drawing/2010/main">
+                <a:effectLst>
+                  <a:outerShdw dist="35921" dir="2700000" algn="ctr" rotWithShape="0">
+                    <a:schemeClr val="bg2"/>
+                  </a:outerShdw>
+                </a:effectLst>
+              </a14:hiddenEffects>
+            </a:ext>
+          </a:extLst>
+        </p:spPr>
+      </p:pic>
+      <p:pic>
+        <p:nvPicPr>
+          <p:cNvPr id="3" name="그림 2">
+            <a:extLst>
+              <a:ext uri="{FF2B5EF4-FFF2-40B4-BE49-F238E27FC236}">
+                <a16:creationId xmlns:a16="http://schemas.microsoft.com/office/drawing/2014/main" xmlns="" id="{F6A74E75-FD56-4087-BE2A-9BB1AE0C2481}"/>
+              </a:ext>
+            </a:extLst>
+          </p:cNvPr>
+          <p:cNvPicPr>
+            <a:picLocks noChangeAspect="1"/>
+          </p:cNvPicPr>
+          <p:nvPr/>
+        </p:nvPicPr>
+        <p:blipFill>
+          <a:blip r:embed="rId3"/>
+          <a:stretch>
+            <a:fillRect/>
+          </a:stretch>
+        </p:blipFill>
+        <p:spPr>
+          <a:xfrm>
+            <a:off x="0" y="0"/>
+            <a:ext cx="3962400" cy="2657475"/>
+          </a:xfrm>
+          <a:prstGeom prst="rect">
+            <a:avLst/>
+          </a:prstGeom>
+        </p:spPr>
+      </p:pic>
+      <p:sp>
+        <p:nvSpPr>
+          <p:cNvPr id="11" name="TextBox 10">
+            <a:extLst>
+              <a:ext uri="{FF2B5EF4-FFF2-40B4-BE49-F238E27FC236}">
+                <a16:creationId xmlns:a16="http://schemas.microsoft.com/office/drawing/2014/main" xmlns="" id="{6C0B7E88-872B-4237-BC2C-576C7437E714}"/>
+              </a:ext>
+            </a:extLst>
+          </p:cNvPr>
+          <p:cNvSpPr txBox="1"/>
+          <p:nvPr/>
+        </p:nvSpPr>
+        <p:spPr>
+          <a:xfrm>
+            <a:off x="4033533" y="619125"/>
+            <a:ext cx="6716903" cy="338554"/>
+          </a:xfrm>
+          <a:prstGeom prst="rect">
+            <a:avLst/>
+          </a:prstGeom>
+          <a:noFill/>
+        </p:spPr>
+        <p:txBody>
+          <a:bodyPr wrap="none" rtlCol="0">
+            <a:spAutoFit/>
+          </a:bodyPr>
+          <a:lstStyle/>
+          <a:p>
+            <a:pPr algn="ctr"/>
+            <a:r>
+              <a:rPr lang="en-US" altLang="ko-KR" sz="1600" dirty="0"/>
+              <a:t>// </a:t>
+            </a:r>
+            <a:r>
+              <a:rPr lang="en-US" altLang="ko-KR" sz="1600" dirty="0" err="1"/>
+              <a:t>commen</a:t>
+            </a:r>
+            <a:r>
+              <a:rPr lang="ko-KR" altLang="en-US" sz="1600" dirty="0"/>
+              <a:t>배열에 </a:t>
+            </a:r>
+            <a:r>
+              <a:rPr lang="en-US" altLang="ko-KR" sz="1600" b="1" dirty="0"/>
+              <a:t>id</a:t>
+            </a:r>
+            <a:r>
+              <a:rPr lang="ko-KR" altLang="en-US" sz="1600" b="1" dirty="0"/>
+              <a:t>가 </a:t>
+            </a:r>
+            <a:r>
+              <a:rPr lang="en-US" altLang="ko-KR" sz="1600" b="1" dirty="0"/>
+              <a:t>823423</a:t>
+            </a:r>
+            <a:r>
+              <a:rPr lang="ko-KR" altLang="en-US" sz="1600" b="1" dirty="0"/>
+              <a:t>인 값</a:t>
+            </a:r>
+            <a:r>
+              <a:rPr lang="ko-KR" altLang="en-US" sz="1600" dirty="0"/>
+              <a:t>을 가진 </a:t>
+            </a:r>
+            <a:r>
+              <a:rPr lang="ko-KR" altLang="en-US" sz="1600" dirty="0" smtClean="0"/>
+              <a:t>객체의 </a:t>
+            </a:r>
+            <a:r>
+              <a:rPr lang="en-US" altLang="ko-KR" sz="1600" dirty="0" smtClean="0"/>
+              <a:t>index</a:t>
+            </a:r>
+            <a:r>
+              <a:rPr lang="ko-KR" altLang="en-US" sz="1600" dirty="0" smtClean="0"/>
+              <a:t>값이 몇인가</a:t>
+            </a:r>
+            <a:r>
+              <a:rPr lang="en-US" altLang="ko-KR" sz="1600" dirty="0"/>
+              <a:t>?</a:t>
+            </a:r>
+            <a:endParaRPr lang="ko-KR" altLang="en-US" sz="1600" dirty="0"/>
+          </a:p>
+        </p:txBody>
+      </p:sp>
+      <p:sp>
+        <p:nvSpPr>
+          <p:cNvPr id="8" name="TextBox 7">
+            <a:extLst>
+              <a:ext uri="{FF2B5EF4-FFF2-40B4-BE49-F238E27FC236}">
+                <a16:creationId xmlns:a16="http://schemas.microsoft.com/office/drawing/2014/main" xmlns="" id="{8EE1BADD-B1B6-409E-BA44-01AA36F194FB}"/>
+              </a:ext>
+            </a:extLst>
+          </p:cNvPr>
+          <p:cNvSpPr txBox="1"/>
+          <p:nvPr/>
+        </p:nvSpPr>
+        <p:spPr>
+          <a:xfrm>
+            <a:off x="4033533" y="1237547"/>
+            <a:ext cx="7439601" cy="276999"/>
+          </a:xfrm>
+          <a:prstGeom prst="rect">
+            <a:avLst/>
+          </a:prstGeom>
+          <a:noFill/>
+        </p:spPr>
+        <p:txBody>
+          <a:bodyPr wrap="none" rtlCol="0">
+            <a:spAutoFit/>
+          </a:bodyPr>
+          <a:lstStyle/>
+          <a:p>
+            <a:r>
+              <a:rPr lang="en-US" altLang="ko-KR" sz="1200" b="1" dirty="0" err="1" smtClean="0"/>
+              <a:t>findIndex</a:t>
+            </a:r>
+            <a:r>
+              <a:rPr lang="en-US" altLang="ko-KR" sz="1200" b="1" dirty="0" smtClean="0"/>
+              <a:t>()</a:t>
+            </a:r>
+            <a:r>
+              <a:rPr lang="ko-KR" altLang="en-US" sz="1200" b="1" dirty="0"/>
+              <a:t>는</a:t>
+            </a:r>
+            <a:r>
+              <a:rPr lang="ko-KR" altLang="en-US" sz="1200" dirty="0"/>
+              <a:t> 해당 객체의 </a:t>
+            </a:r>
+            <a:r>
+              <a:rPr lang="en-US" altLang="ko-KR" sz="1200" dirty="0"/>
+              <a:t>key</a:t>
+            </a:r>
+            <a:r>
+              <a:rPr lang="ko-KR" altLang="en-US" sz="1200" dirty="0"/>
+              <a:t>값을 제시한 값과 비교하여 해당 </a:t>
+            </a:r>
+            <a:r>
+              <a:rPr lang="en-US" altLang="ko-KR" sz="1200" dirty="0"/>
+              <a:t>key</a:t>
+            </a:r>
+            <a:r>
+              <a:rPr lang="ko-KR" altLang="en-US" sz="1200" dirty="0"/>
+              <a:t>값을 가진 </a:t>
+            </a:r>
+            <a:r>
+              <a:rPr lang="ko-KR" altLang="en-US" sz="1200" dirty="0" smtClean="0"/>
+              <a:t>객체</a:t>
+            </a:r>
+            <a:r>
+              <a:rPr lang="ko-KR" altLang="en-US" sz="1200" dirty="0" smtClean="0"/>
+              <a:t>의 </a:t>
+            </a:r>
+            <a:r>
+              <a:rPr lang="en-US" altLang="ko-KR" sz="1200" dirty="0" smtClean="0"/>
+              <a:t>index</a:t>
+            </a:r>
+            <a:r>
+              <a:rPr lang="ko-KR" altLang="en-US" sz="1200" dirty="0" smtClean="0"/>
+              <a:t>값을</a:t>
+            </a:r>
+            <a:r>
+              <a:rPr lang="ko-KR" altLang="en-US" sz="1200" dirty="0" smtClean="0"/>
+              <a:t> </a:t>
+            </a:r>
+            <a:r>
+              <a:rPr lang="ko-KR" altLang="en-US" sz="1200" dirty="0"/>
+              <a:t>가져온다</a:t>
+            </a:r>
+            <a:r>
+              <a:rPr lang="en-US" altLang="ko-KR" sz="1200" dirty="0"/>
+              <a:t>.</a:t>
+            </a:r>
+          </a:p>
+        </p:txBody>
+      </p:sp>
+      <p:sp>
+        <p:nvSpPr>
+          <p:cNvPr id="22" name="TextBox 21">
+            <a:extLst>
+              <a:ext uri="{FF2B5EF4-FFF2-40B4-BE49-F238E27FC236}">
+                <a16:creationId xmlns:a16="http://schemas.microsoft.com/office/drawing/2014/main" xmlns="" id="{D58277C9-4A96-4B3C-9C16-2986AE7CA0FC}"/>
+              </a:ext>
+            </a:extLst>
+          </p:cNvPr>
+          <p:cNvSpPr txBox="1"/>
+          <p:nvPr/>
+        </p:nvSpPr>
+        <p:spPr>
+          <a:xfrm>
+            <a:off x="-1" y="5621200"/>
+            <a:ext cx="6636625" cy="276999"/>
+          </a:xfrm>
+          <a:prstGeom prst="rect">
+            <a:avLst/>
+          </a:prstGeom>
+          <a:noFill/>
+        </p:spPr>
+        <p:txBody>
+          <a:bodyPr wrap="none" rtlCol="0">
+            <a:spAutoFit/>
+          </a:bodyPr>
+          <a:lstStyle/>
+          <a:p>
+            <a:r>
+              <a:rPr lang="en-US" altLang="ko-KR" sz="1200" b="1" dirty="0" err="1" smtClean="0"/>
+              <a:t>findIndex</a:t>
+            </a:r>
+            <a:r>
+              <a:rPr lang="en-US" altLang="ko-KR" sz="1200" b="1" dirty="0" smtClean="0"/>
+              <a:t>()</a:t>
+            </a:r>
+            <a:r>
+              <a:rPr lang="ko-KR" altLang="en-US" sz="1200" b="1" dirty="0" smtClean="0"/>
+              <a:t> </a:t>
+            </a:r>
+            <a:r>
+              <a:rPr lang="ko-KR" altLang="en-US" sz="1200" dirty="0" err="1"/>
+              <a:t>메소드</a:t>
+            </a:r>
+            <a:r>
+              <a:rPr lang="ko-KR" altLang="en-US" sz="1200" dirty="0"/>
+              <a:t> 괄호 안의 내용을 </a:t>
+            </a:r>
+            <a:r>
+              <a:rPr lang="ko-KR" altLang="en-US" sz="1200" dirty="0" smtClean="0"/>
+              <a:t>비교하여 해당 </a:t>
+            </a:r>
+            <a:r>
+              <a:rPr lang="en-US" altLang="ko-KR" sz="1200" dirty="0"/>
+              <a:t>key</a:t>
+            </a:r>
+            <a:r>
+              <a:rPr lang="ko-KR" altLang="en-US" sz="1200" dirty="0"/>
+              <a:t>값을 가진 </a:t>
+            </a:r>
+            <a:r>
+              <a:rPr lang="ko-KR" altLang="en-US" sz="1200" dirty="0" smtClean="0"/>
+              <a:t>객체</a:t>
+            </a:r>
+            <a:r>
+              <a:rPr lang="ko-KR" altLang="en-US" sz="1200" dirty="0" smtClean="0"/>
+              <a:t>의 </a:t>
+            </a:r>
+            <a:r>
+              <a:rPr lang="en-US" altLang="ko-KR" sz="1200" dirty="0" smtClean="0"/>
+              <a:t>index</a:t>
+            </a:r>
+            <a:r>
+              <a:rPr lang="ko-KR" altLang="en-US" sz="1200" dirty="0" smtClean="0"/>
+              <a:t>값을 </a:t>
+            </a:r>
+            <a:r>
+              <a:rPr lang="ko-KR" altLang="en-US" sz="1200" dirty="0" smtClean="0"/>
+              <a:t>가져온다</a:t>
+            </a:r>
+            <a:r>
+              <a:rPr lang="en-US" altLang="ko-KR" sz="1200" dirty="0"/>
+              <a:t>.</a:t>
+            </a:r>
+          </a:p>
+        </p:txBody>
+      </p:sp>
+      <p:pic>
+        <p:nvPicPr>
+          <p:cNvPr id="1028" name="Picture 4"/>
+          <p:cNvPicPr>
+            <a:picLocks noChangeAspect="1" noChangeArrowheads="1"/>
+          </p:cNvPicPr>
+          <p:nvPr/>
+        </p:nvPicPr>
+        <p:blipFill>
+          <a:blip r:embed="rId4">
+            <a:extLst>
+              <a:ext uri="{28A0092B-C50C-407E-A947-70E740481C1C}">
+                <a14:useLocalDpi xmlns:a14="http://schemas.microsoft.com/office/drawing/2010/main" val="0"/>
+              </a:ext>
+            </a:extLst>
+          </a:blip>
+          <a:srcRect/>
+          <a:stretch>
+            <a:fillRect/>
+          </a:stretch>
+        </p:blipFill>
+        <p:spPr bwMode="auto">
+          <a:xfrm>
+            <a:off x="4033533" y="0"/>
+            <a:ext cx="3286125" cy="619125"/>
+          </a:xfrm>
+          <a:prstGeom prst="rect">
+            <a:avLst/>
+          </a:prstGeom>
+          <a:noFill/>
+          <a:ln>
+            <a:noFill/>
+          </a:ln>
+          <a:effectLst/>
+          <a:extLst>
+            <a:ext uri="{909E8E84-426E-40DD-AFC4-6F175D3DCCD1}">
+              <a14:hiddenFill xmlns:a14="http://schemas.microsoft.com/office/drawing/2010/main">
+                <a:solidFill>
+                  <a:schemeClr val="accent1"/>
+                </a:solidFill>
+              </a14:hiddenFill>
+            </a:ext>
+            <a:ext uri="{91240B29-F687-4F45-9708-019B960494DF}">
+              <a14:hiddenLine xmlns:a14="http://schemas.microsoft.com/office/drawing/2010/main" w="9525">
+                <a:solidFill>
+                  <a:schemeClr val="tx1"/>
+                </a:solidFill>
+                <a:miter lim="800000"/>
+                <a:headEnd/>
+                <a:tailEnd/>
+              </a14:hiddenLine>
+            </a:ext>
+            <a:ext uri="{AF507438-7753-43E0-B8FC-AC1667EBCBE1}">
+              <a14:hiddenEffects xmlns:a14="http://schemas.microsoft.com/office/drawing/2010/main">
+                <a:effectLst>
+                  <a:outerShdw dist="35921" dir="2700000" algn="ctr" rotWithShape="0">
+                    <a:schemeClr val="bg2"/>
+                  </a:outerShdw>
+                </a:effectLst>
+              </a14:hiddenEffects>
+            </a:ext>
+          </a:extLst>
+        </p:spPr>
+      </p:pic>
+      <p:pic>
+        <p:nvPicPr>
+          <p:cNvPr id="1029" name="Picture 5"/>
+          <p:cNvPicPr>
+            <a:picLocks noChangeAspect="1" noChangeArrowheads="1"/>
+          </p:cNvPicPr>
+          <p:nvPr/>
+        </p:nvPicPr>
+        <p:blipFill>
+          <a:blip r:embed="rId5">
+            <a:extLst>
+              <a:ext uri="{28A0092B-C50C-407E-A947-70E740481C1C}">
+                <a14:useLocalDpi xmlns:a14="http://schemas.microsoft.com/office/drawing/2010/main" val="0"/>
+              </a:ext>
+            </a:extLst>
+          </a:blip>
+          <a:srcRect/>
+          <a:stretch>
+            <a:fillRect/>
+          </a:stretch>
+        </p:blipFill>
+        <p:spPr bwMode="auto">
+          <a:xfrm>
+            <a:off x="4033533" y="1056572"/>
+            <a:ext cx="4991100" cy="180975"/>
+          </a:xfrm>
+          <a:prstGeom prst="rect">
+            <a:avLst/>
+          </a:prstGeom>
+          <a:noFill/>
+          <a:ln>
+            <a:noFill/>
+          </a:ln>
+          <a:effectLst/>
+          <a:extLst>
+            <a:ext uri="{909E8E84-426E-40DD-AFC4-6F175D3DCCD1}">
+              <a14:hiddenFill xmlns:a14="http://schemas.microsoft.com/office/drawing/2010/main">
+                <a:solidFill>
+                  <a:schemeClr val="accent1"/>
+                </a:solidFill>
+              </a14:hiddenFill>
+            </a:ext>
+            <a:ext uri="{91240B29-F687-4F45-9708-019B960494DF}">
+              <a14:hiddenLine xmlns:a14="http://schemas.microsoft.com/office/drawing/2010/main" w="9525">
+                <a:solidFill>
+                  <a:schemeClr val="tx1"/>
+                </a:solidFill>
+                <a:miter lim="800000"/>
+                <a:headEnd/>
+                <a:tailEnd/>
+              </a14:hiddenLine>
+            </a:ext>
+            <a:ext uri="{AF507438-7753-43E0-B8FC-AC1667EBCBE1}">
+              <a14:hiddenEffects xmlns:a14="http://schemas.microsoft.com/office/drawing/2010/main">
+                <a:effectLst>
+                  <a:outerShdw dist="35921" dir="2700000" algn="ctr" rotWithShape="0">
+                    <a:schemeClr val="bg2"/>
+                  </a:outerShdw>
+                </a:effectLst>
+              </a14:hiddenEffects>
+            </a:ext>
+          </a:extLst>
+        </p:spPr>
+      </p:pic>
+      <p:pic>
+        <p:nvPicPr>
+          <p:cNvPr id="1030" name="Picture 6"/>
+          <p:cNvPicPr>
+            <a:picLocks noChangeAspect="1" noChangeArrowheads="1"/>
+          </p:cNvPicPr>
+          <p:nvPr/>
+        </p:nvPicPr>
+        <p:blipFill>
+          <a:blip r:embed="rId6">
+            <a:extLst>
+              <a:ext uri="{28A0092B-C50C-407E-A947-70E740481C1C}">
+                <a14:useLocalDpi xmlns:a14="http://schemas.microsoft.com/office/drawing/2010/main" val="0"/>
+              </a:ext>
+            </a:extLst>
+          </a:blip>
+          <a:srcRect/>
+          <a:stretch>
+            <a:fillRect/>
+          </a:stretch>
+        </p:blipFill>
+        <p:spPr bwMode="auto">
+          <a:xfrm>
+            <a:off x="5057470" y="3299211"/>
+            <a:ext cx="619125" cy="180975"/>
+          </a:xfrm>
+          <a:prstGeom prst="rect">
+            <a:avLst/>
+          </a:prstGeom>
+          <a:noFill/>
+          <a:ln>
+            <a:noFill/>
+          </a:ln>
+          <a:effectLst/>
+          <a:extLst>
+            <a:ext uri="{909E8E84-426E-40DD-AFC4-6F175D3DCCD1}">
+              <a14:hiddenFill xmlns:a14="http://schemas.microsoft.com/office/drawing/2010/main">
+                <a:solidFill>
+                  <a:schemeClr val="accent1"/>
+                </a:solidFill>
+              </a14:hiddenFill>
+            </a:ext>
+            <a:ext uri="{91240B29-F687-4F45-9708-019B960494DF}">
+              <a14:hiddenLine xmlns:a14="http://schemas.microsoft.com/office/drawing/2010/main" w="9525">
+                <a:solidFill>
+                  <a:schemeClr val="tx1"/>
+                </a:solidFill>
+                <a:miter lim="800000"/>
+                <a:headEnd/>
+                <a:tailEnd/>
+              </a14:hiddenLine>
+            </a:ext>
+            <a:ext uri="{AF507438-7753-43E0-B8FC-AC1667EBCBE1}">
+              <a14:hiddenEffects xmlns:a14="http://schemas.microsoft.com/office/drawing/2010/main">
+                <a:effectLst>
+                  <a:outerShdw dist="35921" dir="2700000" algn="ctr" rotWithShape="0">
+                    <a:schemeClr val="bg2"/>
+                  </a:outerShdw>
+                </a:effectLst>
+              </a14:hiddenEffects>
+            </a:ext>
+          </a:extLst>
+        </p:spPr>
+      </p:pic>
+      <p:sp>
+        <p:nvSpPr>
+          <p:cNvPr id="16" name="TextBox 15">
+            <a:extLst>
+              <a:ext uri="{FF2B5EF4-FFF2-40B4-BE49-F238E27FC236}">
+                <a16:creationId xmlns:a16="http://schemas.microsoft.com/office/drawing/2014/main" xmlns="" id="{D58277C9-4A96-4B3C-9C16-2986AE7CA0FC}"/>
+              </a:ext>
+            </a:extLst>
+          </p:cNvPr>
+          <p:cNvSpPr txBox="1"/>
+          <p:nvPr/>
+        </p:nvSpPr>
+        <p:spPr>
+          <a:xfrm>
+            <a:off x="5971307" y="2737236"/>
+            <a:ext cx="5501827" cy="1384995"/>
+          </a:xfrm>
+          <a:prstGeom prst="rect">
+            <a:avLst/>
+          </a:prstGeom>
+          <a:noFill/>
+        </p:spPr>
+        <p:txBody>
+          <a:bodyPr wrap="none" rtlCol="0">
+            <a:spAutoFit/>
+          </a:bodyPr>
+          <a:lstStyle/>
+          <a:p>
+            <a:r>
+              <a:rPr lang="ko-KR" altLang="en-US" sz="1200" dirty="0" err="1"/>
+              <a:t>배열안에</a:t>
+            </a:r>
+            <a:r>
+              <a:rPr lang="ko-KR" altLang="en-US" sz="1200" dirty="0"/>
+              <a:t> </a:t>
+            </a:r>
+            <a:r>
+              <a:rPr lang="en-US" altLang="ko-KR" sz="1200" dirty="0"/>
+              <a:t>...</a:t>
+            </a:r>
+            <a:r>
+              <a:rPr lang="ko-KR" altLang="en-US" sz="1200" dirty="0"/>
+              <a:t>을 사용해 새로운 배열 </a:t>
+            </a:r>
+            <a:r>
+              <a:rPr lang="en-US" altLang="ko-KR" sz="1200" dirty="0" err="1"/>
+              <a:t>newComments</a:t>
+            </a:r>
+            <a:r>
+              <a:rPr lang="ko-KR" altLang="en-US" sz="1200" dirty="0" smtClean="0"/>
+              <a:t>안에</a:t>
+            </a:r>
+            <a:endParaRPr lang="en-US" altLang="ko-KR" sz="1200" dirty="0" smtClean="0"/>
+          </a:p>
+          <a:p>
+            <a:r>
+              <a:rPr lang="en-US" altLang="ko-KR" sz="1200" dirty="0" smtClean="0"/>
+              <a:t>id</a:t>
+            </a:r>
+            <a:r>
+              <a:rPr lang="ko-KR" altLang="en-US" sz="1200" dirty="0"/>
+              <a:t>가 </a:t>
+            </a:r>
+            <a:r>
+              <a:rPr lang="en-US" altLang="ko-KR" sz="1200" dirty="0"/>
+              <a:t>823423</a:t>
+            </a:r>
+            <a:r>
+              <a:rPr lang="ko-KR" altLang="en-US" sz="1200" dirty="0"/>
+              <a:t>인 값을 뺀 나머지를 넣는 </a:t>
+            </a:r>
+            <a:r>
+              <a:rPr lang="ko-KR" altLang="en-US" sz="1200" dirty="0" smtClean="0"/>
+              <a:t>코드</a:t>
+            </a:r>
+            <a:endParaRPr lang="en-US" altLang="ko-KR" sz="1200" dirty="0" smtClean="0"/>
+          </a:p>
+          <a:p>
+            <a:endParaRPr lang="en-US" altLang="ko-KR" sz="1200" dirty="0"/>
+          </a:p>
+          <a:p>
+            <a:r>
+              <a:rPr lang="en-US" altLang="ko-KR" sz="1200" dirty="0" err="1" smtClean="0"/>
+              <a:t>Comments.splice</a:t>
+            </a:r>
+            <a:r>
+              <a:rPr lang="en-US" altLang="ko-KR" sz="1200" dirty="0" smtClean="0"/>
+              <a:t>(1, 1) // comments</a:t>
+            </a:r>
+            <a:r>
+              <a:rPr lang="ko-KR" altLang="en-US" sz="1200" dirty="0" smtClean="0"/>
+              <a:t>배열의 </a:t>
+            </a:r>
+            <a:r>
+              <a:rPr lang="en-US" altLang="ko-KR" sz="1200" dirty="0" smtClean="0"/>
+              <a:t>1</a:t>
+            </a:r>
+            <a:r>
+              <a:rPr lang="ko-KR" altLang="en-US" sz="1200" dirty="0" smtClean="0"/>
+              <a:t>번째 객체부터 </a:t>
+            </a:r>
+            <a:r>
+              <a:rPr lang="en-US" altLang="ko-KR" sz="1200" dirty="0" smtClean="0"/>
+              <a:t>1</a:t>
+            </a:r>
+            <a:r>
+              <a:rPr lang="ko-KR" altLang="en-US" sz="1200" dirty="0" smtClean="0"/>
+              <a:t>개 삭제</a:t>
+            </a:r>
+            <a:endParaRPr lang="en-US" altLang="ko-KR" sz="1200" dirty="0" smtClean="0"/>
+          </a:p>
+          <a:p>
+            <a:endParaRPr lang="en-US" altLang="ko-KR" sz="1200" dirty="0" smtClean="0"/>
+          </a:p>
+          <a:p>
+            <a:r>
+              <a:rPr lang="en-US" altLang="ko-KR" sz="1200" dirty="0" smtClean="0"/>
+              <a:t>…</a:t>
+            </a:r>
+            <a:r>
+              <a:rPr lang="en-US" altLang="ko-KR" sz="1200" dirty="0" err="1" smtClean="0"/>
+              <a:t>comments.slice</a:t>
+            </a:r>
+            <a:r>
+              <a:rPr lang="en-US" altLang="ko-KR" sz="1200" dirty="0" smtClean="0"/>
+              <a:t>(0, 1) // comments</a:t>
+            </a:r>
+            <a:r>
+              <a:rPr lang="ko-KR" altLang="en-US" sz="1200" dirty="0" smtClean="0"/>
+              <a:t>배열의 </a:t>
+            </a:r>
+            <a:r>
+              <a:rPr lang="en-US" altLang="ko-KR" sz="1200" dirty="0" smtClean="0"/>
+              <a:t>0~1</a:t>
+            </a:r>
+            <a:r>
+              <a:rPr lang="ko-KR" altLang="en-US" sz="1200" dirty="0" smtClean="0"/>
+              <a:t>번째 까지의 객체를 가져온다</a:t>
+            </a:r>
+            <a:r>
+              <a:rPr lang="en-US" altLang="ko-KR" sz="1200" dirty="0" smtClean="0"/>
+              <a:t>.</a:t>
+            </a:r>
+          </a:p>
+          <a:p>
+            <a:r>
+              <a:rPr lang="en-US" altLang="ko-KR" sz="1200" dirty="0" smtClean="0"/>
+              <a:t>…</a:t>
+            </a:r>
+            <a:r>
+              <a:rPr lang="en-US" altLang="ko-KR" sz="1200" dirty="0" err="1" smtClean="0"/>
+              <a:t>comments.slice</a:t>
+            </a:r>
+            <a:r>
+              <a:rPr lang="en-US" altLang="ko-KR" sz="1200" dirty="0" smtClean="0"/>
+              <a:t>(1+1) // comments</a:t>
+            </a:r>
+            <a:r>
+              <a:rPr lang="ko-KR" altLang="en-US" sz="1200" dirty="0" smtClean="0"/>
+              <a:t>배열의 </a:t>
+            </a:r>
+            <a:r>
+              <a:rPr lang="en-US" altLang="ko-KR" sz="1200" dirty="0" smtClean="0"/>
+              <a:t>2</a:t>
+            </a:r>
+            <a:r>
+              <a:rPr lang="ko-KR" altLang="en-US" sz="1200" dirty="0" smtClean="0"/>
+              <a:t>번째 객체부터 가져온다</a:t>
+            </a:r>
+            <a:r>
+              <a:rPr lang="en-US" altLang="ko-KR" sz="1200" dirty="0" smtClean="0"/>
+              <a:t>.</a:t>
+            </a:r>
+            <a:endParaRPr lang="en-US" altLang="ko-KR" sz="1200" dirty="0"/>
+          </a:p>
+        </p:txBody>
+      </p:sp>
+      <p:pic>
+        <p:nvPicPr>
+          <p:cNvPr id="1034" name="Picture 10"/>
+          <p:cNvPicPr>
+            <a:picLocks noChangeAspect="1" noChangeArrowheads="1"/>
+          </p:cNvPicPr>
+          <p:nvPr/>
+        </p:nvPicPr>
+        <p:blipFill>
+          <a:blip r:embed="rId7">
+            <a:extLst>
+              <a:ext uri="{28A0092B-C50C-407E-A947-70E740481C1C}">
+                <a14:useLocalDpi xmlns:a14="http://schemas.microsoft.com/office/drawing/2010/main" val="0"/>
+              </a:ext>
+            </a:extLst>
+          </a:blip>
+          <a:srcRect/>
+          <a:stretch>
+            <a:fillRect/>
+          </a:stretch>
+        </p:blipFill>
+        <p:spPr bwMode="auto">
+          <a:xfrm>
+            <a:off x="7014112" y="4285199"/>
+            <a:ext cx="3457575" cy="1123950"/>
+          </a:xfrm>
+          <a:prstGeom prst="rect">
+            <a:avLst/>
+          </a:prstGeom>
+          <a:noFill/>
+          <a:ln>
+            <a:noFill/>
+          </a:ln>
+          <a:effectLst/>
+          <a:extLst>
+            <a:ext uri="{909E8E84-426E-40DD-AFC4-6F175D3DCCD1}">
+              <a14:hiddenFill xmlns:a14="http://schemas.microsoft.com/office/drawing/2010/main">
+                <a:solidFill>
+                  <a:schemeClr val="accent1"/>
+                </a:solidFill>
+              </a14:hiddenFill>
+            </a:ext>
+            <a:ext uri="{91240B29-F687-4F45-9708-019B960494DF}">
+              <a14:hiddenLine xmlns:a14="http://schemas.microsoft.com/office/drawing/2010/main" w="9525">
+                <a:solidFill>
+                  <a:schemeClr val="tx1"/>
+                </a:solidFill>
+                <a:miter lim="800000"/>
+                <a:headEnd/>
+                <a:tailEnd/>
+              </a14:hiddenLine>
+            </a:ext>
+            <a:ext uri="{AF507438-7753-43E0-B8FC-AC1667EBCBE1}">
+              <a14:hiddenEffects xmlns:a14="http://schemas.microsoft.com/office/drawing/2010/main">
+                <a:effectLst>
+                  <a:outerShdw dist="35921" dir="2700000" algn="ctr" rotWithShape="0">
+                    <a:schemeClr val="bg2"/>
+                  </a:outerShdw>
+                </a:effectLst>
+              </a14:hiddenEffects>
+            </a:ext>
+          </a:extLst>
+        </p:spPr>
+      </p:pic>
+      <p:pic>
+        <p:nvPicPr>
+          <p:cNvPr id="1035" name="Picture 11"/>
+          <p:cNvPicPr>
+            <a:picLocks noChangeAspect="1" noChangeArrowheads="1"/>
+          </p:cNvPicPr>
+          <p:nvPr/>
+        </p:nvPicPr>
+        <p:blipFill>
+          <a:blip r:embed="rId8">
+            <a:extLst>
+              <a:ext uri="{28A0092B-C50C-407E-A947-70E740481C1C}">
+                <a14:useLocalDpi xmlns:a14="http://schemas.microsoft.com/office/drawing/2010/main" val="0"/>
+              </a:ext>
+            </a:extLst>
+          </a:blip>
+          <a:srcRect/>
+          <a:stretch>
+            <a:fillRect/>
+          </a:stretch>
+        </p:blipFill>
+        <p:spPr bwMode="auto">
+          <a:xfrm>
+            <a:off x="7014112" y="5621200"/>
+            <a:ext cx="3467100" cy="942975"/>
+          </a:xfrm>
+          <a:prstGeom prst="rect">
+            <a:avLst/>
+          </a:prstGeom>
+          <a:noFill/>
+          <a:ln>
+            <a:noFill/>
+          </a:ln>
+          <a:effectLst/>
+          <a:extLst>
+            <a:ext uri="{909E8E84-426E-40DD-AFC4-6F175D3DCCD1}">
+              <a14:hiddenFill xmlns:a14="http://schemas.microsoft.com/office/drawing/2010/main">
+                <a:solidFill>
+                  <a:schemeClr val="accent1"/>
+                </a:solidFill>
+              </a14:hiddenFill>
+            </a:ext>
+            <a:ext uri="{91240B29-F687-4F45-9708-019B960494DF}">
+              <a14:hiddenLine xmlns:a14="http://schemas.microsoft.com/office/drawing/2010/main" w="9525">
+                <a:solidFill>
+                  <a:schemeClr val="tx1"/>
+                </a:solidFill>
+                <a:miter lim="800000"/>
+                <a:headEnd/>
+                <a:tailEnd/>
+              </a14:hiddenLine>
+            </a:ext>
+            <a:ext uri="{AF507438-7753-43E0-B8FC-AC1667EBCBE1}">
+              <a14:hiddenEffects xmlns:a14="http://schemas.microsoft.com/office/drawing/2010/main">
+                <a:effectLst>
+                  <a:outerShdw dist="35921" dir="2700000" algn="ctr" rotWithShape="0">
+                    <a:schemeClr val="bg2"/>
+                  </a:outerShdw>
+                </a:effectLst>
+              </a14:hiddenEffects>
+            </a:ext>
+          </a:extLst>
+        </p:spPr>
+      </p:pic>
+    </p:spTree>
+    <p:extLst>
+      <p:ext uri="{BB962C8B-B14F-4D97-AF65-F5344CB8AC3E}">
+        <p14:creationId xmlns:p14="http://schemas.microsoft.com/office/powerpoint/2010/main" val="3861579086"/>
       </p:ext>
     </p:extLst>
   </p:cSld>
@@ -4995,7 +5876,7 @@
     </a:clrScheme>
     <a:fontScheme name="Office">
       <a:majorFont>
-        <a:latin typeface="맑은 고딕" panose="020F0302020204030204"/>
+        <a:latin typeface="맑은 고딕"/>
         <a:ea typeface=""/>
         <a:cs typeface=""/>
         <a:font script="Jpan" typeface="游ゴシック Light"/>
@@ -5047,7 +5928,7 @@
         <a:font script="Tfng" typeface="Ebrima"/>
       </a:majorFont>
       <a:minorFont>
-        <a:latin typeface="맑은 고딕" panose="020F0502020204030204"/>
+        <a:latin typeface="맑은 고딕"/>
         <a:ea typeface=""/>
         <a:cs typeface=""/>
         <a:font script="Jpan" typeface="游ゴシック"/>
@@ -5241,7 +6122,7 @@
   <a:extraClrSchemeLst/>
   <a:extLst>
     <a:ext uri="{05A4C25C-085E-4340-85A3-A5531E510DB2}">
-      <thm15:themeFamily xmlns:thm15="http://schemas.microsoft.com/office/thememl/2012/main" name="Office Theme" id="{62F939B6-93AF-4DB8-9C6B-D6C7DFDC589F}" vid="{4A3C46E8-61CC-4603-A589-7422A47A8E4A}"/>
+      <thm15:themeFamily xmlns:thm15="http://schemas.microsoft.com/office/thememl/2012/main" xmlns="" name="Office Theme" id="{62F939B6-93AF-4DB8-9C6B-D6C7DFDC589F}" vid="{4A3C46E8-61CC-4603-A589-7422A47A8E4A}"/>
     </a:ext>
   </a:extLst>
 </a:theme>

--- a/JavaScript30-master/07 - Array Cardio Day 2/설명.pptx
+++ b/JavaScript30-master/07 - Array Cardio Day 2/설명.pptx
@@ -108,6 +108,22 @@
       </a:defRPr>
     </a:lvl9pPr>
   </p:defaultTextStyle>
+  <p:extLst>
+    <p:ext uri="{EFAFB233-063F-42B5-8137-9DF3F51BA10A}">
+      <p15:sldGuideLst xmlns:p15="http://schemas.microsoft.com/office/powerpoint/2012/main">
+        <p15:guide id="1" orient="horz" pos="2160">
+          <p15:clr>
+            <a:srgbClr val="A4A3A4"/>
+          </p15:clr>
+        </p15:guide>
+        <p15:guide id="2" pos="3840">
+          <p15:clr>
+            <a:srgbClr val="A4A3A4"/>
+          </p15:clr>
+        </p15:guide>
+      </p15:sldGuideLst>
+    </p:ext>
+  </p:extLst>
 </p:presentation>
 </file>
 
@@ -133,7 +149,7 @@
           <p:cNvPr id="2" name="제목 1">
             <a:extLst>
               <a:ext uri="{FF2B5EF4-FFF2-40B4-BE49-F238E27FC236}">
-                <a16:creationId xmlns:a16="http://schemas.microsoft.com/office/drawing/2014/main" xmlns="" id="{40E1350D-900B-46BF-AED0-F4D91C46F922}"/>
+                <a16:creationId xmlns:a16="http://schemas.microsoft.com/office/drawing/2014/main" id="{40E1350D-900B-46BF-AED0-F4D91C46F922}"/>
               </a:ext>
             </a:extLst>
           </p:cNvPr>
@@ -170,7 +186,7 @@
           <p:cNvPr id="3" name="부제목 2">
             <a:extLst>
               <a:ext uri="{FF2B5EF4-FFF2-40B4-BE49-F238E27FC236}">
-                <a16:creationId xmlns:a16="http://schemas.microsoft.com/office/drawing/2014/main" xmlns="" id="{8CD7C434-4AC5-435F-8FF4-5D6674645959}"/>
+                <a16:creationId xmlns:a16="http://schemas.microsoft.com/office/drawing/2014/main" id="{8CD7C434-4AC5-435F-8FF4-5D6674645959}"/>
               </a:ext>
             </a:extLst>
           </p:cNvPr>
@@ -240,7 +256,7 @@
           <p:cNvPr id="4" name="날짜 개체 틀 3">
             <a:extLst>
               <a:ext uri="{FF2B5EF4-FFF2-40B4-BE49-F238E27FC236}">
-                <a16:creationId xmlns:a16="http://schemas.microsoft.com/office/drawing/2014/main" xmlns="" id="{120AEDF9-A813-4FC2-9760-CFED475155D5}"/>
+                <a16:creationId xmlns:a16="http://schemas.microsoft.com/office/drawing/2014/main" id="{120AEDF9-A813-4FC2-9760-CFED475155D5}"/>
               </a:ext>
             </a:extLst>
           </p:cNvPr>
@@ -258,7 +274,7 @@
           <a:p>
             <a:fld id="{448EC59A-14CB-4835-BC16-25D179378DDE}" type="datetimeFigureOut">
               <a:rPr lang="ko-KR" altLang="en-US" smtClean="0"/>
-              <a:t>2020-03-18</a:t>
+              <a:t>2020-03-22</a:t>
             </a:fld>
             <a:endParaRPr lang="ko-KR" altLang="en-US"/>
           </a:p>
@@ -269,7 +285,7 @@
           <p:cNvPr id="5" name="바닥글 개체 틀 4">
             <a:extLst>
               <a:ext uri="{FF2B5EF4-FFF2-40B4-BE49-F238E27FC236}">
-                <a16:creationId xmlns:a16="http://schemas.microsoft.com/office/drawing/2014/main" xmlns="" id="{4A526D8E-98F3-400F-B223-15790899C96E}"/>
+                <a16:creationId xmlns:a16="http://schemas.microsoft.com/office/drawing/2014/main" id="{4A526D8E-98F3-400F-B223-15790899C96E}"/>
               </a:ext>
             </a:extLst>
           </p:cNvPr>
@@ -294,7 +310,7 @@
           <p:cNvPr id="6" name="슬라이드 번호 개체 틀 5">
             <a:extLst>
               <a:ext uri="{FF2B5EF4-FFF2-40B4-BE49-F238E27FC236}">
-                <a16:creationId xmlns:a16="http://schemas.microsoft.com/office/drawing/2014/main" xmlns="" id="{B5C471E9-5F0F-4543-8240-7CFD32F0170E}"/>
+                <a16:creationId xmlns:a16="http://schemas.microsoft.com/office/drawing/2014/main" id="{B5C471E9-5F0F-4543-8240-7CFD32F0170E}"/>
               </a:ext>
             </a:extLst>
           </p:cNvPr>
@@ -353,7 +369,7 @@
           <p:cNvPr id="2" name="제목 1">
             <a:extLst>
               <a:ext uri="{FF2B5EF4-FFF2-40B4-BE49-F238E27FC236}">
-                <a16:creationId xmlns:a16="http://schemas.microsoft.com/office/drawing/2014/main" xmlns="" id="{A6B6AD0E-7BED-4947-AFCF-09DE2050DE5E}"/>
+                <a16:creationId xmlns:a16="http://schemas.microsoft.com/office/drawing/2014/main" id="{A6B6AD0E-7BED-4947-AFCF-09DE2050DE5E}"/>
               </a:ext>
             </a:extLst>
           </p:cNvPr>
@@ -381,7 +397,7 @@
           <p:cNvPr id="3" name="세로 텍스트 개체 틀 2">
             <a:extLst>
               <a:ext uri="{FF2B5EF4-FFF2-40B4-BE49-F238E27FC236}">
-                <a16:creationId xmlns:a16="http://schemas.microsoft.com/office/drawing/2014/main" xmlns="" id="{9A1DFA21-C3D4-41FF-AAB4-63A50B2C1105}"/>
+                <a16:creationId xmlns:a16="http://schemas.microsoft.com/office/drawing/2014/main" id="{9A1DFA21-C3D4-41FF-AAB4-63A50B2C1105}"/>
               </a:ext>
             </a:extLst>
           </p:cNvPr>
@@ -438,7 +454,7 @@
           <p:cNvPr id="4" name="날짜 개체 틀 3">
             <a:extLst>
               <a:ext uri="{FF2B5EF4-FFF2-40B4-BE49-F238E27FC236}">
-                <a16:creationId xmlns:a16="http://schemas.microsoft.com/office/drawing/2014/main" xmlns="" id="{3758675F-6EA1-446B-98C3-32120B3F02C5}"/>
+                <a16:creationId xmlns:a16="http://schemas.microsoft.com/office/drawing/2014/main" id="{3758675F-6EA1-446B-98C3-32120B3F02C5}"/>
               </a:ext>
             </a:extLst>
           </p:cNvPr>
@@ -456,7 +472,7 @@
           <a:p>
             <a:fld id="{448EC59A-14CB-4835-BC16-25D179378DDE}" type="datetimeFigureOut">
               <a:rPr lang="ko-KR" altLang="en-US" smtClean="0"/>
-              <a:t>2020-03-18</a:t>
+              <a:t>2020-03-22</a:t>
             </a:fld>
             <a:endParaRPr lang="ko-KR" altLang="en-US"/>
           </a:p>
@@ -467,7 +483,7 @@
           <p:cNvPr id="5" name="바닥글 개체 틀 4">
             <a:extLst>
               <a:ext uri="{FF2B5EF4-FFF2-40B4-BE49-F238E27FC236}">
-                <a16:creationId xmlns:a16="http://schemas.microsoft.com/office/drawing/2014/main" xmlns="" id="{6E2EF4C2-81AF-47CC-85E4-617F6418C2F5}"/>
+                <a16:creationId xmlns:a16="http://schemas.microsoft.com/office/drawing/2014/main" id="{6E2EF4C2-81AF-47CC-85E4-617F6418C2F5}"/>
               </a:ext>
             </a:extLst>
           </p:cNvPr>
@@ -492,7 +508,7 @@
           <p:cNvPr id="6" name="슬라이드 번호 개체 틀 5">
             <a:extLst>
               <a:ext uri="{FF2B5EF4-FFF2-40B4-BE49-F238E27FC236}">
-                <a16:creationId xmlns:a16="http://schemas.microsoft.com/office/drawing/2014/main" xmlns="" id="{E525016D-B230-4A9A-A1EC-19CD6E23B387}"/>
+                <a16:creationId xmlns:a16="http://schemas.microsoft.com/office/drawing/2014/main" id="{E525016D-B230-4A9A-A1EC-19CD6E23B387}"/>
               </a:ext>
             </a:extLst>
           </p:cNvPr>
@@ -551,7 +567,7 @@
           <p:cNvPr id="2" name="세로 제목 1">
             <a:extLst>
               <a:ext uri="{FF2B5EF4-FFF2-40B4-BE49-F238E27FC236}">
-                <a16:creationId xmlns:a16="http://schemas.microsoft.com/office/drawing/2014/main" xmlns="" id="{8A24891D-6C06-48EF-9278-235B35DC0D75}"/>
+                <a16:creationId xmlns:a16="http://schemas.microsoft.com/office/drawing/2014/main" id="{8A24891D-6C06-48EF-9278-235B35DC0D75}"/>
               </a:ext>
             </a:extLst>
           </p:cNvPr>
@@ -584,7 +600,7 @@
           <p:cNvPr id="3" name="세로 텍스트 개체 틀 2">
             <a:extLst>
               <a:ext uri="{FF2B5EF4-FFF2-40B4-BE49-F238E27FC236}">
-                <a16:creationId xmlns:a16="http://schemas.microsoft.com/office/drawing/2014/main" xmlns="" id="{F4CEFB68-6295-4544-9B60-053769EAE37E}"/>
+                <a16:creationId xmlns:a16="http://schemas.microsoft.com/office/drawing/2014/main" id="{F4CEFB68-6295-4544-9B60-053769EAE37E}"/>
               </a:ext>
             </a:extLst>
           </p:cNvPr>
@@ -646,7 +662,7 @@
           <p:cNvPr id="4" name="날짜 개체 틀 3">
             <a:extLst>
               <a:ext uri="{FF2B5EF4-FFF2-40B4-BE49-F238E27FC236}">
-                <a16:creationId xmlns:a16="http://schemas.microsoft.com/office/drawing/2014/main" xmlns="" id="{91035297-ADFC-47B1-9667-0BD63BC368BC}"/>
+                <a16:creationId xmlns:a16="http://schemas.microsoft.com/office/drawing/2014/main" id="{91035297-ADFC-47B1-9667-0BD63BC368BC}"/>
               </a:ext>
             </a:extLst>
           </p:cNvPr>
@@ -664,7 +680,7 @@
           <a:p>
             <a:fld id="{448EC59A-14CB-4835-BC16-25D179378DDE}" type="datetimeFigureOut">
               <a:rPr lang="ko-KR" altLang="en-US" smtClean="0"/>
-              <a:t>2020-03-18</a:t>
+              <a:t>2020-03-22</a:t>
             </a:fld>
             <a:endParaRPr lang="ko-KR" altLang="en-US"/>
           </a:p>
@@ -675,7 +691,7 @@
           <p:cNvPr id="5" name="바닥글 개체 틀 4">
             <a:extLst>
               <a:ext uri="{FF2B5EF4-FFF2-40B4-BE49-F238E27FC236}">
-                <a16:creationId xmlns:a16="http://schemas.microsoft.com/office/drawing/2014/main" xmlns="" id="{90E873C1-C0BC-420D-B073-C9B28047962A}"/>
+                <a16:creationId xmlns:a16="http://schemas.microsoft.com/office/drawing/2014/main" id="{90E873C1-C0BC-420D-B073-C9B28047962A}"/>
               </a:ext>
             </a:extLst>
           </p:cNvPr>
@@ -700,7 +716,7 @@
           <p:cNvPr id="6" name="슬라이드 번호 개체 틀 5">
             <a:extLst>
               <a:ext uri="{FF2B5EF4-FFF2-40B4-BE49-F238E27FC236}">
-                <a16:creationId xmlns:a16="http://schemas.microsoft.com/office/drawing/2014/main" xmlns="" id="{6C83D697-8517-4779-AAB5-0931F0A84AA5}"/>
+                <a16:creationId xmlns:a16="http://schemas.microsoft.com/office/drawing/2014/main" id="{6C83D697-8517-4779-AAB5-0931F0A84AA5}"/>
               </a:ext>
             </a:extLst>
           </p:cNvPr>
@@ -759,7 +775,7 @@
           <p:cNvPr id="2" name="제목 1">
             <a:extLst>
               <a:ext uri="{FF2B5EF4-FFF2-40B4-BE49-F238E27FC236}">
-                <a16:creationId xmlns:a16="http://schemas.microsoft.com/office/drawing/2014/main" xmlns="" id="{FE95E271-D23A-43DD-B437-409DAA7A4A95}"/>
+                <a16:creationId xmlns:a16="http://schemas.microsoft.com/office/drawing/2014/main" id="{FE95E271-D23A-43DD-B437-409DAA7A4A95}"/>
               </a:ext>
             </a:extLst>
           </p:cNvPr>
@@ -787,7 +803,7 @@
           <p:cNvPr id="3" name="내용 개체 틀 2">
             <a:extLst>
               <a:ext uri="{FF2B5EF4-FFF2-40B4-BE49-F238E27FC236}">
-                <a16:creationId xmlns:a16="http://schemas.microsoft.com/office/drawing/2014/main" xmlns="" id="{BAD7450A-BA6B-43C5-B595-108C9E1BC36E}"/>
+                <a16:creationId xmlns:a16="http://schemas.microsoft.com/office/drawing/2014/main" id="{BAD7450A-BA6B-43C5-B595-108C9E1BC36E}"/>
               </a:ext>
             </a:extLst>
           </p:cNvPr>
@@ -844,7 +860,7 @@
           <p:cNvPr id="4" name="날짜 개체 틀 3">
             <a:extLst>
               <a:ext uri="{FF2B5EF4-FFF2-40B4-BE49-F238E27FC236}">
-                <a16:creationId xmlns:a16="http://schemas.microsoft.com/office/drawing/2014/main" xmlns="" id="{A0EF7204-BAF0-495E-88E9-53444D7C7E40}"/>
+                <a16:creationId xmlns:a16="http://schemas.microsoft.com/office/drawing/2014/main" id="{A0EF7204-BAF0-495E-88E9-53444D7C7E40}"/>
               </a:ext>
             </a:extLst>
           </p:cNvPr>
@@ -862,7 +878,7 @@
           <a:p>
             <a:fld id="{448EC59A-14CB-4835-BC16-25D179378DDE}" type="datetimeFigureOut">
               <a:rPr lang="ko-KR" altLang="en-US" smtClean="0"/>
-              <a:t>2020-03-18</a:t>
+              <a:t>2020-03-22</a:t>
             </a:fld>
             <a:endParaRPr lang="ko-KR" altLang="en-US"/>
           </a:p>
@@ -873,7 +889,7 @@
           <p:cNvPr id="5" name="바닥글 개체 틀 4">
             <a:extLst>
               <a:ext uri="{FF2B5EF4-FFF2-40B4-BE49-F238E27FC236}">
-                <a16:creationId xmlns:a16="http://schemas.microsoft.com/office/drawing/2014/main" xmlns="" id="{21709868-0327-4990-986D-40BD2599410F}"/>
+                <a16:creationId xmlns:a16="http://schemas.microsoft.com/office/drawing/2014/main" id="{21709868-0327-4990-986D-40BD2599410F}"/>
               </a:ext>
             </a:extLst>
           </p:cNvPr>
@@ -898,7 +914,7 @@
           <p:cNvPr id="6" name="슬라이드 번호 개체 틀 5">
             <a:extLst>
               <a:ext uri="{FF2B5EF4-FFF2-40B4-BE49-F238E27FC236}">
-                <a16:creationId xmlns:a16="http://schemas.microsoft.com/office/drawing/2014/main" xmlns="" id="{3FBDA491-03B0-4E7A-B46A-7BE3AA02E457}"/>
+                <a16:creationId xmlns:a16="http://schemas.microsoft.com/office/drawing/2014/main" id="{3FBDA491-03B0-4E7A-B46A-7BE3AA02E457}"/>
               </a:ext>
             </a:extLst>
           </p:cNvPr>
@@ -957,7 +973,7 @@
           <p:cNvPr id="2" name="제목 1">
             <a:extLst>
               <a:ext uri="{FF2B5EF4-FFF2-40B4-BE49-F238E27FC236}">
-                <a16:creationId xmlns:a16="http://schemas.microsoft.com/office/drawing/2014/main" xmlns="" id="{8A06D018-F7F1-424A-9680-E82A61E70692}"/>
+                <a16:creationId xmlns:a16="http://schemas.microsoft.com/office/drawing/2014/main" id="{8A06D018-F7F1-424A-9680-E82A61E70692}"/>
               </a:ext>
             </a:extLst>
           </p:cNvPr>
@@ -994,7 +1010,7 @@
           <p:cNvPr id="3" name="텍스트 개체 틀 2">
             <a:extLst>
               <a:ext uri="{FF2B5EF4-FFF2-40B4-BE49-F238E27FC236}">
-                <a16:creationId xmlns:a16="http://schemas.microsoft.com/office/drawing/2014/main" xmlns="" id="{10C54B3B-16CD-4CF8-B6F2-16178C83F1CE}"/>
+                <a16:creationId xmlns:a16="http://schemas.microsoft.com/office/drawing/2014/main" id="{10C54B3B-16CD-4CF8-B6F2-16178C83F1CE}"/>
               </a:ext>
             </a:extLst>
           </p:cNvPr>
@@ -1119,7 +1135,7 @@
           <p:cNvPr id="4" name="날짜 개체 틀 3">
             <a:extLst>
               <a:ext uri="{FF2B5EF4-FFF2-40B4-BE49-F238E27FC236}">
-                <a16:creationId xmlns:a16="http://schemas.microsoft.com/office/drawing/2014/main" xmlns="" id="{0468521A-36A6-47CB-B04A-650EC84F7723}"/>
+                <a16:creationId xmlns:a16="http://schemas.microsoft.com/office/drawing/2014/main" id="{0468521A-36A6-47CB-B04A-650EC84F7723}"/>
               </a:ext>
             </a:extLst>
           </p:cNvPr>
@@ -1137,7 +1153,7 @@
           <a:p>
             <a:fld id="{448EC59A-14CB-4835-BC16-25D179378DDE}" type="datetimeFigureOut">
               <a:rPr lang="ko-KR" altLang="en-US" smtClean="0"/>
-              <a:t>2020-03-18</a:t>
+              <a:t>2020-03-22</a:t>
             </a:fld>
             <a:endParaRPr lang="ko-KR" altLang="en-US"/>
           </a:p>
@@ -1148,7 +1164,7 @@
           <p:cNvPr id="5" name="바닥글 개체 틀 4">
             <a:extLst>
               <a:ext uri="{FF2B5EF4-FFF2-40B4-BE49-F238E27FC236}">
-                <a16:creationId xmlns:a16="http://schemas.microsoft.com/office/drawing/2014/main" xmlns="" id="{0D847994-C781-4E7A-884A-96CE8AB69BE3}"/>
+                <a16:creationId xmlns:a16="http://schemas.microsoft.com/office/drawing/2014/main" id="{0D847994-C781-4E7A-884A-96CE8AB69BE3}"/>
               </a:ext>
             </a:extLst>
           </p:cNvPr>
@@ -1173,7 +1189,7 @@
           <p:cNvPr id="6" name="슬라이드 번호 개체 틀 5">
             <a:extLst>
               <a:ext uri="{FF2B5EF4-FFF2-40B4-BE49-F238E27FC236}">
-                <a16:creationId xmlns:a16="http://schemas.microsoft.com/office/drawing/2014/main" xmlns="" id="{EA4E7454-7ED8-47D5-82B1-8FD661FEAFD8}"/>
+                <a16:creationId xmlns:a16="http://schemas.microsoft.com/office/drawing/2014/main" id="{EA4E7454-7ED8-47D5-82B1-8FD661FEAFD8}"/>
               </a:ext>
             </a:extLst>
           </p:cNvPr>
@@ -1232,7 +1248,7 @@
           <p:cNvPr id="2" name="제목 1">
             <a:extLst>
               <a:ext uri="{FF2B5EF4-FFF2-40B4-BE49-F238E27FC236}">
-                <a16:creationId xmlns:a16="http://schemas.microsoft.com/office/drawing/2014/main" xmlns="" id="{F94262D1-F98C-4B66-8EF6-4C6878B90870}"/>
+                <a16:creationId xmlns:a16="http://schemas.microsoft.com/office/drawing/2014/main" id="{F94262D1-F98C-4B66-8EF6-4C6878B90870}"/>
               </a:ext>
             </a:extLst>
           </p:cNvPr>
@@ -1260,7 +1276,7 @@
           <p:cNvPr id="3" name="내용 개체 틀 2">
             <a:extLst>
               <a:ext uri="{FF2B5EF4-FFF2-40B4-BE49-F238E27FC236}">
-                <a16:creationId xmlns:a16="http://schemas.microsoft.com/office/drawing/2014/main" xmlns="" id="{96F06A9F-E61B-4670-9ADD-9725251CD494}"/>
+                <a16:creationId xmlns:a16="http://schemas.microsoft.com/office/drawing/2014/main" id="{96F06A9F-E61B-4670-9ADD-9725251CD494}"/>
               </a:ext>
             </a:extLst>
           </p:cNvPr>
@@ -1322,7 +1338,7 @@
           <p:cNvPr id="4" name="내용 개체 틀 3">
             <a:extLst>
               <a:ext uri="{FF2B5EF4-FFF2-40B4-BE49-F238E27FC236}">
-                <a16:creationId xmlns:a16="http://schemas.microsoft.com/office/drawing/2014/main" xmlns="" id="{14A72E36-A190-47A9-AEA6-D7FEAAFCFAC2}"/>
+                <a16:creationId xmlns:a16="http://schemas.microsoft.com/office/drawing/2014/main" id="{14A72E36-A190-47A9-AEA6-D7FEAAFCFAC2}"/>
               </a:ext>
             </a:extLst>
           </p:cNvPr>
@@ -1384,7 +1400,7 @@
           <p:cNvPr id="5" name="날짜 개체 틀 4">
             <a:extLst>
               <a:ext uri="{FF2B5EF4-FFF2-40B4-BE49-F238E27FC236}">
-                <a16:creationId xmlns:a16="http://schemas.microsoft.com/office/drawing/2014/main" xmlns="" id="{CBEBD069-148C-44CA-B976-EAB2DF062E9F}"/>
+                <a16:creationId xmlns:a16="http://schemas.microsoft.com/office/drawing/2014/main" id="{CBEBD069-148C-44CA-B976-EAB2DF062E9F}"/>
               </a:ext>
             </a:extLst>
           </p:cNvPr>
@@ -1402,7 +1418,7 @@
           <a:p>
             <a:fld id="{448EC59A-14CB-4835-BC16-25D179378DDE}" type="datetimeFigureOut">
               <a:rPr lang="ko-KR" altLang="en-US" smtClean="0"/>
-              <a:t>2020-03-18</a:t>
+              <a:t>2020-03-22</a:t>
             </a:fld>
             <a:endParaRPr lang="ko-KR" altLang="en-US"/>
           </a:p>
@@ -1413,7 +1429,7 @@
           <p:cNvPr id="6" name="바닥글 개체 틀 5">
             <a:extLst>
               <a:ext uri="{FF2B5EF4-FFF2-40B4-BE49-F238E27FC236}">
-                <a16:creationId xmlns:a16="http://schemas.microsoft.com/office/drawing/2014/main" xmlns="" id="{18C6C550-1FC0-4C15-8A59-5967B554D09F}"/>
+                <a16:creationId xmlns:a16="http://schemas.microsoft.com/office/drawing/2014/main" id="{18C6C550-1FC0-4C15-8A59-5967B554D09F}"/>
               </a:ext>
             </a:extLst>
           </p:cNvPr>
@@ -1438,7 +1454,7 @@
           <p:cNvPr id="7" name="슬라이드 번호 개체 틀 6">
             <a:extLst>
               <a:ext uri="{FF2B5EF4-FFF2-40B4-BE49-F238E27FC236}">
-                <a16:creationId xmlns:a16="http://schemas.microsoft.com/office/drawing/2014/main" xmlns="" id="{B78D2141-04A1-4385-AA31-72864C8059EF}"/>
+                <a16:creationId xmlns:a16="http://schemas.microsoft.com/office/drawing/2014/main" id="{B78D2141-04A1-4385-AA31-72864C8059EF}"/>
               </a:ext>
             </a:extLst>
           </p:cNvPr>
@@ -1497,7 +1513,7 @@
           <p:cNvPr id="2" name="제목 1">
             <a:extLst>
               <a:ext uri="{FF2B5EF4-FFF2-40B4-BE49-F238E27FC236}">
-                <a16:creationId xmlns:a16="http://schemas.microsoft.com/office/drawing/2014/main" xmlns="" id="{E2230E15-7287-4E36-933C-110D755DB760}"/>
+                <a16:creationId xmlns:a16="http://schemas.microsoft.com/office/drawing/2014/main" id="{E2230E15-7287-4E36-933C-110D755DB760}"/>
               </a:ext>
             </a:extLst>
           </p:cNvPr>
@@ -1530,7 +1546,7 @@
           <p:cNvPr id="3" name="텍스트 개체 틀 2">
             <a:extLst>
               <a:ext uri="{FF2B5EF4-FFF2-40B4-BE49-F238E27FC236}">
-                <a16:creationId xmlns:a16="http://schemas.microsoft.com/office/drawing/2014/main" xmlns="" id="{748B223D-6ABF-404E-8241-5E15672F0275}"/>
+                <a16:creationId xmlns:a16="http://schemas.microsoft.com/office/drawing/2014/main" id="{748B223D-6ABF-404E-8241-5E15672F0275}"/>
               </a:ext>
             </a:extLst>
           </p:cNvPr>
@@ -1601,7 +1617,7 @@
           <p:cNvPr id="4" name="내용 개체 틀 3">
             <a:extLst>
               <a:ext uri="{FF2B5EF4-FFF2-40B4-BE49-F238E27FC236}">
-                <a16:creationId xmlns:a16="http://schemas.microsoft.com/office/drawing/2014/main" xmlns="" id="{9C90659F-3C1E-4A32-9838-045C1152AC66}"/>
+                <a16:creationId xmlns:a16="http://schemas.microsoft.com/office/drawing/2014/main" id="{9C90659F-3C1E-4A32-9838-045C1152AC66}"/>
               </a:ext>
             </a:extLst>
           </p:cNvPr>
@@ -1663,7 +1679,7 @@
           <p:cNvPr id="5" name="텍스트 개체 틀 4">
             <a:extLst>
               <a:ext uri="{FF2B5EF4-FFF2-40B4-BE49-F238E27FC236}">
-                <a16:creationId xmlns:a16="http://schemas.microsoft.com/office/drawing/2014/main" xmlns="" id="{353AFBF4-20D8-4FA4-AEBA-E0E92594B952}"/>
+                <a16:creationId xmlns:a16="http://schemas.microsoft.com/office/drawing/2014/main" id="{353AFBF4-20D8-4FA4-AEBA-E0E92594B952}"/>
               </a:ext>
             </a:extLst>
           </p:cNvPr>
@@ -1734,7 +1750,7 @@
           <p:cNvPr id="6" name="내용 개체 틀 5">
             <a:extLst>
               <a:ext uri="{FF2B5EF4-FFF2-40B4-BE49-F238E27FC236}">
-                <a16:creationId xmlns:a16="http://schemas.microsoft.com/office/drawing/2014/main" xmlns="" id="{AA30A439-4DB2-427E-8B05-A49FD392CCC3}"/>
+                <a16:creationId xmlns:a16="http://schemas.microsoft.com/office/drawing/2014/main" id="{AA30A439-4DB2-427E-8B05-A49FD392CCC3}"/>
               </a:ext>
             </a:extLst>
           </p:cNvPr>
@@ -1796,7 +1812,7 @@
           <p:cNvPr id="7" name="날짜 개체 틀 6">
             <a:extLst>
               <a:ext uri="{FF2B5EF4-FFF2-40B4-BE49-F238E27FC236}">
-                <a16:creationId xmlns:a16="http://schemas.microsoft.com/office/drawing/2014/main" xmlns="" id="{6F175528-636F-49CF-ACA7-E34B7658215E}"/>
+                <a16:creationId xmlns:a16="http://schemas.microsoft.com/office/drawing/2014/main" id="{6F175528-636F-49CF-ACA7-E34B7658215E}"/>
               </a:ext>
             </a:extLst>
           </p:cNvPr>
@@ -1814,7 +1830,7 @@
           <a:p>
             <a:fld id="{448EC59A-14CB-4835-BC16-25D179378DDE}" type="datetimeFigureOut">
               <a:rPr lang="ko-KR" altLang="en-US" smtClean="0"/>
-              <a:t>2020-03-18</a:t>
+              <a:t>2020-03-22</a:t>
             </a:fld>
             <a:endParaRPr lang="ko-KR" altLang="en-US"/>
           </a:p>
@@ -1825,7 +1841,7 @@
           <p:cNvPr id="8" name="바닥글 개체 틀 7">
             <a:extLst>
               <a:ext uri="{FF2B5EF4-FFF2-40B4-BE49-F238E27FC236}">
-                <a16:creationId xmlns:a16="http://schemas.microsoft.com/office/drawing/2014/main" xmlns="" id="{3FD0DD3C-C21B-45A5-BC26-17E3713ABC57}"/>
+                <a16:creationId xmlns:a16="http://schemas.microsoft.com/office/drawing/2014/main" id="{3FD0DD3C-C21B-45A5-BC26-17E3713ABC57}"/>
               </a:ext>
             </a:extLst>
           </p:cNvPr>
@@ -1850,7 +1866,7 @@
           <p:cNvPr id="9" name="슬라이드 번호 개체 틀 8">
             <a:extLst>
               <a:ext uri="{FF2B5EF4-FFF2-40B4-BE49-F238E27FC236}">
-                <a16:creationId xmlns:a16="http://schemas.microsoft.com/office/drawing/2014/main" xmlns="" id="{A32240BC-D660-4DF5-857E-A13A701BE2A2}"/>
+                <a16:creationId xmlns:a16="http://schemas.microsoft.com/office/drawing/2014/main" id="{A32240BC-D660-4DF5-857E-A13A701BE2A2}"/>
               </a:ext>
             </a:extLst>
           </p:cNvPr>
@@ -1909,7 +1925,7 @@
           <p:cNvPr id="2" name="제목 1">
             <a:extLst>
               <a:ext uri="{FF2B5EF4-FFF2-40B4-BE49-F238E27FC236}">
-                <a16:creationId xmlns:a16="http://schemas.microsoft.com/office/drawing/2014/main" xmlns="" id="{6AB04616-58A2-47CE-A839-0DC2F6579F1A}"/>
+                <a16:creationId xmlns:a16="http://schemas.microsoft.com/office/drawing/2014/main" id="{6AB04616-58A2-47CE-A839-0DC2F6579F1A}"/>
               </a:ext>
             </a:extLst>
           </p:cNvPr>
@@ -1937,7 +1953,7 @@
           <p:cNvPr id="3" name="날짜 개체 틀 2">
             <a:extLst>
               <a:ext uri="{FF2B5EF4-FFF2-40B4-BE49-F238E27FC236}">
-                <a16:creationId xmlns:a16="http://schemas.microsoft.com/office/drawing/2014/main" xmlns="" id="{56694C14-8588-445A-8CFF-0F996CB2D3BF}"/>
+                <a16:creationId xmlns:a16="http://schemas.microsoft.com/office/drawing/2014/main" id="{56694C14-8588-445A-8CFF-0F996CB2D3BF}"/>
               </a:ext>
             </a:extLst>
           </p:cNvPr>
@@ -1955,7 +1971,7 @@
           <a:p>
             <a:fld id="{448EC59A-14CB-4835-BC16-25D179378DDE}" type="datetimeFigureOut">
               <a:rPr lang="ko-KR" altLang="en-US" smtClean="0"/>
-              <a:t>2020-03-18</a:t>
+              <a:t>2020-03-22</a:t>
             </a:fld>
             <a:endParaRPr lang="ko-KR" altLang="en-US"/>
           </a:p>
@@ -1966,7 +1982,7 @@
           <p:cNvPr id="4" name="바닥글 개체 틀 3">
             <a:extLst>
               <a:ext uri="{FF2B5EF4-FFF2-40B4-BE49-F238E27FC236}">
-                <a16:creationId xmlns:a16="http://schemas.microsoft.com/office/drawing/2014/main" xmlns="" id="{DFF5B090-4BEE-4C5A-BAC2-14D66FCDEADF}"/>
+                <a16:creationId xmlns:a16="http://schemas.microsoft.com/office/drawing/2014/main" id="{DFF5B090-4BEE-4C5A-BAC2-14D66FCDEADF}"/>
               </a:ext>
             </a:extLst>
           </p:cNvPr>
@@ -1991,7 +2007,7 @@
           <p:cNvPr id="5" name="슬라이드 번호 개체 틀 4">
             <a:extLst>
               <a:ext uri="{FF2B5EF4-FFF2-40B4-BE49-F238E27FC236}">
-                <a16:creationId xmlns:a16="http://schemas.microsoft.com/office/drawing/2014/main" xmlns="" id="{4C861722-A667-407A-85F5-AA55F771A25F}"/>
+                <a16:creationId xmlns:a16="http://schemas.microsoft.com/office/drawing/2014/main" id="{4C861722-A667-407A-85F5-AA55F771A25F}"/>
               </a:ext>
             </a:extLst>
           </p:cNvPr>
@@ -2050,7 +2066,7 @@
           <p:cNvPr id="2" name="날짜 개체 틀 1">
             <a:extLst>
               <a:ext uri="{FF2B5EF4-FFF2-40B4-BE49-F238E27FC236}">
-                <a16:creationId xmlns:a16="http://schemas.microsoft.com/office/drawing/2014/main" xmlns="" id="{AB19D400-884F-4969-B7A7-ACFD3A4A5574}"/>
+                <a16:creationId xmlns:a16="http://schemas.microsoft.com/office/drawing/2014/main" id="{AB19D400-884F-4969-B7A7-ACFD3A4A5574}"/>
               </a:ext>
             </a:extLst>
           </p:cNvPr>
@@ -2068,7 +2084,7 @@
           <a:p>
             <a:fld id="{448EC59A-14CB-4835-BC16-25D179378DDE}" type="datetimeFigureOut">
               <a:rPr lang="ko-KR" altLang="en-US" smtClean="0"/>
-              <a:t>2020-03-18</a:t>
+              <a:t>2020-03-22</a:t>
             </a:fld>
             <a:endParaRPr lang="ko-KR" altLang="en-US"/>
           </a:p>
@@ -2079,7 +2095,7 @@
           <p:cNvPr id="3" name="바닥글 개체 틀 2">
             <a:extLst>
               <a:ext uri="{FF2B5EF4-FFF2-40B4-BE49-F238E27FC236}">
-                <a16:creationId xmlns:a16="http://schemas.microsoft.com/office/drawing/2014/main" xmlns="" id="{AD2CD216-AC3B-453F-898A-553843E43448}"/>
+                <a16:creationId xmlns:a16="http://schemas.microsoft.com/office/drawing/2014/main" id="{AD2CD216-AC3B-453F-898A-553843E43448}"/>
               </a:ext>
             </a:extLst>
           </p:cNvPr>
@@ -2104,7 +2120,7 @@
           <p:cNvPr id="4" name="슬라이드 번호 개체 틀 3">
             <a:extLst>
               <a:ext uri="{FF2B5EF4-FFF2-40B4-BE49-F238E27FC236}">
-                <a16:creationId xmlns:a16="http://schemas.microsoft.com/office/drawing/2014/main" xmlns="" id="{406968C5-7F4C-4DA4-A3E1-5F8663EC5BF9}"/>
+                <a16:creationId xmlns:a16="http://schemas.microsoft.com/office/drawing/2014/main" id="{406968C5-7F4C-4DA4-A3E1-5F8663EC5BF9}"/>
               </a:ext>
             </a:extLst>
           </p:cNvPr>
@@ -2163,7 +2179,7 @@
           <p:cNvPr id="2" name="제목 1">
             <a:extLst>
               <a:ext uri="{FF2B5EF4-FFF2-40B4-BE49-F238E27FC236}">
-                <a16:creationId xmlns:a16="http://schemas.microsoft.com/office/drawing/2014/main" xmlns="" id="{B7771E74-FF9F-4CA5-8D88-BA03A12A69A3}"/>
+                <a16:creationId xmlns:a16="http://schemas.microsoft.com/office/drawing/2014/main" id="{B7771E74-FF9F-4CA5-8D88-BA03A12A69A3}"/>
               </a:ext>
             </a:extLst>
           </p:cNvPr>
@@ -2200,7 +2216,7 @@
           <p:cNvPr id="3" name="내용 개체 틀 2">
             <a:extLst>
               <a:ext uri="{FF2B5EF4-FFF2-40B4-BE49-F238E27FC236}">
-                <a16:creationId xmlns:a16="http://schemas.microsoft.com/office/drawing/2014/main" xmlns="" id="{3B7A4216-6881-4CE7-9F1D-9B66B1229825}"/>
+                <a16:creationId xmlns:a16="http://schemas.microsoft.com/office/drawing/2014/main" id="{3B7A4216-6881-4CE7-9F1D-9B66B1229825}"/>
               </a:ext>
             </a:extLst>
           </p:cNvPr>
@@ -2290,7 +2306,7 @@
           <p:cNvPr id="4" name="텍스트 개체 틀 3">
             <a:extLst>
               <a:ext uri="{FF2B5EF4-FFF2-40B4-BE49-F238E27FC236}">
-                <a16:creationId xmlns:a16="http://schemas.microsoft.com/office/drawing/2014/main" xmlns="" id="{F85C35C9-A7F5-41FA-922E-8641CE02530A}"/>
+                <a16:creationId xmlns:a16="http://schemas.microsoft.com/office/drawing/2014/main" id="{F85C35C9-A7F5-41FA-922E-8641CE02530A}"/>
               </a:ext>
             </a:extLst>
           </p:cNvPr>
@@ -2361,7 +2377,7 @@
           <p:cNvPr id="5" name="날짜 개체 틀 4">
             <a:extLst>
               <a:ext uri="{FF2B5EF4-FFF2-40B4-BE49-F238E27FC236}">
-                <a16:creationId xmlns:a16="http://schemas.microsoft.com/office/drawing/2014/main" xmlns="" id="{34DDDABE-4CC9-417A-B9E3-ED8D8D62F5FF}"/>
+                <a16:creationId xmlns:a16="http://schemas.microsoft.com/office/drawing/2014/main" id="{34DDDABE-4CC9-417A-B9E3-ED8D8D62F5FF}"/>
               </a:ext>
             </a:extLst>
           </p:cNvPr>
@@ -2379,7 +2395,7 @@
           <a:p>
             <a:fld id="{448EC59A-14CB-4835-BC16-25D179378DDE}" type="datetimeFigureOut">
               <a:rPr lang="ko-KR" altLang="en-US" smtClean="0"/>
-              <a:t>2020-03-18</a:t>
+              <a:t>2020-03-22</a:t>
             </a:fld>
             <a:endParaRPr lang="ko-KR" altLang="en-US"/>
           </a:p>
@@ -2390,7 +2406,7 @@
           <p:cNvPr id="6" name="바닥글 개체 틀 5">
             <a:extLst>
               <a:ext uri="{FF2B5EF4-FFF2-40B4-BE49-F238E27FC236}">
-                <a16:creationId xmlns:a16="http://schemas.microsoft.com/office/drawing/2014/main" xmlns="" id="{6EAF4A86-1E27-4B59-8E83-A771AF3B8112}"/>
+                <a16:creationId xmlns:a16="http://schemas.microsoft.com/office/drawing/2014/main" id="{6EAF4A86-1E27-4B59-8E83-A771AF3B8112}"/>
               </a:ext>
             </a:extLst>
           </p:cNvPr>
@@ -2415,7 +2431,7 @@
           <p:cNvPr id="7" name="슬라이드 번호 개체 틀 6">
             <a:extLst>
               <a:ext uri="{FF2B5EF4-FFF2-40B4-BE49-F238E27FC236}">
-                <a16:creationId xmlns:a16="http://schemas.microsoft.com/office/drawing/2014/main" xmlns="" id="{36CD1100-AC71-4AFB-A726-ACD6D225882F}"/>
+                <a16:creationId xmlns:a16="http://schemas.microsoft.com/office/drawing/2014/main" id="{36CD1100-AC71-4AFB-A726-ACD6D225882F}"/>
               </a:ext>
             </a:extLst>
           </p:cNvPr>
@@ -2474,7 +2490,7 @@
           <p:cNvPr id="2" name="제목 1">
             <a:extLst>
               <a:ext uri="{FF2B5EF4-FFF2-40B4-BE49-F238E27FC236}">
-                <a16:creationId xmlns:a16="http://schemas.microsoft.com/office/drawing/2014/main" xmlns="" id="{C1111BDF-E629-4E44-BE61-C6325BA3C7B3}"/>
+                <a16:creationId xmlns:a16="http://schemas.microsoft.com/office/drawing/2014/main" id="{C1111BDF-E629-4E44-BE61-C6325BA3C7B3}"/>
               </a:ext>
             </a:extLst>
           </p:cNvPr>
@@ -2511,7 +2527,7 @@
           <p:cNvPr id="3" name="그림 개체 틀 2">
             <a:extLst>
               <a:ext uri="{FF2B5EF4-FFF2-40B4-BE49-F238E27FC236}">
-                <a16:creationId xmlns:a16="http://schemas.microsoft.com/office/drawing/2014/main" xmlns="" id="{002711C1-11CF-4D5D-85E7-E2CA0301E7E4}"/>
+                <a16:creationId xmlns:a16="http://schemas.microsoft.com/office/drawing/2014/main" id="{002711C1-11CF-4D5D-85E7-E2CA0301E7E4}"/>
               </a:ext>
             </a:extLst>
           </p:cNvPr>
@@ -2578,7 +2594,7 @@
           <p:cNvPr id="4" name="텍스트 개체 틀 3">
             <a:extLst>
               <a:ext uri="{FF2B5EF4-FFF2-40B4-BE49-F238E27FC236}">
-                <a16:creationId xmlns:a16="http://schemas.microsoft.com/office/drawing/2014/main" xmlns="" id="{4ED8F5AA-CE5B-4B4D-ADDA-07EFBFC82207}"/>
+                <a16:creationId xmlns:a16="http://schemas.microsoft.com/office/drawing/2014/main" id="{4ED8F5AA-CE5B-4B4D-ADDA-07EFBFC82207}"/>
               </a:ext>
             </a:extLst>
           </p:cNvPr>
@@ -2649,7 +2665,7 @@
           <p:cNvPr id="5" name="날짜 개체 틀 4">
             <a:extLst>
               <a:ext uri="{FF2B5EF4-FFF2-40B4-BE49-F238E27FC236}">
-                <a16:creationId xmlns:a16="http://schemas.microsoft.com/office/drawing/2014/main" xmlns="" id="{C02B12B8-8C98-42BF-9735-436A58A86B0C}"/>
+                <a16:creationId xmlns:a16="http://schemas.microsoft.com/office/drawing/2014/main" id="{C02B12B8-8C98-42BF-9735-436A58A86B0C}"/>
               </a:ext>
             </a:extLst>
           </p:cNvPr>
@@ -2667,7 +2683,7 @@
           <a:p>
             <a:fld id="{448EC59A-14CB-4835-BC16-25D179378DDE}" type="datetimeFigureOut">
               <a:rPr lang="ko-KR" altLang="en-US" smtClean="0"/>
-              <a:t>2020-03-18</a:t>
+              <a:t>2020-03-22</a:t>
             </a:fld>
             <a:endParaRPr lang="ko-KR" altLang="en-US"/>
           </a:p>
@@ -2678,7 +2694,7 @@
           <p:cNvPr id="6" name="바닥글 개체 틀 5">
             <a:extLst>
               <a:ext uri="{FF2B5EF4-FFF2-40B4-BE49-F238E27FC236}">
-                <a16:creationId xmlns:a16="http://schemas.microsoft.com/office/drawing/2014/main" xmlns="" id="{78A1DC1D-B090-451F-A60E-E1839C096859}"/>
+                <a16:creationId xmlns:a16="http://schemas.microsoft.com/office/drawing/2014/main" id="{78A1DC1D-B090-451F-A60E-E1839C096859}"/>
               </a:ext>
             </a:extLst>
           </p:cNvPr>
@@ -2703,7 +2719,7 @@
           <p:cNvPr id="7" name="슬라이드 번호 개체 틀 6">
             <a:extLst>
               <a:ext uri="{FF2B5EF4-FFF2-40B4-BE49-F238E27FC236}">
-                <a16:creationId xmlns:a16="http://schemas.microsoft.com/office/drawing/2014/main" xmlns="" id="{E452DE8D-4FAA-40E5-9AAD-D9C2A6CFB571}"/>
+                <a16:creationId xmlns:a16="http://schemas.microsoft.com/office/drawing/2014/main" id="{E452DE8D-4FAA-40E5-9AAD-D9C2A6CFB571}"/>
               </a:ext>
             </a:extLst>
           </p:cNvPr>
@@ -2767,7 +2783,7 @@
           <p:cNvPr id="2" name="제목 개체 틀 1">
             <a:extLst>
               <a:ext uri="{FF2B5EF4-FFF2-40B4-BE49-F238E27FC236}">
-                <a16:creationId xmlns:a16="http://schemas.microsoft.com/office/drawing/2014/main" xmlns="" id="{93D38C05-FE2F-4326-A6C4-D4952220B26D}"/>
+                <a16:creationId xmlns:a16="http://schemas.microsoft.com/office/drawing/2014/main" id="{93D38C05-FE2F-4326-A6C4-D4952220B26D}"/>
               </a:ext>
             </a:extLst>
           </p:cNvPr>
@@ -2805,7 +2821,7 @@
           <p:cNvPr id="3" name="텍스트 개체 틀 2">
             <a:extLst>
               <a:ext uri="{FF2B5EF4-FFF2-40B4-BE49-F238E27FC236}">
-                <a16:creationId xmlns:a16="http://schemas.microsoft.com/office/drawing/2014/main" xmlns="" id="{569D27DB-F366-4E16-B3A9-2BA2C9BB2392}"/>
+                <a16:creationId xmlns:a16="http://schemas.microsoft.com/office/drawing/2014/main" id="{569D27DB-F366-4E16-B3A9-2BA2C9BB2392}"/>
               </a:ext>
             </a:extLst>
           </p:cNvPr>
@@ -2872,7 +2888,7 @@
           <p:cNvPr id="4" name="날짜 개체 틀 3">
             <a:extLst>
               <a:ext uri="{FF2B5EF4-FFF2-40B4-BE49-F238E27FC236}">
-                <a16:creationId xmlns:a16="http://schemas.microsoft.com/office/drawing/2014/main" xmlns="" id="{4A25056A-B6B3-4220-9244-637D9A251836}"/>
+                <a16:creationId xmlns:a16="http://schemas.microsoft.com/office/drawing/2014/main" id="{4A25056A-B6B3-4220-9244-637D9A251836}"/>
               </a:ext>
             </a:extLst>
           </p:cNvPr>
@@ -2908,7 +2924,7 @@
           <a:p>
             <a:fld id="{448EC59A-14CB-4835-BC16-25D179378DDE}" type="datetimeFigureOut">
               <a:rPr lang="ko-KR" altLang="en-US" smtClean="0"/>
-              <a:t>2020-03-18</a:t>
+              <a:t>2020-03-22</a:t>
             </a:fld>
             <a:endParaRPr lang="ko-KR" altLang="en-US"/>
           </a:p>
@@ -2919,7 +2935,7 @@
           <p:cNvPr id="5" name="바닥글 개체 틀 4">
             <a:extLst>
               <a:ext uri="{FF2B5EF4-FFF2-40B4-BE49-F238E27FC236}">
-                <a16:creationId xmlns:a16="http://schemas.microsoft.com/office/drawing/2014/main" xmlns="" id="{B29F010E-FBDC-491E-9946-65DEFE99EAB9}"/>
+                <a16:creationId xmlns:a16="http://schemas.microsoft.com/office/drawing/2014/main" id="{B29F010E-FBDC-491E-9946-65DEFE99EAB9}"/>
               </a:ext>
             </a:extLst>
           </p:cNvPr>
@@ -2962,7 +2978,7 @@
           <p:cNvPr id="6" name="슬라이드 번호 개체 틀 5">
             <a:extLst>
               <a:ext uri="{FF2B5EF4-FFF2-40B4-BE49-F238E27FC236}">
-                <a16:creationId xmlns:a16="http://schemas.microsoft.com/office/drawing/2014/main" xmlns="" id="{ACF5DF7F-D1AD-4364-89F4-419BBED3E901}"/>
+                <a16:creationId xmlns:a16="http://schemas.microsoft.com/office/drawing/2014/main" id="{ACF5DF7F-D1AD-4364-89F4-419BBED3E901}"/>
               </a:ext>
             </a:extLst>
           </p:cNvPr>
@@ -3330,7 +3346,7 @@
           <p:cNvPr id="3" name="그림 2">
             <a:extLst>
               <a:ext uri="{FF2B5EF4-FFF2-40B4-BE49-F238E27FC236}">
-                <a16:creationId xmlns:a16="http://schemas.microsoft.com/office/drawing/2014/main" xmlns="" id="{F6A74E75-FD56-4087-BE2A-9BB1AE0C2481}"/>
+                <a16:creationId xmlns:a16="http://schemas.microsoft.com/office/drawing/2014/main" id="{F6A74E75-FD56-4087-BE2A-9BB1AE0C2481}"/>
               </a:ext>
             </a:extLst>
           </p:cNvPr>
@@ -3360,7 +3376,7 @@
           <p:cNvPr id="11" name="TextBox 10">
             <a:extLst>
               <a:ext uri="{FF2B5EF4-FFF2-40B4-BE49-F238E27FC236}">
-                <a16:creationId xmlns:a16="http://schemas.microsoft.com/office/drawing/2014/main" xmlns="" id="{6C0B7E88-872B-4237-BC2C-576C7437E714}"/>
+                <a16:creationId xmlns:a16="http://schemas.microsoft.com/office/drawing/2014/main" id="{6C0B7E88-872B-4237-BC2C-576C7437E714}"/>
               </a:ext>
             </a:extLst>
           </p:cNvPr>
@@ -3480,7 +3496,7 @@
           <p:cNvPr id="3" name="그림 2">
             <a:extLst>
               <a:ext uri="{FF2B5EF4-FFF2-40B4-BE49-F238E27FC236}">
-                <a16:creationId xmlns:a16="http://schemas.microsoft.com/office/drawing/2014/main" xmlns="" id="{F6A74E75-FD56-4087-BE2A-9BB1AE0C2481}"/>
+                <a16:creationId xmlns:a16="http://schemas.microsoft.com/office/drawing/2014/main" id="{F6A74E75-FD56-4087-BE2A-9BB1AE0C2481}"/>
               </a:ext>
             </a:extLst>
           </p:cNvPr>
@@ -3510,7 +3526,7 @@
           <p:cNvPr id="11" name="TextBox 10">
             <a:extLst>
               <a:ext uri="{FF2B5EF4-FFF2-40B4-BE49-F238E27FC236}">
-                <a16:creationId xmlns:a16="http://schemas.microsoft.com/office/drawing/2014/main" xmlns="" id="{6C0B7E88-872B-4237-BC2C-576C7437E714}"/>
+                <a16:creationId xmlns:a16="http://schemas.microsoft.com/office/drawing/2014/main" id="{6C0B7E88-872B-4237-BC2C-576C7437E714}"/>
               </a:ext>
             </a:extLst>
           </p:cNvPr>
@@ -3519,8 +3535,8 @@
         </p:nvSpPr>
         <p:spPr>
           <a:xfrm>
-            <a:off x="5866781" y="1510467"/>
-            <a:ext cx="4613571" cy="338554"/>
+            <a:off x="5830714" y="1510467"/>
+            <a:ext cx="4685706" cy="338554"/>
           </a:xfrm>
           <a:prstGeom prst="rect">
             <a:avLst/>
@@ -3535,30 +3551,30 @@
           <a:p>
             <a:pPr algn="ctr"/>
             <a:r>
-              <a:rPr lang="en-US" altLang="ko-KR" sz="1600"/>
+              <a:rPr lang="en-US" altLang="ko-KR" sz="1600" dirty="0"/>
               <a:t>// People</a:t>
             </a:r>
             <a:r>
-              <a:rPr lang="ko-KR" altLang="en-US" sz="1600"/>
+              <a:rPr lang="ko-KR" altLang="en-US" sz="1600" dirty="0"/>
               <a:t>배열에 </a:t>
             </a:r>
             <a:r>
-              <a:rPr lang="en-US" altLang="ko-KR" sz="1600" b="1"/>
+              <a:rPr lang="en-US" altLang="ko-KR" sz="1600" b="1" dirty="0"/>
               <a:t>19</a:t>
             </a:r>
             <a:r>
-              <a:rPr lang="ko-KR" altLang="en-US" sz="1600" b="1"/>
-              <a:t>살 이상이 한명 이상</a:t>
-            </a:r>
-            <a:r>
-              <a:rPr lang="ko-KR" altLang="en-US" sz="1600"/>
+              <a:rPr lang="ko-KR" altLang="en-US" sz="1600" b="1" dirty="0"/>
+              <a:t>살 이상이 한 명 이상</a:t>
+            </a:r>
+            <a:r>
+              <a:rPr lang="ko-KR" altLang="en-US" sz="1600" dirty="0"/>
               <a:t> 있는가</a:t>
             </a:r>
             <a:r>
-              <a:rPr lang="en-US" altLang="ko-KR" sz="1600"/>
+              <a:rPr lang="en-US" altLang="ko-KR" sz="1600" dirty="0"/>
               <a:t>?</a:t>
             </a:r>
-            <a:endParaRPr lang="ko-KR" altLang="en-US" sz="1600"/>
+            <a:endParaRPr lang="ko-KR" altLang="en-US" sz="1600" dirty="0"/>
           </a:p>
         </p:txBody>
       </p:sp>
@@ -3567,7 +3583,7 @@
           <p:cNvPr id="4" name="그림 3">
             <a:extLst>
               <a:ext uri="{FF2B5EF4-FFF2-40B4-BE49-F238E27FC236}">
-                <a16:creationId xmlns:a16="http://schemas.microsoft.com/office/drawing/2014/main" xmlns="" id="{83A11ACC-E97D-4F90-829F-E54608E333BA}"/>
+                <a16:creationId xmlns:a16="http://schemas.microsoft.com/office/drawing/2014/main" id="{83A11ACC-E97D-4F90-829F-E54608E333BA}"/>
               </a:ext>
             </a:extLst>
           </p:cNvPr>
@@ -3597,7 +3613,7 @@
           <p:cNvPr id="8" name="TextBox 7">
             <a:extLst>
               <a:ext uri="{FF2B5EF4-FFF2-40B4-BE49-F238E27FC236}">
-                <a16:creationId xmlns:a16="http://schemas.microsoft.com/office/drawing/2014/main" xmlns="" id="{8EE1BADD-B1B6-409E-BA44-01AA36F194FB}"/>
+                <a16:creationId xmlns:a16="http://schemas.microsoft.com/office/drawing/2014/main" id="{8EE1BADD-B1B6-409E-BA44-01AA36F194FB}"/>
               </a:ext>
             </a:extLst>
           </p:cNvPr>
@@ -3607,7 +3623,7 @@
         <p:spPr>
           <a:xfrm>
             <a:off x="1293854" y="3242997"/>
-            <a:ext cx="7243073" cy="276999"/>
+            <a:ext cx="7352077" cy="276999"/>
           </a:xfrm>
           <a:prstGeom prst="rect">
             <a:avLst/>
@@ -3621,34 +3637,34 @@
           <a:lstStyle/>
           <a:p>
             <a:r>
-              <a:rPr lang="en-US" altLang="ko-KR" sz="1200" b="1"/>
+              <a:rPr lang="en-US" altLang="ko-KR" sz="1200" b="1" dirty="0"/>
               <a:t>some()</a:t>
             </a:r>
             <a:r>
-              <a:rPr lang="ko-KR" altLang="en-US" sz="1200"/>
-              <a:t>은 앞의 배열의 내용 중 조건에 맞는것이 하나라도 있다면 </a:t>
-            </a:r>
-            <a:r>
-              <a:rPr lang="en-US" altLang="ko-KR" sz="1200" b="1"/>
+              <a:rPr lang="ko-KR" altLang="en-US" sz="1200" dirty="0"/>
+              <a:t>은 앞의 배열의 내용 중 조건에 맞는 것 이 하나라도 있다면 </a:t>
+            </a:r>
+            <a:r>
+              <a:rPr lang="en-US" altLang="ko-KR" sz="1200" b="1" dirty="0"/>
               <a:t>true</a:t>
             </a:r>
             <a:r>
-              <a:rPr lang="en-US" altLang="ko-KR" sz="1200"/>
+              <a:rPr lang="en-US" altLang="ko-KR" sz="1200" dirty="0"/>
               <a:t>, </a:t>
             </a:r>
             <a:r>
-              <a:rPr lang="ko-KR" altLang="en-US" sz="1200"/>
+              <a:rPr lang="ko-KR" altLang="en-US" sz="1200" dirty="0"/>
               <a:t>없다면 </a:t>
             </a:r>
             <a:r>
-              <a:rPr lang="en-US" altLang="ko-KR" sz="1200" b="1"/>
+              <a:rPr lang="en-US" altLang="ko-KR" sz="1200" b="1" dirty="0"/>
               <a:t>false</a:t>
             </a:r>
             <a:r>
-              <a:rPr lang="ko-KR" altLang="en-US" sz="1200"/>
+              <a:rPr lang="ko-KR" altLang="en-US" sz="1200" dirty="0"/>
               <a:t>를 반환하는 메소드</a:t>
             </a:r>
-            <a:endParaRPr lang="en-US" altLang="ko-KR" sz="1200"/>
+            <a:endParaRPr lang="en-US" altLang="ko-KR" sz="1200" dirty="0"/>
           </a:p>
         </p:txBody>
       </p:sp>
@@ -3657,7 +3673,7 @@
           <p:cNvPr id="10" name="그림 9">
             <a:extLst>
               <a:ext uri="{FF2B5EF4-FFF2-40B4-BE49-F238E27FC236}">
-                <a16:creationId xmlns:a16="http://schemas.microsoft.com/office/drawing/2014/main" xmlns="" id="{04858385-53C5-4387-A4DD-7E83C86E20A0}"/>
+                <a16:creationId xmlns:a16="http://schemas.microsoft.com/office/drawing/2014/main" id="{04858385-53C5-4387-A4DD-7E83C86E20A0}"/>
               </a:ext>
             </a:extLst>
           </p:cNvPr>
@@ -3687,7 +3703,7 @@
           <p:cNvPr id="12" name="TextBox 11">
             <a:extLst>
               <a:ext uri="{FF2B5EF4-FFF2-40B4-BE49-F238E27FC236}">
-                <a16:creationId xmlns:a16="http://schemas.microsoft.com/office/drawing/2014/main" xmlns="" id="{02157915-14CF-46DD-B351-11AD4388DF35}"/>
+                <a16:creationId xmlns:a16="http://schemas.microsoft.com/office/drawing/2014/main" id="{02157915-14CF-46DD-B351-11AD4388DF35}"/>
               </a:ext>
             </a:extLst>
           </p:cNvPr>
@@ -3711,22 +3727,30 @@
           <a:lstStyle/>
           <a:p>
             <a:r>
-              <a:rPr lang="en-US" altLang="ko-KR" sz="1200" b="1"/>
-              <a:t>new Date().getFullYear()</a:t>
-            </a:r>
-            <a:r>
-              <a:rPr lang="ko-KR" altLang="en-US" sz="1200"/>
+              <a:rPr lang="en-US" altLang="ko-KR" sz="1200" b="1" dirty="0"/>
+              <a:t>new Date().</a:t>
+            </a:r>
+            <a:r>
+              <a:rPr lang="en-US" altLang="ko-KR" sz="1200" b="1" dirty="0" err="1"/>
+              <a:t>getFullYear</a:t>
+            </a:r>
+            <a:r>
+              <a:rPr lang="en-US" altLang="ko-KR" sz="1200" b="1" dirty="0"/>
+              <a:t>()</a:t>
+            </a:r>
+            <a:r>
+              <a:rPr lang="ko-KR" altLang="en-US" sz="1200" dirty="0"/>
               <a:t>은 현재 년도를 </a:t>
             </a:r>
             <a:r>
-              <a:rPr lang="en-US" altLang="ko-KR" sz="1200"/>
+              <a:rPr lang="en-US" altLang="ko-KR" sz="1200" dirty="0"/>
               <a:t>4</a:t>
             </a:r>
             <a:r>
-              <a:rPr lang="ko-KR" altLang="en-US" sz="1200"/>
+              <a:rPr lang="ko-KR" altLang="en-US" sz="1200" dirty="0"/>
               <a:t>자리로 반환하는 메소드</a:t>
             </a:r>
-            <a:endParaRPr lang="en-US" altLang="ko-KR" sz="1200"/>
+            <a:endParaRPr lang="en-US" altLang="ko-KR" sz="1200" dirty="0"/>
           </a:p>
         </p:txBody>
       </p:sp>
@@ -3735,7 +3759,7 @@
           <p:cNvPr id="14" name="그림 13">
             <a:extLst>
               <a:ext uri="{FF2B5EF4-FFF2-40B4-BE49-F238E27FC236}">
-                <a16:creationId xmlns:a16="http://schemas.microsoft.com/office/drawing/2014/main" xmlns="" id="{9DDCD2D5-5BD9-4220-B631-BE5DA5A8AC45}"/>
+                <a16:creationId xmlns:a16="http://schemas.microsoft.com/office/drawing/2014/main" id="{9DDCD2D5-5BD9-4220-B631-BE5DA5A8AC45}"/>
               </a:ext>
             </a:extLst>
           </p:cNvPr>
@@ -3765,7 +3789,7 @@
           <p:cNvPr id="16" name="그림 15">
             <a:extLst>
               <a:ext uri="{FF2B5EF4-FFF2-40B4-BE49-F238E27FC236}">
-                <a16:creationId xmlns:a16="http://schemas.microsoft.com/office/drawing/2014/main" xmlns="" id="{8E5F6969-CF5B-401A-922C-6066916BA966}"/>
+                <a16:creationId xmlns:a16="http://schemas.microsoft.com/office/drawing/2014/main" id="{8E5F6969-CF5B-401A-922C-6066916BA966}"/>
               </a:ext>
             </a:extLst>
           </p:cNvPr>
@@ -3795,7 +3819,7 @@
           <p:cNvPr id="17" name="TextBox 16">
             <a:extLst>
               <a:ext uri="{FF2B5EF4-FFF2-40B4-BE49-F238E27FC236}">
-                <a16:creationId xmlns:a16="http://schemas.microsoft.com/office/drawing/2014/main" xmlns="" id="{B846EFED-087D-4359-8DCB-7CA0FB7332D9}"/>
+                <a16:creationId xmlns:a16="http://schemas.microsoft.com/office/drawing/2014/main" id="{B846EFED-087D-4359-8DCB-7CA0FB7332D9}"/>
               </a:ext>
             </a:extLst>
           </p:cNvPr>
@@ -3805,7 +3829,7 @@
         <p:spPr>
           <a:xfrm>
             <a:off x="1155741" y="3983967"/>
-            <a:ext cx="3848041" cy="276999"/>
+            <a:ext cx="4733219" cy="276999"/>
           </a:xfrm>
           <a:prstGeom prst="rect">
             <a:avLst/>
@@ -3819,22 +3843,22 @@
           <a:lstStyle/>
           <a:p>
             <a:r>
-              <a:rPr lang="en-US" altLang="ko-KR" sz="1200" b="1"/>
+              <a:rPr lang="en-US" altLang="ko-KR" sz="1200" b="1" dirty="0" err="1"/>
               <a:t>person.year</a:t>
             </a:r>
             <a:r>
-              <a:rPr lang="ko-KR" altLang="en-US" sz="1200"/>
-              <a:t>은 현재 년도를 </a:t>
-            </a:r>
-            <a:r>
-              <a:rPr lang="en-US" altLang="ko-KR" sz="1200"/>
+              <a:rPr lang="ko-KR" altLang="en-US" sz="1200" dirty="0"/>
+              <a:t>은 해당 객체가 가진 년도를 </a:t>
+            </a:r>
+            <a:r>
+              <a:rPr lang="en-US" altLang="ko-KR" sz="1200" dirty="0"/>
               <a:t>4</a:t>
             </a:r>
             <a:r>
-              <a:rPr lang="ko-KR" altLang="en-US" sz="1200"/>
+              <a:rPr lang="ko-KR" altLang="en-US" sz="1200" dirty="0"/>
               <a:t>자리로 반환하는 메소드</a:t>
             </a:r>
-            <a:endParaRPr lang="en-US" altLang="ko-KR" sz="1200"/>
+            <a:endParaRPr lang="en-US" altLang="ko-KR" sz="1200" dirty="0"/>
           </a:p>
         </p:txBody>
       </p:sp>
@@ -3843,7 +3867,7 @@
           <p:cNvPr id="20" name="그림 19">
             <a:extLst>
               <a:ext uri="{FF2B5EF4-FFF2-40B4-BE49-F238E27FC236}">
-                <a16:creationId xmlns:a16="http://schemas.microsoft.com/office/drawing/2014/main" xmlns="" id="{8334B5D4-530A-4A69-A526-6137F595A4F4}"/>
+                <a16:creationId xmlns:a16="http://schemas.microsoft.com/office/drawing/2014/main" id="{8334B5D4-530A-4A69-A526-6137F595A4F4}"/>
               </a:ext>
             </a:extLst>
           </p:cNvPr>
@@ -3873,7 +3897,7 @@
           <p:cNvPr id="21" name="그림 20">
             <a:extLst>
               <a:ext uri="{FF2B5EF4-FFF2-40B4-BE49-F238E27FC236}">
-                <a16:creationId xmlns:a16="http://schemas.microsoft.com/office/drawing/2014/main" xmlns="" id="{38E6AAE1-335F-47FB-B8B9-A223AAFA47E2}"/>
+                <a16:creationId xmlns:a16="http://schemas.microsoft.com/office/drawing/2014/main" id="{38E6AAE1-335F-47FB-B8B9-A223AAFA47E2}"/>
               </a:ext>
             </a:extLst>
           </p:cNvPr>
@@ -3903,7 +3927,7 @@
           <p:cNvPr id="22" name="TextBox 21">
             <a:extLst>
               <a:ext uri="{FF2B5EF4-FFF2-40B4-BE49-F238E27FC236}">
-                <a16:creationId xmlns:a16="http://schemas.microsoft.com/office/drawing/2014/main" xmlns="" id="{D58277C9-4A96-4B3C-9C16-2986AE7CA0FC}"/>
+                <a16:creationId xmlns:a16="http://schemas.microsoft.com/office/drawing/2014/main" id="{D58277C9-4A96-4B3C-9C16-2986AE7CA0FC}"/>
               </a:ext>
             </a:extLst>
           </p:cNvPr>
@@ -3971,7 +3995,7 @@
           <p:cNvPr id="2" name="그림 1">
             <a:extLst>
               <a:ext uri="{FF2B5EF4-FFF2-40B4-BE49-F238E27FC236}">
-                <a16:creationId xmlns:a16="http://schemas.microsoft.com/office/drawing/2014/main" xmlns="" id="{EA6EE60A-A135-443F-8791-0110DF1F58C2}"/>
+                <a16:creationId xmlns:a16="http://schemas.microsoft.com/office/drawing/2014/main" id="{EA6EE60A-A135-443F-8791-0110DF1F58C2}"/>
               </a:ext>
             </a:extLst>
           </p:cNvPr>
@@ -4001,7 +4025,7 @@
           <p:cNvPr id="18" name="그림 17">
             <a:extLst>
               <a:ext uri="{FF2B5EF4-FFF2-40B4-BE49-F238E27FC236}">
-                <a16:creationId xmlns:a16="http://schemas.microsoft.com/office/drawing/2014/main" xmlns="" id="{50871E5E-DBD1-4119-A63A-86BAFF816B5F}"/>
+                <a16:creationId xmlns:a16="http://schemas.microsoft.com/office/drawing/2014/main" id="{50871E5E-DBD1-4119-A63A-86BAFF816B5F}"/>
               </a:ext>
             </a:extLst>
           </p:cNvPr>
@@ -4061,7 +4085,7 @@
           <p:cNvPr id="3" name="그림 2">
             <a:extLst>
               <a:ext uri="{FF2B5EF4-FFF2-40B4-BE49-F238E27FC236}">
-                <a16:creationId xmlns:a16="http://schemas.microsoft.com/office/drawing/2014/main" xmlns="" id="{F6A74E75-FD56-4087-BE2A-9BB1AE0C2481}"/>
+                <a16:creationId xmlns:a16="http://schemas.microsoft.com/office/drawing/2014/main" id="{F6A74E75-FD56-4087-BE2A-9BB1AE0C2481}"/>
               </a:ext>
             </a:extLst>
           </p:cNvPr>
@@ -4091,7 +4115,7 @@
           <p:cNvPr id="11" name="TextBox 10">
             <a:extLst>
               <a:ext uri="{FF2B5EF4-FFF2-40B4-BE49-F238E27FC236}">
-                <a16:creationId xmlns:a16="http://schemas.microsoft.com/office/drawing/2014/main" xmlns="" id="{6C0B7E88-872B-4237-BC2C-576C7437E714}"/>
+                <a16:creationId xmlns:a16="http://schemas.microsoft.com/office/drawing/2014/main" id="{6C0B7E88-872B-4237-BC2C-576C7437E714}"/>
               </a:ext>
             </a:extLst>
           </p:cNvPr>
@@ -4116,30 +4140,30 @@
           <a:p>
             <a:pPr algn="ctr"/>
             <a:r>
-              <a:rPr lang="en-US" altLang="ko-KR" sz="1600"/>
+              <a:rPr lang="en-US" altLang="ko-KR" sz="1600" dirty="0"/>
               <a:t>// People</a:t>
             </a:r>
             <a:r>
-              <a:rPr lang="ko-KR" altLang="en-US" sz="1600"/>
+              <a:rPr lang="ko-KR" altLang="en-US" sz="1600" dirty="0"/>
               <a:t>배열에 </a:t>
             </a:r>
             <a:r>
-              <a:rPr lang="en-US" altLang="ko-KR" sz="1600" b="1"/>
+              <a:rPr lang="en-US" altLang="ko-KR" sz="1600" b="1" dirty="0"/>
               <a:t>19</a:t>
             </a:r>
             <a:r>
-              <a:rPr lang="ko-KR" altLang="en-US" sz="1600" b="1"/>
+              <a:rPr lang="ko-KR" altLang="en-US" sz="1600" b="1" dirty="0"/>
               <a:t>살 이상만 </a:t>
             </a:r>
             <a:r>
-              <a:rPr lang="ko-KR" altLang="en-US" sz="1600"/>
+              <a:rPr lang="ko-KR" altLang="en-US" sz="1600" dirty="0"/>
               <a:t>있는가</a:t>
             </a:r>
             <a:r>
-              <a:rPr lang="en-US" altLang="ko-KR" sz="1600"/>
+              <a:rPr lang="en-US" altLang="ko-KR" sz="1600" dirty="0"/>
               <a:t>?</a:t>
             </a:r>
-            <a:endParaRPr lang="ko-KR" altLang="en-US" sz="1600"/>
+            <a:endParaRPr lang="ko-KR" altLang="en-US" sz="1600" dirty="0"/>
           </a:p>
         </p:txBody>
       </p:sp>
@@ -4148,7 +4172,7 @@
           <p:cNvPr id="8" name="TextBox 7">
             <a:extLst>
               <a:ext uri="{FF2B5EF4-FFF2-40B4-BE49-F238E27FC236}">
-                <a16:creationId xmlns:a16="http://schemas.microsoft.com/office/drawing/2014/main" xmlns="" id="{8EE1BADD-B1B6-409E-BA44-01AA36F194FB}"/>
+                <a16:creationId xmlns:a16="http://schemas.microsoft.com/office/drawing/2014/main" id="{8EE1BADD-B1B6-409E-BA44-01AA36F194FB}"/>
               </a:ext>
             </a:extLst>
           </p:cNvPr>
@@ -4208,7 +4232,7 @@
           <p:cNvPr id="12" name="TextBox 11">
             <a:extLst>
               <a:ext uri="{FF2B5EF4-FFF2-40B4-BE49-F238E27FC236}">
-                <a16:creationId xmlns:a16="http://schemas.microsoft.com/office/drawing/2014/main" xmlns="" id="{02157915-14CF-46DD-B351-11AD4388DF35}"/>
+                <a16:creationId xmlns:a16="http://schemas.microsoft.com/office/drawing/2014/main" id="{02157915-14CF-46DD-B351-11AD4388DF35}"/>
               </a:ext>
             </a:extLst>
           </p:cNvPr>
@@ -4256,7 +4280,7 @@
           <p:cNvPr id="14" name="그림 13">
             <a:extLst>
               <a:ext uri="{FF2B5EF4-FFF2-40B4-BE49-F238E27FC236}">
-                <a16:creationId xmlns:a16="http://schemas.microsoft.com/office/drawing/2014/main" xmlns="" id="{9DDCD2D5-5BD9-4220-B631-BE5DA5A8AC45}"/>
+                <a16:creationId xmlns:a16="http://schemas.microsoft.com/office/drawing/2014/main" id="{9DDCD2D5-5BD9-4220-B631-BE5DA5A8AC45}"/>
               </a:ext>
             </a:extLst>
           </p:cNvPr>
@@ -4286,7 +4310,7 @@
           <p:cNvPr id="16" name="그림 15">
             <a:extLst>
               <a:ext uri="{FF2B5EF4-FFF2-40B4-BE49-F238E27FC236}">
-                <a16:creationId xmlns:a16="http://schemas.microsoft.com/office/drawing/2014/main" xmlns="" id="{8E5F6969-CF5B-401A-922C-6066916BA966}"/>
+                <a16:creationId xmlns:a16="http://schemas.microsoft.com/office/drawing/2014/main" id="{8E5F6969-CF5B-401A-922C-6066916BA966}"/>
               </a:ext>
             </a:extLst>
           </p:cNvPr>
@@ -4316,7 +4340,7 @@
           <p:cNvPr id="17" name="TextBox 16">
             <a:extLst>
               <a:ext uri="{FF2B5EF4-FFF2-40B4-BE49-F238E27FC236}">
-                <a16:creationId xmlns:a16="http://schemas.microsoft.com/office/drawing/2014/main" xmlns="" id="{B846EFED-087D-4359-8DCB-7CA0FB7332D9}"/>
+                <a16:creationId xmlns:a16="http://schemas.microsoft.com/office/drawing/2014/main" id="{B846EFED-087D-4359-8DCB-7CA0FB7332D9}"/>
               </a:ext>
             </a:extLst>
           </p:cNvPr>
@@ -4326,7 +4350,7 @@
         <p:spPr>
           <a:xfrm>
             <a:off x="1155741" y="3983967"/>
-            <a:ext cx="3848041" cy="276999"/>
+            <a:ext cx="3615926" cy="276999"/>
           </a:xfrm>
           <a:prstGeom prst="rect">
             <a:avLst/>
@@ -4340,22 +4364,18 @@
           <a:lstStyle/>
           <a:p>
             <a:r>
-              <a:rPr lang="en-US" altLang="ko-KR" sz="1200" b="1"/>
+              <a:rPr lang="en-US" altLang="ko-KR" sz="1200" b="1" dirty="0" err="1"/>
               <a:t>person.year</a:t>
             </a:r>
             <a:r>
+              <a:rPr lang="ko-KR" altLang="en-US" sz="1200" dirty="0"/>
+              <a:t>은 해당 객체가 가진 </a:t>
+            </a:r>
+            <a:r>
               <a:rPr lang="ko-KR" altLang="en-US" sz="1200"/>
-              <a:t>은 현재 년도를 </a:t>
-            </a:r>
-            <a:r>
-              <a:rPr lang="en-US" altLang="ko-KR" sz="1200"/>
-              <a:t>4</a:t>
-            </a:r>
-            <a:r>
-              <a:rPr lang="ko-KR" altLang="en-US" sz="1200"/>
-              <a:t>자리로 반환하는 메소드</a:t>
-            </a:r>
-            <a:endParaRPr lang="en-US" altLang="ko-KR" sz="1200"/>
+              <a:t>년도를 가져온다</a:t>
+            </a:r>
+            <a:endParaRPr lang="en-US" altLang="ko-KR" sz="1200" dirty="0"/>
           </a:p>
         </p:txBody>
       </p:sp>
@@ -4364,7 +4384,7 @@
           <p:cNvPr id="19" name="그림 18">
             <a:extLst>
               <a:ext uri="{FF2B5EF4-FFF2-40B4-BE49-F238E27FC236}">
-                <a16:creationId xmlns:a16="http://schemas.microsoft.com/office/drawing/2014/main" xmlns="" id="{BB90090E-7862-4BA6-A3C6-6AE325C4D863}"/>
+                <a16:creationId xmlns:a16="http://schemas.microsoft.com/office/drawing/2014/main" id="{BB90090E-7862-4BA6-A3C6-6AE325C4D863}"/>
               </a:ext>
             </a:extLst>
           </p:cNvPr>
@@ -4389,80 +4409,12 @@
           </a:prstGeom>
         </p:spPr>
       </p:pic>
-      <p:sp>
-        <p:nvSpPr>
-          <p:cNvPr id="22" name="TextBox 21">
-            <a:extLst>
-              <a:ext uri="{FF2B5EF4-FFF2-40B4-BE49-F238E27FC236}">
-                <a16:creationId xmlns:a16="http://schemas.microsoft.com/office/drawing/2014/main" xmlns="" id="{D58277C9-4A96-4B3C-9C16-2986AE7CA0FC}"/>
-              </a:ext>
-            </a:extLst>
-          </p:cNvPr>
-          <p:cNvSpPr txBox="1"/>
-          <p:nvPr/>
-        </p:nvSpPr>
-        <p:spPr>
-          <a:xfrm>
-            <a:off x="198479" y="6014265"/>
-            <a:ext cx="9079280" cy="276999"/>
-          </a:xfrm>
-          <a:prstGeom prst="rect">
-            <a:avLst/>
-          </a:prstGeom>
-          <a:noFill/>
-        </p:spPr>
-        <p:txBody>
-          <a:bodyPr wrap="none" rtlCol="0">
-            <a:spAutoFit/>
-          </a:bodyPr>
-          <a:lstStyle/>
-          <a:p>
-            <a:r>
-              <a:rPr lang="en-US" altLang="ko-KR" sz="1200" b="1"/>
-              <a:t>every()</a:t>
-            </a:r>
-            <a:r>
-              <a:rPr lang="ko-KR" altLang="en-US" sz="1200" b="1"/>
-              <a:t> </a:t>
-            </a:r>
-            <a:r>
-              <a:rPr lang="ko-KR" altLang="en-US" sz="1200"/>
-              <a:t>메소드 괄호 안의 내용은 </a:t>
-            </a:r>
-            <a:r>
-              <a:rPr lang="en-US" altLang="ko-KR" sz="1200"/>
-              <a:t>4</a:t>
-            </a:r>
-            <a:r>
-              <a:rPr lang="ko-KR" altLang="en-US" sz="1200"/>
-              <a:t>자리의 현재 연도를 얻어 낸 뒤 각각 </a:t>
-            </a:r>
-            <a:r>
-              <a:rPr lang="en-US" altLang="ko-KR" sz="1200"/>
-              <a:t>pseron</a:t>
-            </a:r>
-            <a:r>
-              <a:rPr lang="ko-KR" altLang="en-US" sz="1200"/>
-              <a:t>의 년도를 뺀 값이 모두 </a:t>
-            </a:r>
-            <a:r>
-              <a:rPr lang="en-US" altLang="ko-KR" sz="1200"/>
-              <a:t>19</a:t>
-            </a:r>
-            <a:r>
-              <a:rPr lang="ko-KR" altLang="en-US" sz="1200"/>
-              <a:t>이상인지 확인하는 코드</a:t>
-            </a:r>
-            <a:endParaRPr lang="en-US" altLang="ko-KR" sz="1200"/>
-          </a:p>
-        </p:txBody>
-      </p:sp>
       <p:pic>
         <p:nvPicPr>
           <p:cNvPr id="23" name="그림 22">
             <a:extLst>
               <a:ext uri="{FF2B5EF4-FFF2-40B4-BE49-F238E27FC236}">
-                <a16:creationId xmlns:a16="http://schemas.microsoft.com/office/drawing/2014/main" xmlns="" id="{AC3710A8-199B-4BCA-A9CA-CB9E507EEBE1}"/>
+                <a16:creationId xmlns:a16="http://schemas.microsoft.com/office/drawing/2014/main" id="{AC3710A8-199B-4BCA-A9CA-CB9E507EEBE1}"/>
               </a:ext>
             </a:extLst>
           </p:cNvPr>
@@ -4481,96 +4433,6 @@
           <a:xfrm>
             <a:off x="198479" y="3287291"/>
             <a:ext cx="1181100" cy="200025"/>
-          </a:xfrm>
-          <a:prstGeom prst="rect">
-            <a:avLst/>
-          </a:prstGeom>
-        </p:spPr>
-      </p:pic>
-      <p:pic>
-        <p:nvPicPr>
-          <p:cNvPr id="24" name="그림 23">
-            <a:extLst>
-              <a:ext uri="{FF2B5EF4-FFF2-40B4-BE49-F238E27FC236}">
-                <a16:creationId xmlns:a16="http://schemas.microsoft.com/office/drawing/2014/main" xmlns="" id="{F1305B3E-552A-4651-B3BC-418BDE37D9A8}"/>
-              </a:ext>
-            </a:extLst>
-          </p:cNvPr>
-          <p:cNvPicPr>
-            <a:picLocks noChangeAspect="1"/>
-          </p:cNvPicPr>
-          <p:nvPr/>
-        </p:nvPicPr>
-        <p:blipFill>
-          <a:blip r:embed="rId7"/>
-          <a:stretch>
-            <a:fillRect/>
-          </a:stretch>
-        </p:blipFill>
-        <p:spPr>
-          <a:xfrm>
-            <a:off x="198479" y="4936996"/>
-            <a:ext cx="6772275" cy="609600"/>
-          </a:xfrm>
-          <a:prstGeom prst="rect">
-            <a:avLst/>
-          </a:prstGeom>
-        </p:spPr>
-      </p:pic>
-      <p:pic>
-        <p:nvPicPr>
-          <p:cNvPr id="25" name="그림 24">
-            <a:extLst>
-              <a:ext uri="{FF2B5EF4-FFF2-40B4-BE49-F238E27FC236}">
-                <a16:creationId xmlns:a16="http://schemas.microsoft.com/office/drawing/2014/main" xmlns="" id="{B0AE165D-6D1F-4AF0-B7A3-AAC0BF227445}"/>
-              </a:ext>
-            </a:extLst>
-          </p:cNvPr>
-          <p:cNvPicPr>
-            <a:picLocks noChangeAspect="1"/>
-          </p:cNvPicPr>
-          <p:nvPr/>
-        </p:nvPicPr>
-        <p:blipFill>
-          <a:blip r:embed="rId8"/>
-          <a:stretch>
-            <a:fillRect/>
-          </a:stretch>
-        </p:blipFill>
-        <p:spPr>
-          <a:xfrm>
-            <a:off x="198479" y="5692253"/>
-            <a:ext cx="3800475" cy="190500"/>
-          </a:xfrm>
-          <a:prstGeom prst="rect">
-            <a:avLst/>
-          </a:prstGeom>
-        </p:spPr>
-      </p:pic>
-      <p:pic>
-        <p:nvPicPr>
-          <p:cNvPr id="26" name="그림 25">
-            <a:extLst>
-              <a:ext uri="{FF2B5EF4-FFF2-40B4-BE49-F238E27FC236}">
-                <a16:creationId xmlns:a16="http://schemas.microsoft.com/office/drawing/2014/main" xmlns="" id="{C17EE6FA-0137-46D7-9844-4D86FA4ABB22}"/>
-              </a:ext>
-            </a:extLst>
-          </p:cNvPr>
-          <p:cNvPicPr>
-            <a:picLocks noChangeAspect="1"/>
-          </p:cNvPicPr>
-          <p:nvPr/>
-        </p:nvPicPr>
-        <p:blipFill>
-          <a:blip r:embed="rId9"/>
-          <a:stretch>
-            <a:fillRect/>
-          </a:stretch>
-        </p:blipFill>
-        <p:spPr>
-          <a:xfrm>
-            <a:off x="4093152" y="5682728"/>
-            <a:ext cx="1428750" cy="209550"/>
           </a:xfrm>
           <a:prstGeom prst="rect">
             <a:avLst/>
@@ -4612,7 +4474,7 @@
           <p:cNvPr id="3" name="그림 2">
             <a:extLst>
               <a:ext uri="{FF2B5EF4-FFF2-40B4-BE49-F238E27FC236}">
-                <a16:creationId xmlns:a16="http://schemas.microsoft.com/office/drawing/2014/main" xmlns="" id="{F6A74E75-FD56-4087-BE2A-9BB1AE0C2481}"/>
+                <a16:creationId xmlns:a16="http://schemas.microsoft.com/office/drawing/2014/main" id="{F6A74E75-FD56-4087-BE2A-9BB1AE0C2481}"/>
               </a:ext>
             </a:extLst>
           </p:cNvPr>
@@ -4642,7 +4504,7 @@
           <p:cNvPr id="11" name="TextBox 10">
             <a:extLst>
               <a:ext uri="{FF2B5EF4-FFF2-40B4-BE49-F238E27FC236}">
-                <a16:creationId xmlns:a16="http://schemas.microsoft.com/office/drawing/2014/main" xmlns="" id="{6C0B7E88-872B-4237-BC2C-576C7437E714}"/>
+                <a16:creationId xmlns:a16="http://schemas.microsoft.com/office/drawing/2014/main" id="{6C0B7E88-872B-4237-BC2C-576C7437E714}"/>
               </a:ext>
             </a:extLst>
           </p:cNvPr>
@@ -4651,8 +4513,8 @@
         </p:nvSpPr>
         <p:spPr>
           <a:xfrm>
-            <a:off x="5203849" y="1510467"/>
-            <a:ext cx="5939446" cy="338554"/>
+            <a:off x="5101257" y="1510467"/>
+            <a:ext cx="6144631" cy="338554"/>
           </a:xfrm>
           <a:prstGeom prst="rect">
             <a:avLst/>
@@ -4667,38 +4529,38 @@
           <a:p>
             <a:pPr algn="ctr"/>
             <a:r>
-              <a:rPr lang="en-US" altLang="ko-KR" sz="1600"/>
-              <a:t>// commen</a:t>
-            </a:r>
-            <a:r>
-              <a:rPr lang="ko-KR" altLang="en-US" sz="1600"/>
+              <a:rPr lang="en-US" altLang="ko-KR" sz="1600" dirty="0"/>
+              <a:t>// comments</a:t>
+            </a:r>
+            <a:r>
+              <a:rPr lang="ko-KR" altLang="en-US" sz="1600" dirty="0"/>
               <a:t>배열에 </a:t>
             </a:r>
             <a:r>
-              <a:rPr lang="en-US" altLang="ko-KR" sz="1600" b="1"/>
+              <a:rPr lang="en-US" altLang="ko-KR" sz="1600" b="1" dirty="0"/>
               <a:t>id</a:t>
             </a:r>
             <a:r>
-              <a:rPr lang="ko-KR" altLang="en-US" sz="1600" b="1"/>
+              <a:rPr lang="ko-KR" altLang="en-US" sz="1600" b="1" dirty="0"/>
               <a:t>가 </a:t>
             </a:r>
             <a:r>
-              <a:rPr lang="en-US" altLang="ko-KR" sz="1600" b="1"/>
+              <a:rPr lang="en-US" altLang="ko-KR" sz="1600" b="1" dirty="0"/>
               <a:t>823423</a:t>
             </a:r>
             <a:r>
-              <a:rPr lang="ko-KR" altLang="en-US" sz="1600" b="1"/>
+              <a:rPr lang="ko-KR" altLang="en-US" sz="1600" b="1" dirty="0"/>
               <a:t>인 값</a:t>
             </a:r>
             <a:r>
-              <a:rPr lang="ko-KR" altLang="en-US" sz="1600"/>
+              <a:rPr lang="ko-KR" altLang="en-US" sz="1600" dirty="0"/>
               <a:t>을 가진 객체가 누구인가</a:t>
             </a:r>
             <a:r>
-              <a:rPr lang="en-US" altLang="ko-KR" sz="1600"/>
+              <a:rPr lang="en-US" altLang="ko-KR" sz="1600" dirty="0"/>
               <a:t>?</a:t>
             </a:r>
-            <a:endParaRPr lang="ko-KR" altLang="en-US" sz="1600"/>
+            <a:endParaRPr lang="ko-KR" altLang="en-US" sz="1600" dirty="0"/>
           </a:p>
         </p:txBody>
       </p:sp>
@@ -4707,7 +4569,7 @@
           <p:cNvPr id="8" name="TextBox 7">
             <a:extLst>
               <a:ext uri="{FF2B5EF4-FFF2-40B4-BE49-F238E27FC236}">
-                <a16:creationId xmlns:a16="http://schemas.microsoft.com/office/drawing/2014/main" xmlns="" id="{8EE1BADD-B1B6-409E-BA44-01AA36F194FB}"/>
+                <a16:creationId xmlns:a16="http://schemas.microsoft.com/office/drawing/2014/main" id="{8EE1BADD-B1B6-409E-BA44-01AA36F194FB}"/>
               </a:ext>
             </a:extLst>
           </p:cNvPr>
@@ -4770,7 +4632,7 @@
           <p:cNvPr id="22" name="TextBox 21">
             <a:extLst>
               <a:ext uri="{FF2B5EF4-FFF2-40B4-BE49-F238E27FC236}">
-                <a16:creationId xmlns:a16="http://schemas.microsoft.com/office/drawing/2014/main" xmlns="" id="{D58277C9-4A96-4B3C-9C16-2986AE7CA0FC}"/>
+                <a16:creationId xmlns:a16="http://schemas.microsoft.com/office/drawing/2014/main" id="{D58277C9-4A96-4B3C-9C16-2986AE7CA0FC}"/>
               </a:ext>
             </a:extLst>
           </p:cNvPr>
@@ -4825,7 +4687,7 @@
           <p:cNvPr id="2" name="그림 1">
             <a:extLst>
               <a:ext uri="{FF2B5EF4-FFF2-40B4-BE49-F238E27FC236}">
-                <a16:creationId xmlns:a16="http://schemas.microsoft.com/office/drawing/2014/main" xmlns="" id="{99D97F4B-53E8-4051-9BEE-D6C6838C769F}"/>
+                <a16:creationId xmlns:a16="http://schemas.microsoft.com/office/drawing/2014/main" id="{99D97F4B-53E8-4051-9BEE-D6C6838C769F}"/>
               </a:ext>
             </a:extLst>
           </p:cNvPr>
@@ -4855,7 +4717,7 @@
           <p:cNvPr id="5" name="그림 4">
             <a:extLst>
               <a:ext uri="{FF2B5EF4-FFF2-40B4-BE49-F238E27FC236}">
-                <a16:creationId xmlns:a16="http://schemas.microsoft.com/office/drawing/2014/main" xmlns="" id="{CAC55314-D235-438E-A4E1-8371B937536F}"/>
+                <a16:creationId xmlns:a16="http://schemas.microsoft.com/office/drawing/2014/main" id="{CAC55314-D235-438E-A4E1-8371B937536F}"/>
               </a:ext>
             </a:extLst>
           </p:cNvPr>
@@ -4885,7 +4747,7 @@
           <p:cNvPr id="6" name="그림 5">
             <a:extLst>
               <a:ext uri="{FF2B5EF4-FFF2-40B4-BE49-F238E27FC236}">
-                <a16:creationId xmlns:a16="http://schemas.microsoft.com/office/drawing/2014/main" xmlns="" id="{B4E23ECF-78A3-4579-98C5-E874CBD508D0}"/>
+                <a16:creationId xmlns:a16="http://schemas.microsoft.com/office/drawing/2014/main" id="{B4E23ECF-78A3-4579-98C5-E874CBD508D0}"/>
               </a:ext>
             </a:extLst>
           </p:cNvPr>
@@ -4915,7 +4777,7 @@
           <p:cNvPr id="7" name="그림 6">
             <a:extLst>
               <a:ext uri="{FF2B5EF4-FFF2-40B4-BE49-F238E27FC236}">
-                <a16:creationId xmlns:a16="http://schemas.microsoft.com/office/drawing/2014/main" xmlns="" id="{054311EC-4D52-4D12-A7C0-DDFECF8E6D72}"/>
+                <a16:creationId xmlns:a16="http://schemas.microsoft.com/office/drawing/2014/main" id="{054311EC-4D52-4D12-A7C0-DDFECF8E6D72}"/>
               </a:ext>
             </a:extLst>
           </p:cNvPr>
@@ -5039,7 +4901,7 @@
           <p:cNvPr id="3" name="그림 2">
             <a:extLst>
               <a:ext uri="{FF2B5EF4-FFF2-40B4-BE49-F238E27FC236}">
-                <a16:creationId xmlns:a16="http://schemas.microsoft.com/office/drawing/2014/main" xmlns="" id="{F6A74E75-FD56-4087-BE2A-9BB1AE0C2481}"/>
+                <a16:creationId xmlns:a16="http://schemas.microsoft.com/office/drawing/2014/main" id="{F6A74E75-FD56-4087-BE2A-9BB1AE0C2481}"/>
               </a:ext>
             </a:extLst>
           </p:cNvPr>
@@ -5069,7 +4931,7 @@
           <p:cNvPr id="11" name="TextBox 10">
             <a:extLst>
               <a:ext uri="{FF2B5EF4-FFF2-40B4-BE49-F238E27FC236}">
-                <a16:creationId xmlns:a16="http://schemas.microsoft.com/office/drawing/2014/main" xmlns="" id="{6C0B7E88-872B-4237-BC2C-576C7437E714}"/>
+                <a16:creationId xmlns:a16="http://schemas.microsoft.com/office/drawing/2014/main" id="{6C0B7E88-872B-4237-BC2C-576C7437E714}"/>
               </a:ext>
             </a:extLst>
           </p:cNvPr>
@@ -5078,8 +4940,8 @@
         </p:nvSpPr>
         <p:spPr>
           <a:xfrm>
-            <a:off x="4033533" y="619125"/>
-            <a:ext cx="6716903" cy="338554"/>
+            <a:off x="3954185" y="619125"/>
+            <a:ext cx="6875601" cy="338554"/>
           </a:xfrm>
           <a:prstGeom prst="rect">
             <a:avLst/>
@@ -5095,11 +4957,7 @@
             <a:pPr algn="ctr"/>
             <a:r>
               <a:rPr lang="en-US" altLang="ko-KR" sz="1600" dirty="0"/>
-              <a:t>// </a:t>
-            </a:r>
-            <a:r>
-              <a:rPr lang="en-US" altLang="ko-KR" sz="1600" dirty="0" err="1"/>
-              <a:t>commen</a:t>
+              <a:t>// comments</a:t>
             </a:r>
             <a:r>
               <a:rPr lang="ko-KR" altLang="en-US" sz="1600" dirty="0"/>
@@ -5123,18 +4981,14 @@
             </a:r>
             <a:r>
               <a:rPr lang="ko-KR" altLang="en-US" sz="1600" dirty="0"/>
-              <a:t>을 가진 </a:t>
-            </a:r>
-            <a:r>
-              <a:rPr lang="ko-KR" altLang="en-US" sz="1600" dirty="0" smtClean="0"/>
-              <a:t>객체의 </a:t>
-            </a:r>
-            <a:r>
-              <a:rPr lang="en-US" altLang="ko-KR" sz="1600" dirty="0" smtClean="0"/>
+              <a:t>을 가진 객체의 </a:t>
+            </a:r>
+            <a:r>
+              <a:rPr lang="en-US" altLang="ko-KR" sz="1600" dirty="0"/>
               <a:t>index</a:t>
             </a:r>
             <a:r>
-              <a:rPr lang="ko-KR" altLang="en-US" sz="1600" dirty="0" smtClean="0"/>
+              <a:rPr lang="ko-KR" altLang="en-US" sz="1600" dirty="0"/>
               <a:t>값이 몇인가</a:t>
             </a:r>
             <a:r>
@@ -5150,7 +5004,7 @@
           <p:cNvPr id="8" name="TextBox 7">
             <a:extLst>
               <a:ext uri="{FF2B5EF4-FFF2-40B4-BE49-F238E27FC236}">
-                <a16:creationId xmlns:a16="http://schemas.microsoft.com/office/drawing/2014/main" xmlns="" id="{8EE1BADD-B1B6-409E-BA44-01AA36F194FB}"/>
+                <a16:creationId xmlns:a16="http://schemas.microsoft.com/office/drawing/2014/main" id="{8EE1BADD-B1B6-409E-BA44-01AA36F194FB}"/>
               </a:ext>
             </a:extLst>
           </p:cNvPr>
@@ -5174,11 +5028,11 @@
           <a:lstStyle/>
           <a:p>
             <a:r>
-              <a:rPr lang="en-US" altLang="ko-KR" sz="1200" b="1" dirty="0" err="1" smtClean="0"/>
+              <a:rPr lang="en-US" altLang="ko-KR" sz="1200" b="1" dirty="0" err="1"/>
               <a:t>findIndex</a:t>
             </a:r>
             <a:r>
-              <a:rPr lang="en-US" altLang="ko-KR" sz="1200" b="1" dirty="0" smtClean="0"/>
+              <a:rPr lang="en-US" altLang="ko-KR" sz="1200" b="1" dirty="0"/>
               <a:t>()</a:t>
             </a:r>
             <a:r>
@@ -5203,31 +5057,15 @@
             </a:r>
             <a:r>
               <a:rPr lang="ko-KR" altLang="en-US" sz="1200" dirty="0"/>
-              <a:t>값을 가진 </a:t>
-            </a:r>
-            <a:r>
-              <a:rPr lang="ko-KR" altLang="en-US" sz="1200" dirty="0" smtClean="0"/>
-              <a:t>객체</a:t>
-            </a:r>
-            <a:r>
-              <a:rPr lang="ko-KR" altLang="en-US" sz="1200" dirty="0" smtClean="0"/>
-              <a:t>의 </a:t>
-            </a:r>
-            <a:r>
-              <a:rPr lang="en-US" altLang="ko-KR" sz="1200" dirty="0" smtClean="0"/>
+              <a:t>값을 가진 객체의 </a:t>
+            </a:r>
+            <a:r>
+              <a:rPr lang="en-US" altLang="ko-KR" sz="1200" dirty="0"/>
               <a:t>index</a:t>
             </a:r>
             <a:r>
-              <a:rPr lang="ko-KR" altLang="en-US" sz="1200" dirty="0" smtClean="0"/>
-              <a:t>값을</a:t>
-            </a:r>
-            <a:r>
-              <a:rPr lang="ko-KR" altLang="en-US" sz="1200" dirty="0" smtClean="0"/>
-              <a:t> </a:t>
-            </a:r>
-            <a:r>
               <a:rPr lang="ko-KR" altLang="en-US" sz="1200" dirty="0"/>
-              <a:t>가져온다</a:t>
+              <a:t>값을 가져온다</a:t>
             </a:r>
             <a:r>
               <a:rPr lang="en-US" altLang="ko-KR" sz="1200" dirty="0"/>
@@ -5241,7 +5079,7 @@
           <p:cNvPr id="22" name="TextBox 21">
             <a:extLst>
               <a:ext uri="{FF2B5EF4-FFF2-40B4-BE49-F238E27FC236}">
-                <a16:creationId xmlns:a16="http://schemas.microsoft.com/office/drawing/2014/main" xmlns="" id="{D58277C9-4A96-4B3C-9C16-2986AE7CA0FC}"/>
+                <a16:creationId xmlns:a16="http://schemas.microsoft.com/office/drawing/2014/main" id="{D58277C9-4A96-4B3C-9C16-2986AE7CA0FC}"/>
               </a:ext>
             </a:extLst>
           </p:cNvPr>
@@ -5265,15 +5103,15 @@
           <a:lstStyle/>
           <a:p>
             <a:r>
-              <a:rPr lang="en-US" altLang="ko-KR" sz="1200" b="1" dirty="0" err="1" smtClean="0"/>
+              <a:rPr lang="en-US" altLang="ko-KR" sz="1200" b="1" dirty="0" err="1"/>
               <a:t>findIndex</a:t>
             </a:r>
             <a:r>
-              <a:rPr lang="en-US" altLang="ko-KR" sz="1200" b="1" dirty="0" smtClean="0"/>
+              <a:rPr lang="en-US" altLang="ko-KR" sz="1200" b="1" dirty="0"/>
               <a:t>()</a:t>
             </a:r>
             <a:r>
-              <a:rPr lang="ko-KR" altLang="en-US" sz="1200" b="1" dirty="0" smtClean="0"/>
+              <a:rPr lang="ko-KR" altLang="en-US" sz="1200" b="1" dirty="0"/>
               <a:t> </a:t>
             </a:r>
             <a:r>
@@ -5282,11 +5120,7 @@
             </a:r>
             <a:r>
               <a:rPr lang="ko-KR" altLang="en-US" sz="1200" dirty="0"/>
-              <a:t> 괄호 안의 내용을 </a:t>
-            </a:r>
-            <a:r>
-              <a:rPr lang="ko-KR" altLang="en-US" sz="1200" dirty="0" smtClean="0"/>
-              <a:t>비교하여 해당 </a:t>
+              <a:t> 괄호 안의 내용을 비교하여 해당 </a:t>
             </a:r>
             <a:r>
               <a:rPr lang="en-US" altLang="ko-KR" sz="1200" dirty="0"/>
@@ -5294,27 +5128,15 @@
             </a:r>
             <a:r>
               <a:rPr lang="ko-KR" altLang="en-US" sz="1200" dirty="0"/>
-              <a:t>값을 가진 </a:t>
-            </a:r>
-            <a:r>
-              <a:rPr lang="ko-KR" altLang="en-US" sz="1200" dirty="0" smtClean="0"/>
-              <a:t>객체</a:t>
-            </a:r>
-            <a:r>
-              <a:rPr lang="ko-KR" altLang="en-US" sz="1200" dirty="0" smtClean="0"/>
-              <a:t>의 </a:t>
-            </a:r>
-            <a:r>
-              <a:rPr lang="en-US" altLang="ko-KR" sz="1200" dirty="0" smtClean="0"/>
+              <a:t>값을 가진 객체의 </a:t>
+            </a:r>
+            <a:r>
+              <a:rPr lang="en-US" altLang="ko-KR" sz="1200" dirty="0"/>
               <a:t>index</a:t>
             </a:r>
             <a:r>
-              <a:rPr lang="ko-KR" altLang="en-US" sz="1200" dirty="0" smtClean="0"/>
-              <a:t>값을 </a:t>
-            </a:r>
-            <a:r>
-              <a:rPr lang="ko-KR" altLang="en-US" sz="1200" dirty="0" smtClean="0"/>
-              <a:t>가져온다</a:t>
+              <a:rPr lang="ko-KR" altLang="en-US" sz="1200" dirty="0"/>
+              <a:t>값을 가져온다</a:t>
             </a:r>
             <a:r>
               <a:rPr lang="en-US" altLang="ko-KR" sz="1200" dirty="0"/>
@@ -5520,7 +5342,7 @@
           <p:cNvPr id="16" name="TextBox 15">
             <a:extLst>
               <a:ext uri="{FF2B5EF4-FFF2-40B4-BE49-F238E27FC236}">
-                <a16:creationId xmlns:a16="http://schemas.microsoft.com/office/drawing/2014/main" xmlns="" id="{D58277C9-4A96-4B3C-9C16-2986AE7CA0FC}"/>
+                <a16:creationId xmlns:a16="http://schemas.microsoft.com/office/drawing/2014/main" id="{D58277C9-4A96-4B3C-9C16-2986AE7CA0FC}"/>
               </a:ext>
             </a:extLst>
           </p:cNvPr>
@@ -5564,14 +5386,14 @@
               <a:t>newComments</a:t>
             </a:r>
             <a:r>
-              <a:rPr lang="ko-KR" altLang="en-US" sz="1200" dirty="0" smtClean="0"/>
+              <a:rPr lang="ko-KR" altLang="en-US" sz="1200" dirty="0"/>
               <a:t>안에</a:t>
             </a:r>
-            <a:endParaRPr lang="en-US" altLang="ko-KR" sz="1200" dirty="0" smtClean="0"/>
-          </a:p>
-          <a:p>
-            <a:r>
-              <a:rPr lang="en-US" altLang="ko-KR" sz="1200" dirty="0" smtClean="0"/>
+            <a:endParaRPr lang="en-US" altLang="ko-KR" sz="1200" dirty="0"/>
+          </a:p>
+          <a:p>
+            <a:r>
+              <a:rPr lang="en-US" altLang="ko-KR" sz="1200" dirty="0"/>
               <a:t>id</a:t>
             </a:r>
             <a:r>
@@ -5584,111 +5406,106 @@
             </a:r>
             <a:r>
               <a:rPr lang="ko-KR" altLang="en-US" sz="1200" dirty="0"/>
-              <a:t>인 값을 뺀 나머지를 넣는 </a:t>
-            </a:r>
-            <a:r>
-              <a:rPr lang="ko-KR" altLang="en-US" sz="1200" dirty="0" smtClean="0"/>
-              <a:t>코드</a:t>
-            </a:r>
-            <a:endParaRPr lang="en-US" altLang="ko-KR" sz="1200" dirty="0" smtClean="0"/>
-          </a:p>
-          <a:p>
+              <a:t>인 값을 뺀 나머지를 넣는 코드</a:t>
+            </a:r>
             <a:endParaRPr lang="en-US" altLang="ko-KR" sz="1200" dirty="0"/>
           </a:p>
           <a:p>
-            <a:r>
-              <a:rPr lang="en-US" altLang="ko-KR" sz="1200" dirty="0" err="1" smtClean="0"/>
+            <a:endParaRPr lang="en-US" altLang="ko-KR" sz="1200" dirty="0"/>
+          </a:p>
+          <a:p>
+            <a:r>
+              <a:rPr lang="en-US" altLang="ko-KR" sz="1200" dirty="0" err="1"/>
               <a:t>Comments.splice</a:t>
             </a:r>
             <a:r>
-              <a:rPr lang="en-US" altLang="ko-KR" sz="1200" dirty="0" smtClean="0"/>
+              <a:rPr lang="en-US" altLang="ko-KR" sz="1200" dirty="0"/>
               <a:t>(1, 1) // comments</a:t>
             </a:r>
             <a:r>
-              <a:rPr lang="ko-KR" altLang="en-US" sz="1200" dirty="0" smtClean="0"/>
+              <a:rPr lang="ko-KR" altLang="en-US" sz="1200" dirty="0"/>
               <a:t>배열의 </a:t>
             </a:r>
             <a:r>
-              <a:rPr lang="en-US" altLang="ko-KR" sz="1200" dirty="0" smtClean="0"/>
+              <a:rPr lang="en-US" altLang="ko-KR" sz="1200" dirty="0"/>
               <a:t>1</a:t>
             </a:r>
             <a:r>
-              <a:rPr lang="ko-KR" altLang="en-US" sz="1200" dirty="0" smtClean="0"/>
+              <a:rPr lang="ko-KR" altLang="en-US" sz="1200" dirty="0"/>
               <a:t>번째 객체부터 </a:t>
             </a:r>
             <a:r>
-              <a:rPr lang="en-US" altLang="ko-KR" sz="1200" dirty="0" smtClean="0"/>
+              <a:rPr lang="en-US" altLang="ko-KR" sz="1200" dirty="0"/>
               <a:t>1</a:t>
             </a:r>
             <a:r>
-              <a:rPr lang="ko-KR" altLang="en-US" sz="1200" dirty="0" smtClean="0"/>
+              <a:rPr lang="ko-KR" altLang="en-US" sz="1200" dirty="0"/>
               <a:t>개 삭제</a:t>
             </a:r>
-            <a:endParaRPr lang="en-US" altLang="ko-KR" sz="1200" dirty="0" smtClean="0"/>
-          </a:p>
-          <a:p>
-            <a:endParaRPr lang="en-US" altLang="ko-KR" sz="1200" dirty="0" smtClean="0"/>
-          </a:p>
-          <a:p>
-            <a:r>
-              <a:rPr lang="en-US" altLang="ko-KR" sz="1200" dirty="0" smtClean="0"/>
+            <a:endParaRPr lang="en-US" altLang="ko-KR" sz="1200" dirty="0"/>
+          </a:p>
+          <a:p>
+            <a:endParaRPr lang="en-US" altLang="ko-KR" sz="1200" dirty="0"/>
+          </a:p>
+          <a:p>
+            <a:r>
+              <a:rPr lang="en-US" altLang="ko-KR" sz="1200" dirty="0"/>
               <a:t>…</a:t>
             </a:r>
             <a:r>
-              <a:rPr lang="en-US" altLang="ko-KR" sz="1200" dirty="0" err="1" smtClean="0"/>
+              <a:rPr lang="en-US" altLang="ko-KR" sz="1200" dirty="0" err="1"/>
               <a:t>comments.slice</a:t>
             </a:r>
             <a:r>
-              <a:rPr lang="en-US" altLang="ko-KR" sz="1200" dirty="0" smtClean="0"/>
+              <a:rPr lang="en-US" altLang="ko-KR" sz="1200" dirty="0"/>
               <a:t>(0, 1) // comments</a:t>
             </a:r>
             <a:r>
-              <a:rPr lang="ko-KR" altLang="en-US" sz="1200" dirty="0" smtClean="0"/>
+              <a:rPr lang="ko-KR" altLang="en-US" sz="1200" dirty="0"/>
               <a:t>배열의 </a:t>
             </a:r>
             <a:r>
-              <a:rPr lang="en-US" altLang="ko-KR" sz="1200" dirty="0" smtClean="0"/>
+              <a:rPr lang="en-US" altLang="ko-KR" sz="1200" dirty="0"/>
               <a:t>0~1</a:t>
             </a:r>
             <a:r>
-              <a:rPr lang="ko-KR" altLang="en-US" sz="1200" dirty="0" smtClean="0"/>
+              <a:rPr lang="ko-KR" altLang="en-US" sz="1200" dirty="0"/>
               <a:t>번째 까지의 객체를 가져온다</a:t>
             </a:r>
             <a:r>
-              <a:rPr lang="en-US" altLang="ko-KR" sz="1200" dirty="0" smtClean="0"/>
+              <a:rPr lang="en-US" altLang="ko-KR" sz="1200" dirty="0"/>
               <a:t>.</a:t>
             </a:r>
           </a:p>
           <a:p>
             <a:r>
-              <a:rPr lang="en-US" altLang="ko-KR" sz="1200" dirty="0" smtClean="0"/>
+              <a:rPr lang="en-US" altLang="ko-KR" sz="1200" dirty="0"/>
               <a:t>…</a:t>
             </a:r>
             <a:r>
-              <a:rPr lang="en-US" altLang="ko-KR" sz="1200" dirty="0" err="1" smtClean="0"/>
+              <a:rPr lang="en-US" altLang="ko-KR" sz="1200" dirty="0" err="1"/>
               <a:t>comments.slice</a:t>
             </a:r>
             <a:r>
-              <a:rPr lang="en-US" altLang="ko-KR" sz="1200" dirty="0" smtClean="0"/>
+              <a:rPr lang="en-US" altLang="ko-KR" sz="1200" dirty="0"/>
               <a:t>(1+1) // comments</a:t>
             </a:r>
             <a:r>
-              <a:rPr lang="ko-KR" altLang="en-US" sz="1200" dirty="0" smtClean="0"/>
+              <a:rPr lang="ko-KR" altLang="en-US" sz="1200" dirty="0"/>
               <a:t>배열의 </a:t>
             </a:r>
             <a:r>
-              <a:rPr lang="en-US" altLang="ko-KR" sz="1200" dirty="0" smtClean="0"/>
+              <a:rPr lang="en-US" altLang="ko-KR" sz="1200" dirty="0"/>
               <a:t>2</a:t>
             </a:r>
             <a:r>
-              <a:rPr lang="ko-KR" altLang="en-US" sz="1200" dirty="0" smtClean="0"/>
+              <a:rPr lang="ko-KR" altLang="en-US" sz="1200" dirty="0"/>
               <a:t>번째 객체부터 가져온다</a:t>
             </a:r>
             <a:r>
-              <a:rPr lang="en-US" altLang="ko-KR" sz="1200" dirty="0" smtClean="0"/>
+              <a:rPr lang="en-US" altLang="ko-KR" sz="1200" dirty="0"/>
               <a:t>.</a:t>
             </a:r>
-            <a:endParaRPr lang="en-US" altLang="ko-KR" sz="1200" dirty="0"/>
           </a:p>
         </p:txBody>
       </p:sp>
@@ -6122,7 +5939,7 @@
   <a:extraClrSchemeLst/>
   <a:extLst>
     <a:ext uri="{05A4C25C-085E-4340-85A3-A5531E510DB2}">
-      <thm15:themeFamily xmlns:thm15="http://schemas.microsoft.com/office/thememl/2012/main" xmlns="" name="Office Theme" id="{62F939B6-93AF-4DB8-9C6B-D6C7DFDC589F}" vid="{4A3C46E8-61CC-4603-A589-7422A47A8E4A}"/>
+      <thm15:themeFamily xmlns:thm15="http://schemas.microsoft.com/office/thememl/2012/main" name="Office Theme" id="{62F939B6-93AF-4DB8-9C6B-D6C7DFDC589F}" vid="{4A3C46E8-61CC-4603-A589-7422A47A8E4A}"/>
     </a:ext>
   </a:extLst>
 </a:theme>
